--- a/Quizlo.pptx
+++ b/Quizlo.pptx
@@ -5,7 +5,7 @@
     <p:sldMasterId id="2147483649" r:id="rId1"/>
   </p:sldMasterIdLst>
   <p:notesMasterIdLst>
-    <p:notesMasterId r:id="rId19"/>
+    <p:notesMasterId r:id="rId27"/>
   </p:notesMasterIdLst>
   <p:sldIdLst>
     <p:sldId id="256" r:id="rId2"/>
@@ -18,13 +18,21 @@
     <p:sldId id="277" r:id="rId9"/>
     <p:sldId id="260" r:id="rId10"/>
     <p:sldId id="274" r:id="rId11"/>
-    <p:sldId id="271" r:id="rId12"/>
-    <p:sldId id="268" r:id="rId13"/>
-    <p:sldId id="278" r:id="rId14"/>
-    <p:sldId id="262" r:id="rId15"/>
-    <p:sldId id="275" r:id="rId16"/>
-    <p:sldId id="279" r:id="rId17"/>
-    <p:sldId id="276" r:id="rId18"/>
+    <p:sldId id="286" r:id="rId12"/>
+    <p:sldId id="271" r:id="rId13"/>
+    <p:sldId id="268" r:id="rId14"/>
+    <p:sldId id="278" r:id="rId15"/>
+    <p:sldId id="262" r:id="rId16"/>
+    <p:sldId id="280" r:id="rId17"/>
+    <p:sldId id="281" r:id="rId18"/>
+    <p:sldId id="284" r:id="rId19"/>
+    <p:sldId id="285" r:id="rId20"/>
+    <p:sldId id="287" r:id="rId21"/>
+    <p:sldId id="282" r:id="rId22"/>
+    <p:sldId id="283" r:id="rId23"/>
+    <p:sldId id="275" r:id="rId24"/>
+    <p:sldId id="279" r:id="rId25"/>
+    <p:sldId id="276" r:id="rId26"/>
   </p:sldIdLst>
   <p:sldSz cx="10680700" cy="7556500"/>
   <p:notesSz cx="6858000" cy="9144000"/>
@@ -184,17 +192,114 @@
 <file path=ppt/revisionInfo.xml><?xml version="1.0" encoding="utf-8"?>
 <p1510:revInfo xmlns:a="http://schemas.openxmlformats.org/drawingml/2006/main" xmlns:r="http://schemas.openxmlformats.org/officeDocument/2006/relationships" xmlns:p1510="http://schemas.microsoft.com/office/powerpoint/2015/10/main">
   <p1510:revLst>
-    <p1510:client id="{00000000-0000-0000-0000-000000000000}" v="915" dt="2021-04-13T15:08:31.331"/>
+    <p1510:client id="{00000000-0000-0000-0000-000000000000}" v="1030" dt="2021-05-11T13:40:12.196"/>
     <p1510:client id="{52DABD9F-50D9-2000-EA5C-F2E2BE7C7B75}" v="1757" dt="2021-04-13T14:41:51.840"/>
     <p1510:client id="{A2E6DB87-A5F6-6155-99C4-4D4B586E6140}" v="126" dt="2021-04-27T17:08:23.706"/>
     <p1510:client id="{ABAD8A30-3EB5-9235-C2D8-C351E95531CC}" v="396" dt="2021-04-13T15:02:46.511"/>
+    <p1510:client id="{AD7DDE5F-0458-817B-5773-648ACA1D5A7F}" v="44" dt="2021-05-11T14:08:19.913"/>
     <p1510:client id="{BEE47ED4-2FD3-D74F-6BFE-43904F34C4FC}" v="7" dt="2021-04-26T11:41:52.293"/>
+    <p1510:client id="{DBFB7C4D-A746-9836-4F61-74E177BCD98A}" v="225" dt="2021-05-10T08:04:45.776"/>
   </p1510:revLst>
 </p1510:revInfo>
 </file>
 
 <file path=ppt/changesInfos/changesInfo1.xml><?xml version="1.0" encoding="utf-8"?>
 <pc:chgInfo xmlns:a="http://schemas.openxmlformats.org/drawingml/2006/main" xmlns:r="http://schemas.openxmlformats.org/officeDocument/2006/relationships" xmlns:ac="http://schemas.microsoft.com/office/drawing/2013/main/command" xmlns:pc="http://schemas.microsoft.com/office/powerpoint/2013/main/command">
+  <pc:docChgLst>
+    <pc:chgData name="Anna Młynarczyk" userId="S::amlynarczyk@student.agh.edu.pl::73d83fbe-a5e4-49c8-b79a-cc4a8dc68c6b" providerId="AD" clId="Web-{AD7DDE5F-0458-817B-5773-648ACA1D5A7F}"/>
+    <pc:docChg chg="addSld modSld sldOrd">
+      <pc:chgData name="Anna Młynarczyk" userId="S::amlynarczyk@student.agh.edu.pl::73d83fbe-a5e4-49c8-b79a-cc4a8dc68c6b" providerId="AD" clId="Web-{AD7DDE5F-0458-817B-5773-648ACA1D5A7F}" dt="2021-05-11T14:08:19.913" v="42" actId="1076"/>
+      <pc:docMkLst>
+        <pc:docMk/>
+      </pc:docMkLst>
+      <pc:sldChg chg="addSp delSp modSp add ord replId">
+        <pc:chgData name="Anna Młynarczyk" userId="S::amlynarczyk@student.agh.edu.pl::73d83fbe-a5e4-49c8-b79a-cc4a8dc68c6b" providerId="AD" clId="Web-{AD7DDE5F-0458-817B-5773-648ACA1D5A7F}" dt="2021-05-11T14:04:10.275" v="21" actId="20577"/>
+        <pc:sldMkLst>
+          <pc:docMk/>
+          <pc:sldMk cId="4020934876" sldId="286"/>
+        </pc:sldMkLst>
+        <pc:spChg chg="mod">
+          <ac:chgData name="Anna Młynarczyk" userId="S::amlynarczyk@student.agh.edu.pl::73d83fbe-a5e4-49c8-b79a-cc4a8dc68c6b" providerId="AD" clId="Web-{AD7DDE5F-0458-817B-5773-648ACA1D5A7F}" dt="2021-05-11T14:04:10.275" v="21" actId="20577"/>
+          <ac:spMkLst>
+            <pc:docMk/>
+            <pc:sldMk cId="4020934876" sldId="286"/>
+            <ac:spMk id="2" creationId="{5DFDA20B-FEEB-4376-BB6F-422DE1487D30}"/>
+          </ac:spMkLst>
+        </pc:spChg>
+        <pc:spChg chg="mod">
+          <ac:chgData name="Anna Młynarczyk" userId="S::amlynarczyk@student.agh.edu.pl::73d83fbe-a5e4-49c8-b79a-cc4a8dc68c6b" providerId="AD" clId="Web-{AD7DDE5F-0458-817B-5773-648ACA1D5A7F}" dt="2021-05-11T14:03:35.648" v="5" actId="20577"/>
+          <ac:spMkLst>
+            <pc:docMk/>
+            <pc:sldMk cId="4020934876" sldId="286"/>
+            <ac:spMk id="3" creationId="{7E4947CF-C8D7-434C-8030-67971600F5D3}"/>
+          </ac:spMkLst>
+        </pc:spChg>
+        <pc:spChg chg="del">
+          <ac:chgData name="Anna Młynarczyk" userId="S::amlynarczyk@student.agh.edu.pl::73d83fbe-a5e4-49c8-b79a-cc4a8dc68c6b" providerId="AD" clId="Web-{AD7DDE5F-0458-817B-5773-648ACA1D5A7F}" dt="2021-05-11T14:03:32.164" v="4"/>
+          <ac:spMkLst>
+            <pc:docMk/>
+            <pc:sldMk cId="4020934876" sldId="286"/>
+            <ac:spMk id="16" creationId="{B056C051-1EB5-47A0-BC5D-B65F3B410C4B}"/>
+          </ac:spMkLst>
+        </pc:spChg>
+        <pc:picChg chg="add mod">
+          <ac:chgData name="Anna Młynarczyk" userId="S::amlynarczyk@student.agh.edu.pl::73d83fbe-a5e4-49c8-b79a-cc4a8dc68c6b" providerId="AD" clId="Web-{AD7DDE5F-0458-817B-5773-648ACA1D5A7F}" dt="2021-05-11T14:04:01.057" v="10" actId="1076"/>
+          <ac:picMkLst>
+            <pc:docMk/>
+            <pc:sldMk cId="4020934876" sldId="286"/>
+            <ac:picMk id="4" creationId="{A44CBB93-34A8-4DBC-A518-FCA84A56C710}"/>
+          </ac:picMkLst>
+        </pc:picChg>
+        <pc:picChg chg="del">
+          <ac:chgData name="Anna Młynarczyk" userId="S::amlynarczyk@student.agh.edu.pl::73d83fbe-a5e4-49c8-b79a-cc4a8dc68c6b" providerId="AD" clId="Web-{AD7DDE5F-0458-817B-5773-648ACA1D5A7F}" dt="2021-05-11T14:03:25.664" v="2"/>
+          <ac:picMkLst>
+            <pc:docMk/>
+            <pc:sldMk cId="4020934876" sldId="286"/>
+            <ac:picMk id="14" creationId="{F0665385-D78D-4B8E-BC1A-FF928FF2D189}"/>
+          </ac:picMkLst>
+        </pc:picChg>
+        <pc:picChg chg="del">
+          <ac:chgData name="Anna Młynarczyk" userId="S::amlynarczyk@student.agh.edu.pl::73d83fbe-a5e4-49c8-b79a-cc4a8dc68c6b" providerId="AD" clId="Web-{AD7DDE5F-0458-817B-5773-648ACA1D5A7F}" dt="2021-05-11T14:03:27.195" v="3"/>
+          <ac:picMkLst>
+            <pc:docMk/>
+            <pc:sldMk cId="4020934876" sldId="286"/>
+            <ac:picMk id="15" creationId="{104FAA96-B47B-48E4-9B91-9A5495DC874A}"/>
+          </ac:picMkLst>
+        </pc:picChg>
+      </pc:sldChg>
+      <pc:sldChg chg="addSp modSp add replId">
+        <pc:chgData name="Anna Młynarczyk" userId="S::amlynarczyk@student.agh.edu.pl::73d83fbe-a5e4-49c8-b79a-cc4a8dc68c6b" providerId="AD" clId="Web-{AD7DDE5F-0458-817B-5773-648ACA1D5A7F}" dt="2021-05-11T14:08:19.913" v="42" actId="1076"/>
+        <pc:sldMkLst>
+          <pc:docMk/>
+          <pc:sldMk cId="3738691461" sldId="287"/>
+        </pc:sldMkLst>
+        <pc:spChg chg="mod">
+          <ac:chgData name="Anna Młynarczyk" userId="S::amlynarczyk@student.agh.edu.pl::73d83fbe-a5e4-49c8-b79a-cc4a8dc68c6b" providerId="AD" clId="Web-{AD7DDE5F-0458-817B-5773-648ACA1D5A7F}" dt="2021-05-11T14:07:35.254" v="35" actId="20577"/>
+          <ac:spMkLst>
+            <pc:docMk/>
+            <pc:sldMk cId="3738691461" sldId="287"/>
+            <ac:spMk id="2" creationId="{5DFDA20B-FEEB-4376-BB6F-422DE1487D30}"/>
+          </ac:spMkLst>
+        </pc:spChg>
+        <pc:spChg chg="mod">
+          <ac:chgData name="Anna Młynarczyk" userId="S::amlynarczyk@student.agh.edu.pl::73d83fbe-a5e4-49c8-b79a-cc4a8dc68c6b" providerId="AD" clId="Web-{AD7DDE5F-0458-817B-5773-648ACA1D5A7F}" dt="2021-05-11T14:07:27.863" v="24" actId="20577"/>
+          <ac:spMkLst>
+            <pc:docMk/>
+            <pc:sldMk cId="3738691461" sldId="287"/>
+            <ac:spMk id="3" creationId="{7E4947CF-C8D7-434C-8030-67971600F5D3}"/>
+          </ac:spMkLst>
+        </pc:spChg>
+        <pc:picChg chg="add mod">
+          <ac:chgData name="Anna Młynarczyk" userId="S::amlynarczyk@student.agh.edu.pl::73d83fbe-a5e4-49c8-b79a-cc4a8dc68c6b" providerId="AD" clId="Web-{AD7DDE5F-0458-817B-5773-648ACA1D5A7F}" dt="2021-05-11T14:08:19.913" v="42" actId="1076"/>
+          <ac:picMkLst>
+            <pc:docMk/>
+            <pc:sldMk cId="3738691461" sldId="287"/>
+            <ac:picMk id="4" creationId="{CB6413B6-AFEC-4DE8-81A1-8CA6CFFED8B2}"/>
+          </ac:picMkLst>
+        </pc:picChg>
+      </pc:sldChg>
+    </pc:docChg>
+  </pc:docChgLst>
   <pc:docChgLst>
     <pc:chgData name="Agnieszka Żupnik" userId="S::zupnik@student.agh.edu.pl::43ff3d96-13d1-4591-b7a9-d73431608f78" providerId="AD" clId="Web-{ABAD8A30-3EB5-9235-C2D8-C351E95531CC}"/>
     <pc:docChg chg="modSld">
@@ -239,6 +344,392 @@
             <ac:picMk id="4" creationId="{6697497A-9652-440E-A046-8F4F3B562AD1}"/>
           </ac:picMkLst>
         </pc:picChg>
+      </pc:sldChg>
+    </pc:docChg>
+  </pc:docChgLst>
+  <pc:docChgLst>
+    <pc:chgData name="Anna Młynarczyk" userId="S::amlynarczyk@student.agh.edu.pl::73d83fbe-a5e4-49c8-b79a-cc4a8dc68c6b" providerId="AD" clId="Web-{A2E6DB87-A5F6-6155-99C4-4D4B586E6140}"/>
+    <pc:docChg chg="addSld delSld modSld sldOrd">
+      <pc:chgData name="Anna Młynarczyk" userId="S::amlynarczyk@student.agh.edu.pl::73d83fbe-a5e4-49c8-b79a-cc4a8dc68c6b" providerId="AD" clId="Web-{A2E6DB87-A5F6-6155-99C4-4D4B586E6140}" dt="2021-04-27T17:08:23.706" v="123" actId="20577"/>
+      <pc:docMkLst>
+        <pc:docMk/>
+      </pc:docMkLst>
+      <pc:sldChg chg="modSp">
+        <pc:chgData name="Anna Młynarczyk" userId="S::amlynarczyk@student.agh.edu.pl::73d83fbe-a5e4-49c8-b79a-cc4a8dc68c6b" providerId="AD" clId="Web-{A2E6DB87-A5F6-6155-99C4-4D4B586E6140}" dt="2021-04-27T15:53:18.014" v="44" actId="20577"/>
+        <pc:sldMkLst>
+          <pc:docMk/>
+          <pc:sldMk cId="1296993196" sldId="257"/>
+        </pc:sldMkLst>
+        <pc:spChg chg="mod">
+          <ac:chgData name="Anna Młynarczyk" userId="S::amlynarczyk@student.agh.edu.pl::73d83fbe-a5e4-49c8-b79a-cc4a8dc68c6b" providerId="AD" clId="Web-{A2E6DB87-A5F6-6155-99C4-4D4B586E6140}" dt="2021-04-27T15:53:18.014" v="44" actId="20577"/>
+          <ac:spMkLst>
+            <pc:docMk/>
+            <pc:sldMk cId="1296993196" sldId="257"/>
+            <ac:spMk id="3" creationId="{7E4947CF-C8D7-434C-8030-67971600F5D3}"/>
+          </ac:spMkLst>
+        </pc:spChg>
+      </pc:sldChg>
+      <pc:sldChg chg="modSp del">
+        <pc:chgData name="Anna Młynarczyk" userId="S::amlynarczyk@student.agh.edu.pl::73d83fbe-a5e4-49c8-b79a-cc4a8dc68c6b" providerId="AD" clId="Web-{A2E6DB87-A5F6-6155-99C4-4D4B586E6140}" dt="2021-04-27T15:53:59.171" v="48"/>
+        <pc:sldMkLst>
+          <pc:docMk/>
+          <pc:sldMk cId="2095162286" sldId="261"/>
+        </pc:sldMkLst>
+        <pc:spChg chg="mod">
+          <ac:chgData name="Anna Młynarczyk" userId="S::amlynarczyk@student.agh.edu.pl::73d83fbe-a5e4-49c8-b79a-cc4a8dc68c6b" providerId="AD" clId="Web-{A2E6DB87-A5F6-6155-99C4-4D4B586E6140}" dt="2021-04-27T15:52:11.934" v="40" actId="20577"/>
+          <ac:spMkLst>
+            <pc:docMk/>
+            <pc:sldMk cId="2095162286" sldId="261"/>
+            <ac:spMk id="3" creationId="{7E4947CF-C8D7-434C-8030-67971600F5D3}"/>
+          </ac:spMkLst>
+        </pc:spChg>
+      </pc:sldChg>
+      <pc:sldChg chg="modSp">
+        <pc:chgData name="Anna Młynarczyk" userId="S::amlynarczyk@student.agh.edu.pl::73d83fbe-a5e4-49c8-b79a-cc4a8dc68c6b" providerId="AD" clId="Web-{A2E6DB87-A5F6-6155-99C4-4D4B586E6140}" dt="2021-04-27T17:08:23.706" v="123" actId="20577"/>
+        <pc:sldMkLst>
+          <pc:docMk/>
+          <pc:sldMk cId="2617475882" sldId="262"/>
+        </pc:sldMkLst>
+        <pc:spChg chg="mod">
+          <ac:chgData name="Anna Młynarczyk" userId="S::amlynarczyk@student.agh.edu.pl::73d83fbe-a5e4-49c8-b79a-cc4a8dc68c6b" providerId="AD" clId="Web-{A2E6DB87-A5F6-6155-99C4-4D4B586E6140}" dt="2021-04-27T17:01:59.980" v="92" actId="20577"/>
+          <ac:spMkLst>
+            <pc:docMk/>
+            <pc:sldMk cId="2617475882" sldId="262"/>
+            <ac:spMk id="2" creationId="{5DFDA20B-FEEB-4376-BB6F-422DE1487D30}"/>
+          </ac:spMkLst>
+        </pc:spChg>
+        <pc:spChg chg="mod">
+          <ac:chgData name="Anna Młynarczyk" userId="S::amlynarczyk@student.agh.edu.pl::73d83fbe-a5e4-49c8-b79a-cc4a8dc68c6b" providerId="AD" clId="Web-{A2E6DB87-A5F6-6155-99C4-4D4B586E6140}" dt="2021-04-27T17:08:23.706" v="123" actId="20577"/>
+          <ac:spMkLst>
+            <pc:docMk/>
+            <pc:sldMk cId="2617475882" sldId="262"/>
+            <ac:spMk id="3" creationId="{7E4947CF-C8D7-434C-8030-67971600F5D3}"/>
+          </ac:spMkLst>
+        </pc:spChg>
+      </pc:sldChg>
+      <pc:sldChg chg="del">
+        <pc:chgData name="Anna Młynarczyk" userId="S::amlynarczyk@student.agh.edu.pl::73d83fbe-a5e4-49c8-b79a-cc4a8dc68c6b" providerId="AD" clId="Web-{A2E6DB87-A5F6-6155-99C4-4D4B586E6140}" dt="2021-04-27T15:47:06.209" v="0"/>
+        <pc:sldMkLst>
+          <pc:docMk/>
+          <pc:sldMk cId="3652300715" sldId="272"/>
+        </pc:sldMkLst>
+      </pc:sldChg>
+      <pc:sldChg chg="del">
+        <pc:chgData name="Anna Młynarczyk" userId="S::amlynarczyk@student.agh.edu.pl::73d83fbe-a5e4-49c8-b79a-cc4a8dc68c6b" providerId="AD" clId="Web-{A2E6DB87-A5F6-6155-99C4-4D4B586E6140}" dt="2021-04-27T15:47:10.522" v="1"/>
+        <pc:sldMkLst>
+          <pc:docMk/>
+          <pc:sldMk cId="2070976430" sldId="273"/>
+        </pc:sldMkLst>
+      </pc:sldChg>
+      <pc:sldChg chg="addSp modSp ord">
+        <pc:chgData name="Anna Młynarczyk" userId="S::amlynarczyk@student.agh.edu.pl::73d83fbe-a5e4-49c8-b79a-cc4a8dc68c6b" providerId="AD" clId="Web-{A2E6DB87-A5F6-6155-99C4-4D4B586E6140}" dt="2021-04-27T16:14:03.445" v="88" actId="1076"/>
+        <pc:sldMkLst>
+          <pc:docMk/>
+          <pc:sldMk cId="3455347986" sldId="278"/>
+        </pc:sldMkLst>
+        <pc:picChg chg="add mod">
+          <ac:chgData name="Anna Młynarczyk" userId="S::amlynarczyk@student.agh.edu.pl::73d83fbe-a5e4-49c8-b79a-cc4a8dc68c6b" providerId="AD" clId="Web-{A2E6DB87-A5F6-6155-99C4-4D4B586E6140}" dt="2021-04-27T16:12:12.708" v="73" actId="1076"/>
+          <ac:picMkLst>
+            <pc:docMk/>
+            <pc:sldMk cId="3455347986" sldId="278"/>
+            <ac:picMk id="3" creationId="{2CD6DF12-55C9-4187-9A1E-A0840198F7AD}"/>
+          </ac:picMkLst>
+        </pc:picChg>
+        <pc:cxnChg chg="add mod">
+          <ac:chgData name="Anna Młynarczyk" userId="S::amlynarczyk@student.agh.edu.pl::73d83fbe-a5e4-49c8-b79a-cc4a8dc68c6b" providerId="AD" clId="Web-{A2E6DB87-A5F6-6155-99C4-4D4B586E6140}" dt="2021-04-27T16:01:36.883" v="60" actId="14100"/>
+          <ac:cxnSpMkLst>
+            <pc:docMk/>
+            <pc:sldMk cId="3455347986" sldId="278"/>
+            <ac:cxnSpMk id="8" creationId="{81DD10C8-8054-4BA0-B062-0325D6CB7F10}"/>
+          </ac:cxnSpMkLst>
+        </pc:cxnChg>
+        <pc:cxnChg chg="add mod">
+          <ac:chgData name="Anna Młynarczyk" userId="S::amlynarczyk@student.agh.edu.pl::73d83fbe-a5e4-49c8-b79a-cc4a8dc68c6b" providerId="AD" clId="Web-{A2E6DB87-A5F6-6155-99C4-4D4B586E6140}" dt="2021-04-27T16:01:53.196" v="64" actId="14100"/>
+          <ac:cxnSpMkLst>
+            <pc:docMk/>
+            <pc:sldMk cId="3455347986" sldId="278"/>
+            <ac:cxnSpMk id="10" creationId="{748F01F3-FB23-436C-868E-AC1D9CF92724}"/>
+          </ac:cxnSpMkLst>
+        </pc:cxnChg>
+        <pc:cxnChg chg="add mod">
+          <ac:chgData name="Anna Młynarczyk" userId="S::amlynarczyk@student.agh.edu.pl::73d83fbe-a5e4-49c8-b79a-cc4a8dc68c6b" providerId="AD" clId="Web-{A2E6DB87-A5F6-6155-99C4-4D4B586E6140}" dt="2021-04-27T16:12:25.614" v="78" actId="14100"/>
+          <ac:cxnSpMkLst>
+            <pc:docMk/>
+            <pc:sldMk cId="3455347986" sldId="278"/>
+            <ac:cxnSpMk id="12" creationId="{22156F98-F727-454F-AEF3-72AF8773094E}"/>
+          </ac:cxnSpMkLst>
+        </pc:cxnChg>
+        <pc:cxnChg chg="add mod">
+          <ac:chgData name="Anna Młynarczyk" userId="S::amlynarczyk@student.agh.edu.pl::73d83fbe-a5e4-49c8-b79a-cc4a8dc68c6b" providerId="AD" clId="Web-{A2E6DB87-A5F6-6155-99C4-4D4B586E6140}" dt="2021-04-27T16:13:21.334" v="82" actId="14100"/>
+          <ac:cxnSpMkLst>
+            <pc:docMk/>
+            <pc:sldMk cId="3455347986" sldId="278"/>
+            <ac:cxnSpMk id="13" creationId="{FBB134A1-2518-4D09-9442-5D76BC4D4F9D}"/>
+          </ac:cxnSpMkLst>
+        </pc:cxnChg>
+        <pc:cxnChg chg="add mod">
+          <ac:chgData name="Anna Młynarczyk" userId="S::amlynarczyk@student.agh.edu.pl::73d83fbe-a5e4-49c8-b79a-cc4a8dc68c6b" providerId="AD" clId="Web-{A2E6DB87-A5F6-6155-99C4-4D4B586E6140}" dt="2021-04-27T16:13:50.163" v="85" actId="1076"/>
+          <ac:cxnSpMkLst>
+            <pc:docMk/>
+            <pc:sldMk cId="3455347986" sldId="278"/>
+            <ac:cxnSpMk id="14" creationId="{E1AFEAFD-36EF-460C-A2A9-C37ECF5B428A}"/>
+          </ac:cxnSpMkLst>
+        </pc:cxnChg>
+        <pc:cxnChg chg="add mod">
+          <ac:chgData name="Anna Młynarczyk" userId="S::amlynarczyk@student.agh.edu.pl::73d83fbe-a5e4-49c8-b79a-cc4a8dc68c6b" providerId="AD" clId="Web-{A2E6DB87-A5F6-6155-99C4-4D4B586E6140}" dt="2021-04-27T16:14:03.445" v="88" actId="1076"/>
+          <ac:cxnSpMkLst>
+            <pc:docMk/>
+            <pc:sldMk cId="3455347986" sldId="278"/>
+            <ac:cxnSpMk id="15" creationId="{8E4FBD21-DEA9-41EF-B248-1936F3B0B740}"/>
+          </ac:cxnSpMkLst>
+        </pc:cxnChg>
+      </pc:sldChg>
+      <pc:sldChg chg="modSp add replId">
+        <pc:chgData name="Anna Młynarczyk" userId="S::amlynarczyk@student.agh.edu.pl::73d83fbe-a5e4-49c8-b79a-cc4a8dc68c6b" providerId="AD" clId="Web-{A2E6DB87-A5F6-6155-99C4-4D4B586E6140}" dt="2021-04-27T15:49:36.634" v="30" actId="20577"/>
+        <pc:sldMkLst>
+          <pc:docMk/>
+          <pc:sldMk cId="704392661" sldId="279"/>
+        </pc:sldMkLst>
+        <pc:spChg chg="mod">
+          <ac:chgData name="Anna Młynarczyk" userId="S::amlynarczyk@student.agh.edu.pl::73d83fbe-a5e4-49c8-b79a-cc4a8dc68c6b" providerId="AD" clId="Web-{A2E6DB87-A5F6-6155-99C4-4D4B586E6140}" dt="2021-04-27T15:49:36.634" v="30" actId="20577"/>
+          <ac:spMkLst>
+            <pc:docMk/>
+            <pc:sldMk cId="704392661" sldId="279"/>
+            <ac:spMk id="3" creationId="{7E4947CF-C8D7-434C-8030-67971600F5D3}"/>
+          </ac:spMkLst>
+        </pc:spChg>
+      </pc:sldChg>
+    </pc:docChg>
+  </pc:docChgLst>
+  <pc:docChgLst>
+    <pc:chgData name="Anna Młynarczyk" userId="S::amlynarczyk@student.agh.edu.pl::73d83fbe-a5e4-49c8-b79a-cc4a8dc68c6b" providerId="AD" clId="Web-{DBFB7C4D-A746-9836-4F61-74E177BCD98A}"/>
+    <pc:docChg chg="addSld modSld sldOrd">
+      <pc:chgData name="Anna Młynarczyk" userId="S::amlynarczyk@student.agh.edu.pl::73d83fbe-a5e4-49c8-b79a-cc4a8dc68c6b" providerId="AD" clId="Web-{DBFB7C4D-A746-9836-4F61-74E177BCD98A}" dt="2021-05-10T08:04:45.776" v="225" actId="20577"/>
+      <pc:docMkLst>
+        <pc:docMk/>
+      </pc:docMkLst>
+      <pc:sldChg chg="modSp">
+        <pc:chgData name="Anna Młynarczyk" userId="S::amlynarczyk@student.agh.edu.pl::73d83fbe-a5e4-49c8-b79a-cc4a8dc68c6b" providerId="AD" clId="Web-{DBFB7C4D-A746-9836-4F61-74E177BCD98A}" dt="2021-05-10T07:41:23.774" v="22" actId="20577"/>
+        <pc:sldMkLst>
+          <pc:docMk/>
+          <pc:sldMk cId="416330451" sldId="266"/>
+        </pc:sldMkLst>
+        <pc:spChg chg="mod">
+          <ac:chgData name="Anna Młynarczyk" userId="S::amlynarczyk@student.agh.edu.pl::73d83fbe-a5e4-49c8-b79a-cc4a8dc68c6b" providerId="AD" clId="Web-{DBFB7C4D-A746-9836-4F61-74E177BCD98A}" dt="2021-05-10T07:41:23.774" v="22" actId="20577"/>
+          <ac:spMkLst>
+            <pc:docMk/>
+            <pc:sldMk cId="416330451" sldId="266"/>
+            <ac:spMk id="3" creationId="{7E4947CF-C8D7-434C-8030-67971600F5D3}"/>
+          </ac:spMkLst>
+        </pc:spChg>
+      </pc:sldChg>
+      <pc:sldChg chg="modSp">
+        <pc:chgData name="Anna Młynarczyk" userId="S::amlynarczyk@student.agh.edu.pl::73d83fbe-a5e4-49c8-b79a-cc4a8dc68c6b" providerId="AD" clId="Web-{DBFB7C4D-A746-9836-4F61-74E177BCD98A}" dt="2021-05-10T07:42:16.683" v="41" actId="1076"/>
+        <pc:sldMkLst>
+          <pc:docMk/>
+          <pc:sldMk cId="3455347986" sldId="278"/>
+        </pc:sldMkLst>
+        <pc:spChg chg="mod">
+          <ac:chgData name="Anna Młynarczyk" userId="S::amlynarczyk@student.agh.edu.pl::73d83fbe-a5e4-49c8-b79a-cc4a8dc68c6b" providerId="AD" clId="Web-{DBFB7C4D-A746-9836-4F61-74E177BCD98A}" dt="2021-05-10T07:42:16.683" v="41" actId="1076"/>
+          <ac:spMkLst>
+            <pc:docMk/>
+            <pc:sldMk cId="3455347986" sldId="278"/>
+            <ac:spMk id="2" creationId="{5DFDA20B-FEEB-4376-BB6F-422DE1487D30}"/>
+          </ac:spMkLst>
+        </pc:spChg>
+      </pc:sldChg>
+      <pc:sldChg chg="modSp">
+        <pc:chgData name="Anna Młynarczyk" userId="S::amlynarczyk@student.agh.edu.pl::73d83fbe-a5e4-49c8-b79a-cc4a8dc68c6b" providerId="AD" clId="Web-{DBFB7C4D-A746-9836-4F61-74E177BCD98A}" dt="2021-05-10T07:58:16.832" v="172" actId="20577"/>
+        <pc:sldMkLst>
+          <pc:docMk/>
+          <pc:sldMk cId="704392661" sldId="279"/>
+        </pc:sldMkLst>
+        <pc:spChg chg="mod">
+          <ac:chgData name="Anna Młynarczyk" userId="S::amlynarczyk@student.agh.edu.pl::73d83fbe-a5e4-49c8-b79a-cc4a8dc68c6b" providerId="AD" clId="Web-{DBFB7C4D-A746-9836-4F61-74E177BCD98A}" dt="2021-05-10T07:58:16.832" v="172" actId="20577"/>
+          <ac:spMkLst>
+            <pc:docMk/>
+            <pc:sldMk cId="704392661" sldId="279"/>
+            <ac:spMk id="3" creationId="{7E4947CF-C8D7-434C-8030-67971600F5D3}"/>
+          </ac:spMkLst>
+        </pc:spChg>
+      </pc:sldChg>
+      <pc:sldChg chg="modSp add replId">
+        <pc:chgData name="Anna Młynarczyk" userId="S::amlynarczyk@student.agh.edu.pl::73d83fbe-a5e4-49c8-b79a-cc4a8dc68c6b" providerId="AD" clId="Web-{DBFB7C4D-A746-9836-4F61-74E177BCD98A}" dt="2021-05-10T07:48:34.080" v="97" actId="20577"/>
+        <pc:sldMkLst>
+          <pc:docMk/>
+          <pc:sldMk cId="4059187662" sldId="280"/>
+        </pc:sldMkLst>
+        <pc:spChg chg="mod">
+          <ac:chgData name="Anna Młynarczyk" userId="S::amlynarczyk@student.agh.edu.pl::73d83fbe-a5e4-49c8-b79a-cc4a8dc68c6b" providerId="AD" clId="Web-{DBFB7C4D-A746-9836-4F61-74E177BCD98A}" dt="2021-05-10T07:47:20.185" v="80" actId="1076"/>
+          <ac:spMkLst>
+            <pc:docMk/>
+            <pc:sldMk cId="4059187662" sldId="280"/>
+            <ac:spMk id="2" creationId="{5DFDA20B-FEEB-4376-BB6F-422DE1487D30}"/>
+          </ac:spMkLst>
+        </pc:spChg>
+        <pc:spChg chg="mod">
+          <ac:chgData name="Anna Młynarczyk" userId="S::amlynarczyk@student.agh.edu.pl::73d83fbe-a5e4-49c8-b79a-cc4a8dc68c6b" providerId="AD" clId="Web-{DBFB7C4D-A746-9836-4F61-74E177BCD98A}" dt="2021-05-10T07:48:34.080" v="97" actId="20577"/>
+          <ac:spMkLst>
+            <pc:docMk/>
+            <pc:sldMk cId="4059187662" sldId="280"/>
+            <ac:spMk id="3" creationId="{7E4947CF-C8D7-434C-8030-67971600F5D3}"/>
+          </ac:spMkLst>
+        </pc:spChg>
+      </pc:sldChg>
+      <pc:sldChg chg="addSp delSp modSp add replId">
+        <pc:chgData name="Anna Młynarczyk" userId="S::amlynarczyk@student.agh.edu.pl::73d83fbe-a5e4-49c8-b79a-cc4a8dc68c6b" providerId="AD" clId="Web-{DBFB7C4D-A746-9836-4F61-74E177BCD98A}" dt="2021-05-10T07:49:46.865" v="115" actId="1076"/>
+        <pc:sldMkLst>
+          <pc:docMk/>
+          <pc:sldMk cId="4075699624" sldId="281"/>
+        </pc:sldMkLst>
+        <pc:spChg chg="mod">
+          <ac:chgData name="Anna Młynarczyk" userId="S::amlynarczyk@student.agh.edu.pl::73d83fbe-a5e4-49c8-b79a-cc4a8dc68c6b" providerId="AD" clId="Web-{DBFB7C4D-A746-9836-4F61-74E177BCD98A}" dt="2021-05-10T07:49:46.865" v="115" actId="1076"/>
+          <ac:spMkLst>
+            <pc:docMk/>
+            <pc:sldMk cId="4075699624" sldId="281"/>
+            <ac:spMk id="2" creationId="{5DFDA20B-FEEB-4376-BB6F-422DE1487D30}"/>
+          </ac:spMkLst>
+        </pc:spChg>
+        <pc:spChg chg="del mod">
+          <ac:chgData name="Anna Młynarczyk" userId="S::amlynarczyk@student.agh.edu.pl::73d83fbe-a5e4-49c8-b79a-cc4a8dc68c6b" providerId="AD" clId="Web-{DBFB7C4D-A746-9836-4F61-74E177BCD98A}" dt="2021-05-10T07:49:19.598" v="101"/>
+          <ac:spMkLst>
+            <pc:docMk/>
+            <pc:sldMk cId="4075699624" sldId="281"/>
+            <ac:spMk id="3" creationId="{7E4947CF-C8D7-434C-8030-67971600F5D3}"/>
+          </ac:spMkLst>
+        </pc:spChg>
+        <pc:spChg chg="add del mod">
+          <ac:chgData name="Anna Młynarczyk" userId="S::amlynarczyk@student.agh.edu.pl::73d83fbe-a5e4-49c8-b79a-cc4a8dc68c6b" providerId="AD" clId="Web-{DBFB7C4D-A746-9836-4F61-74E177BCD98A}" dt="2021-05-10T07:49:25.098" v="102"/>
+          <ac:spMkLst>
+            <pc:docMk/>
+            <pc:sldMk cId="4075699624" sldId="281"/>
+            <ac:spMk id="8" creationId="{0BCFFA66-7273-45F2-BE0F-19A82EE42B1F}"/>
+          </ac:spMkLst>
+        </pc:spChg>
+      </pc:sldChg>
+      <pc:sldChg chg="addSp modSp add ord replId">
+        <pc:chgData name="Anna Młynarczyk" userId="S::amlynarczyk@student.agh.edu.pl::73d83fbe-a5e4-49c8-b79a-cc4a8dc68c6b" providerId="AD" clId="Web-{DBFB7C4D-A746-9836-4F61-74E177BCD98A}" dt="2021-05-10T07:56:23.107" v="153" actId="20577"/>
+        <pc:sldMkLst>
+          <pc:docMk/>
+          <pc:sldMk cId="2175190791" sldId="282"/>
+        </pc:sldMkLst>
+        <pc:spChg chg="mod">
+          <ac:chgData name="Anna Młynarczyk" userId="S::amlynarczyk@student.agh.edu.pl::73d83fbe-a5e4-49c8-b79a-cc4a8dc68c6b" providerId="AD" clId="Web-{DBFB7C4D-A746-9836-4F61-74E177BCD98A}" dt="2021-05-10T07:51:11.995" v="119" actId="20577"/>
+          <ac:spMkLst>
+            <pc:docMk/>
+            <pc:sldMk cId="2175190791" sldId="282"/>
+            <ac:spMk id="2" creationId="{5DFDA20B-FEEB-4376-BB6F-422DE1487D30}"/>
+          </ac:spMkLst>
+        </pc:spChg>
+        <pc:spChg chg="mod">
+          <ac:chgData name="Anna Młynarczyk" userId="S::amlynarczyk@student.agh.edu.pl::73d83fbe-a5e4-49c8-b79a-cc4a8dc68c6b" providerId="AD" clId="Web-{DBFB7C4D-A746-9836-4F61-74E177BCD98A}" dt="2021-05-10T07:56:23.107" v="153" actId="20577"/>
+          <ac:spMkLst>
+            <pc:docMk/>
+            <pc:sldMk cId="2175190791" sldId="282"/>
+            <ac:spMk id="3" creationId="{7E4947CF-C8D7-434C-8030-67971600F5D3}"/>
+          </ac:spMkLst>
+        </pc:spChg>
+        <pc:picChg chg="add mod">
+          <ac:chgData name="Anna Młynarczyk" userId="S::amlynarczyk@student.agh.edu.pl::73d83fbe-a5e4-49c8-b79a-cc4a8dc68c6b" providerId="AD" clId="Web-{DBFB7C4D-A746-9836-4F61-74E177BCD98A}" dt="2021-05-10T07:51:27.340" v="123" actId="1076"/>
+          <ac:picMkLst>
+            <pc:docMk/>
+            <pc:sldMk cId="2175190791" sldId="282"/>
+            <ac:picMk id="4" creationId="{2E25DC83-BD94-45AE-9F2B-4989258A35D6}"/>
+          </ac:picMkLst>
+        </pc:picChg>
+      </pc:sldChg>
+      <pc:sldChg chg="addSp modSp add replId">
+        <pc:chgData name="Anna Młynarczyk" userId="S::amlynarczyk@student.agh.edu.pl::73d83fbe-a5e4-49c8-b79a-cc4a8dc68c6b" providerId="AD" clId="Web-{DBFB7C4D-A746-9836-4F61-74E177BCD98A}" dt="2021-05-10T07:59:12.382" v="182" actId="1076"/>
+        <pc:sldMkLst>
+          <pc:docMk/>
+          <pc:sldMk cId="3401474937" sldId="283"/>
+        </pc:sldMkLst>
+        <pc:spChg chg="mod">
+          <ac:chgData name="Anna Młynarczyk" userId="S::amlynarczyk@student.agh.edu.pl::73d83fbe-a5e4-49c8-b79a-cc4a8dc68c6b" providerId="AD" clId="Web-{DBFB7C4D-A746-9836-4F61-74E177BCD98A}" dt="2021-05-10T07:58:38.192" v="177" actId="20577"/>
+          <ac:spMkLst>
+            <pc:docMk/>
+            <pc:sldMk cId="3401474937" sldId="283"/>
+            <ac:spMk id="2" creationId="{5DFDA20B-FEEB-4376-BB6F-422DE1487D30}"/>
+          </ac:spMkLst>
+        </pc:spChg>
+        <pc:spChg chg="mod">
+          <ac:chgData name="Anna Młynarczyk" userId="S::amlynarczyk@student.agh.edu.pl::73d83fbe-a5e4-49c8-b79a-cc4a8dc68c6b" providerId="AD" clId="Web-{DBFB7C4D-A746-9836-4F61-74E177BCD98A}" dt="2021-05-10T07:58:43.365" v="179" actId="20577"/>
+          <ac:spMkLst>
+            <pc:docMk/>
+            <pc:sldMk cId="3401474937" sldId="283"/>
+            <ac:spMk id="3" creationId="{7E4947CF-C8D7-434C-8030-67971600F5D3}"/>
+          </ac:spMkLst>
+        </pc:spChg>
+        <pc:picChg chg="add mod">
+          <ac:chgData name="Anna Młynarczyk" userId="S::amlynarczyk@student.agh.edu.pl::73d83fbe-a5e4-49c8-b79a-cc4a8dc68c6b" providerId="AD" clId="Web-{DBFB7C4D-A746-9836-4F61-74E177BCD98A}" dt="2021-05-10T07:59:12.382" v="182" actId="1076"/>
+          <ac:picMkLst>
+            <pc:docMk/>
+            <pc:sldMk cId="3401474937" sldId="283"/>
+            <ac:picMk id="8" creationId="{50637B4B-F687-46EE-AF73-2698650B3DF2}"/>
+          </ac:picMkLst>
+        </pc:picChg>
+      </pc:sldChg>
+      <pc:sldChg chg="addSp delSp modSp add ord replId">
+        <pc:chgData name="Anna Młynarczyk" userId="S::amlynarczyk@student.agh.edu.pl::73d83fbe-a5e4-49c8-b79a-cc4a8dc68c6b" providerId="AD" clId="Web-{DBFB7C4D-A746-9836-4F61-74E177BCD98A}" dt="2021-05-10T08:02:32.003" v="203" actId="1076"/>
+        <pc:sldMkLst>
+          <pc:docMk/>
+          <pc:sldMk cId="2064891817" sldId="284"/>
+        </pc:sldMkLst>
+        <pc:spChg chg="mod">
+          <ac:chgData name="Anna Młynarczyk" userId="S::amlynarczyk@student.agh.edu.pl::73d83fbe-a5e4-49c8-b79a-cc4a8dc68c6b" providerId="AD" clId="Web-{DBFB7C4D-A746-9836-4F61-74E177BCD98A}" dt="2021-05-10T08:00:45.122" v="194" actId="20577"/>
+          <ac:spMkLst>
+            <pc:docMk/>
+            <pc:sldMk cId="2064891817" sldId="284"/>
+            <ac:spMk id="2" creationId="{5DFDA20B-FEEB-4376-BB6F-422DE1487D30}"/>
+          </ac:spMkLst>
+        </pc:spChg>
+        <pc:spChg chg="mod">
+          <ac:chgData name="Anna Młynarczyk" userId="S::amlynarczyk@student.agh.edu.pl::73d83fbe-a5e4-49c8-b79a-cc4a8dc68c6b" providerId="AD" clId="Web-{DBFB7C4D-A746-9836-4F61-74E177BCD98A}" dt="2021-05-10T08:02:32.003" v="203" actId="1076"/>
+          <ac:spMkLst>
+            <pc:docMk/>
+            <pc:sldMk cId="2064891817" sldId="284"/>
+            <ac:spMk id="3" creationId="{7E4947CF-C8D7-434C-8030-67971600F5D3}"/>
+          </ac:spMkLst>
+        </pc:spChg>
+        <pc:picChg chg="del">
+          <ac:chgData name="Anna Młynarczyk" userId="S::amlynarczyk@student.agh.edu.pl::73d83fbe-a5e4-49c8-b79a-cc4a8dc68c6b" providerId="AD" clId="Web-{DBFB7C4D-A746-9836-4F61-74E177BCD98A}" dt="2021-05-10T08:00:23.949" v="185"/>
+          <ac:picMkLst>
+            <pc:docMk/>
+            <pc:sldMk cId="2064891817" sldId="284"/>
+            <ac:picMk id="4" creationId="{2E25DC83-BD94-45AE-9F2B-4989258A35D6}"/>
+          </ac:picMkLst>
+        </pc:picChg>
+        <pc:picChg chg="add mod">
+          <ac:chgData name="Anna Młynarczyk" userId="S::amlynarczyk@student.agh.edu.pl::73d83fbe-a5e4-49c8-b79a-cc4a8dc68c6b" providerId="AD" clId="Web-{DBFB7C4D-A746-9836-4F61-74E177BCD98A}" dt="2021-05-10T08:00:34.262" v="188" actId="1076"/>
+          <ac:picMkLst>
+            <pc:docMk/>
+            <pc:sldMk cId="2064891817" sldId="284"/>
+            <ac:picMk id="8" creationId="{71BB5B29-5D65-4C49-9FB3-DCC8E4B7BEAB}"/>
+          </ac:picMkLst>
+        </pc:picChg>
+      </pc:sldChg>
+      <pc:sldChg chg="modSp add replId">
+        <pc:chgData name="Anna Młynarczyk" userId="S::amlynarczyk@student.agh.edu.pl::73d83fbe-a5e4-49c8-b79a-cc4a8dc68c6b" providerId="AD" clId="Web-{DBFB7C4D-A746-9836-4F61-74E177BCD98A}" dt="2021-05-10T08:04:45.776" v="225" actId="20577"/>
+        <pc:sldMkLst>
+          <pc:docMk/>
+          <pc:sldMk cId="2362221830" sldId="285"/>
+        </pc:sldMkLst>
+        <pc:spChg chg="mod">
+          <ac:chgData name="Anna Młynarczyk" userId="S::amlynarczyk@student.agh.edu.pl::73d83fbe-a5e4-49c8-b79a-cc4a8dc68c6b" providerId="AD" clId="Web-{DBFB7C4D-A746-9836-4F61-74E177BCD98A}" dt="2021-05-10T08:04:45.776" v="225" actId="20577"/>
+          <ac:spMkLst>
+            <pc:docMk/>
+            <pc:sldMk cId="2362221830" sldId="285"/>
+            <ac:spMk id="2" creationId="{5DFDA20B-FEEB-4376-BB6F-422DE1487D30}"/>
+          </ac:spMkLst>
+        </pc:spChg>
+        <pc:spChg chg="mod">
+          <ac:chgData name="Anna Młynarczyk" userId="S::amlynarczyk@student.agh.edu.pl::73d83fbe-a5e4-49c8-b79a-cc4a8dc68c6b" providerId="AD" clId="Web-{DBFB7C4D-A746-9836-4F61-74E177BCD98A}" dt="2021-05-10T08:04:31.510" v="217" actId="1076"/>
+          <ac:spMkLst>
+            <pc:docMk/>
+            <pc:sldMk cId="2362221830" sldId="285"/>
+            <ac:spMk id="3" creationId="{7E4947CF-C8D7-434C-8030-67971600F5D3}"/>
+          </ac:spMkLst>
+        </pc:spChg>
       </pc:sldChg>
     </pc:docChg>
   </pc:docChgLst>
@@ -1120,163 +1611,9 @@
     </pc:docChg>
   </pc:docChgLst>
   <pc:docChgLst>
-    <pc:chgData name="Anna Młynarczyk" userId="S::amlynarczyk@student.agh.edu.pl::73d83fbe-a5e4-49c8-b79a-cc4a8dc68c6b" providerId="AD" clId="Web-{A2E6DB87-A5F6-6155-99C4-4D4B586E6140}"/>
-    <pc:docChg chg="addSld delSld modSld sldOrd">
-      <pc:chgData name="Anna Młynarczyk" userId="S::amlynarczyk@student.agh.edu.pl::73d83fbe-a5e4-49c8-b79a-cc4a8dc68c6b" providerId="AD" clId="Web-{A2E6DB87-A5F6-6155-99C4-4D4B586E6140}" dt="2021-04-27T17:08:23.706" v="123" actId="20577"/>
-      <pc:docMkLst>
-        <pc:docMk/>
-      </pc:docMkLst>
-      <pc:sldChg chg="modSp">
-        <pc:chgData name="Anna Młynarczyk" userId="S::amlynarczyk@student.agh.edu.pl::73d83fbe-a5e4-49c8-b79a-cc4a8dc68c6b" providerId="AD" clId="Web-{A2E6DB87-A5F6-6155-99C4-4D4B586E6140}" dt="2021-04-27T15:53:18.014" v="44" actId="20577"/>
-        <pc:sldMkLst>
-          <pc:docMk/>
-          <pc:sldMk cId="1296993196" sldId="257"/>
-        </pc:sldMkLst>
-        <pc:spChg chg="mod">
-          <ac:chgData name="Anna Młynarczyk" userId="S::amlynarczyk@student.agh.edu.pl::73d83fbe-a5e4-49c8-b79a-cc4a8dc68c6b" providerId="AD" clId="Web-{A2E6DB87-A5F6-6155-99C4-4D4B586E6140}" dt="2021-04-27T15:53:18.014" v="44" actId="20577"/>
-          <ac:spMkLst>
-            <pc:docMk/>
-            <pc:sldMk cId="1296993196" sldId="257"/>
-            <ac:spMk id="3" creationId="{7E4947CF-C8D7-434C-8030-67971600F5D3}"/>
-          </ac:spMkLst>
-        </pc:spChg>
-      </pc:sldChg>
-      <pc:sldChg chg="modSp del">
-        <pc:chgData name="Anna Młynarczyk" userId="S::amlynarczyk@student.agh.edu.pl::73d83fbe-a5e4-49c8-b79a-cc4a8dc68c6b" providerId="AD" clId="Web-{A2E6DB87-A5F6-6155-99C4-4D4B586E6140}" dt="2021-04-27T15:53:59.171" v="48"/>
-        <pc:sldMkLst>
-          <pc:docMk/>
-          <pc:sldMk cId="2095162286" sldId="261"/>
-        </pc:sldMkLst>
-        <pc:spChg chg="mod">
-          <ac:chgData name="Anna Młynarczyk" userId="S::amlynarczyk@student.agh.edu.pl::73d83fbe-a5e4-49c8-b79a-cc4a8dc68c6b" providerId="AD" clId="Web-{A2E6DB87-A5F6-6155-99C4-4D4B586E6140}" dt="2021-04-27T15:52:11.934" v="40" actId="20577"/>
-          <ac:spMkLst>
-            <pc:docMk/>
-            <pc:sldMk cId="2095162286" sldId="261"/>
-            <ac:spMk id="3" creationId="{7E4947CF-C8D7-434C-8030-67971600F5D3}"/>
-          </ac:spMkLst>
-        </pc:spChg>
-      </pc:sldChg>
-      <pc:sldChg chg="modSp">
-        <pc:chgData name="Anna Młynarczyk" userId="S::amlynarczyk@student.agh.edu.pl::73d83fbe-a5e4-49c8-b79a-cc4a8dc68c6b" providerId="AD" clId="Web-{A2E6DB87-A5F6-6155-99C4-4D4B586E6140}" dt="2021-04-27T17:08:23.706" v="123" actId="20577"/>
-        <pc:sldMkLst>
-          <pc:docMk/>
-          <pc:sldMk cId="2617475882" sldId="262"/>
-        </pc:sldMkLst>
-        <pc:spChg chg="mod">
-          <ac:chgData name="Anna Młynarczyk" userId="S::amlynarczyk@student.agh.edu.pl::73d83fbe-a5e4-49c8-b79a-cc4a8dc68c6b" providerId="AD" clId="Web-{A2E6DB87-A5F6-6155-99C4-4D4B586E6140}" dt="2021-04-27T17:01:59.980" v="92" actId="20577"/>
-          <ac:spMkLst>
-            <pc:docMk/>
-            <pc:sldMk cId="2617475882" sldId="262"/>
-            <ac:spMk id="2" creationId="{5DFDA20B-FEEB-4376-BB6F-422DE1487D30}"/>
-          </ac:spMkLst>
-        </pc:spChg>
-        <pc:spChg chg="mod">
-          <ac:chgData name="Anna Młynarczyk" userId="S::amlynarczyk@student.agh.edu.pl::73d83fbe-a5e4-49c8-b79a-cc4a8dc68c6b" providerId="AD" clId="Web-{A2E6DB87-A5F6-6155-99C4-4D4B586E6140}" dt="2021-04-27T17:08:23.706" v="123" actId="20577"/>
-          <ac:spMkLst>
-            <pc:docMk/>
-            <pc:sldMk cId="2617475882" sldId="262"/>
-            <ac:spMk id="3" creationId="{7E4947CF-C8D7-434C-8030-67971600F5D3}"/>
-          </ac:spMkLst>
-        </pc:spChg>
-      </pc:sldChg>
-      <pc:sldChg chg="del">
-        <pc:chgData name="Anna Młynarczyk" userId="S::amlynarczyk@student.agh.edu.pl::73d83fbe-a5e4-49c8-b79a-cc4a8dc68c6b" providerId="AD" clId="Web-{A2E6DB87-A5F6-6155-99C4-4D4B586E6140}" dt="2021-04-27T15:47:06.209" v="0"/>
-        <pc:sldMkLst>
-          <pc:docMk/>
-          <pc:sldMk cId="3652300715" sldId="272"/>
-        </pc:sldMkLst>
-      </pc:sldChg>
-      <pc:sldChg chg="del">
-        <pc:chgData name="Anna Młynarczyk" userId="S::amlynarczyk@student.agh.edu.pl::73d83fbe-a5e4-49c8-b79a-cc4a8dc68c6b" providerId="AD" clId="Web-{A2E6DB87-A5F6-6155-99C4-4D4B586E6140}" dt="2021-04-27T15:47:10.522" v="1"/>
-        <pc:sldMkLst>
-          <pc:docMk/>
-          <pc:sldMk cId="2070976430" sldId="273"/>
-        </pc:sldMkLst>
-      </pc:sldChg>
-      <pc:sldChg chg="addSp modSp ord">
-        <pc:chgData name="Anna Młynarczyk" userId="S::amlynarczyk@student.agh.edu.pl::73d83fbe-a5e4-49c8-b79a-cc4a8dc68c6b" providerId="AD" clId="Web-{A2E6DB87-A5F6-6155-99C4-4D4B586E6140}" dt="2021-04-27T16:14:03.445" v="88" actId="1076"/>
-        <pc:sldMkLst>
-          <pc:docMk/>
-          <pc:sldMk cId="3455347986" sldId="278"/>
-        </pc:sldMkLst>
-        <pc:picChg chg="add mod">
-          <ac:chgData name="Anna Młynarczyk" userId="S::amlynarczyk@student.agh.edu.pl::73d83fbe-a5e4-49c8-b79a-cc4a8dc68c6b" providerId="AD" clId="Web-{A2E6DB87-A5F6-6155-99C4-4D4B586E6140}" dt="2021-04-27T16:12:12.708" v="73" actId="1076"/>
-          <ac:picMkLst>
-            <pc:docMk/>
-            <pc:sldMk cId="3455347986" sldId="278"/>
-            <ac:picMk id="3" creationId="{2CD6DF12-55C9-4187-9A1E-A0840198F7AD}"/>
-          </ac:picMkLst>
-        </pc:picChg>
-        <pc:cxnChg chg="add mod">
-          <ac:chgData name="Anna Młynarczyk" userId="S::amlynarczyk@student.agh.edu.pl::73d83fbe-a5e4-49c8-b79a-cc4a8dc68c6b" providerId="AD" clId="Web-{A2E6DB87-A5F6-6155-99C4-4D4B586E6140}" dt="2021-04-27T16:01:36.883" v="60" actId="14100"/>
-          <ac:cxnSpMkLst>
-            <pc:docMk/>
-            <pc:sldMk cId="3455347986" sldId="278"/>
-            <ac:cxnSpMk id="8" creationId="{81DD10C8-8054-4BA0-B062-0325D6CB7F10}"/>
-          </ac:cxnSpMkLst>
-        </pc:cxnChg>
-        <pc:cxnChg chg="add mod">
-          <ac:chgData name="Anna Młynarczyk" userId="S::amlynarczyk@student.agh.edu.pl::73d83fbe-a5e4-49c8-b79a-cc4a8dc68c6b" providerId="AD" clId="Web-{A2E6DB87-A5F6-6155-99C4-4D4B586E6140}" dt="2021-04-27T16:01:53.196" v="64" actId="14100"/>
-          <ac:cxnSpMkLst>
-            <pc:docMk/>
-            <pc:sldMk cId="3455347986" sldId="278"/>
-            <ac:cxnSpMk id="10" creationId="{748F01F3-FB23-436C-868E-AC1D9CF92724}"/>
-          </ac:cxnSpMkLst>
-        </pc:cxnChg>
-        <pc:cxnChg chg="add mod">
-          <ac:chgData name="Anna Młynarczyk" userId="S::amlynarczyk@student.agh.edu.pl::73d83fbe-a5e4-49c8-b79a-cc4a8dc68c6b" providerId="AD" clId="Web-{A2E6DB87-A5F6-6155-99C4-4D4B586E6140}" dt="2021-04-27T16:12:25.614" v="78" actId="14100"/>
-          <ac:cxnSpMkLst>
-            <pc:docMk/>
-            <pc:sldMk cId="3455347986" sldId="278"/>
-            <ac:cxnSpMk id="12" creationId="{22156F98-F727-454F-AEF3-72AF8773094E}"/>
-          </ac:cxnSpMkLst>
-        </pc:cxnChg>
-        <pc:cxnChg chg="add mod">
-          <ac:chgData name="Anna Młynarczyk" userId="S::amlynarczyk@student.agh.edu.pl::73d83fbe-a5e4-49c8-b79a-cc4a8dc68c6b" providerId="AD" clId="Web-{A2E6DB87-A5F6-6155-99C4-4D4B586E6140}" dt="2021-04-27T16:13:21.334" v="82" actId="14100"/>
-          <ac:cxnSpMkLst>
-            <pc:docMk/>
-            <pc:sldMk cId="3455347986" sldId="278"/>
-            <ac:cxnSpMk id="13" creationId="{FBB134A1-2518-4D09-9442-5D76BC4D4F9D}"/>
-          </ac:cxnSpMkLst>
-        </pc:cxnChg>
-        <pc:cxnChg chg="add mod">
-          <ac:chgData name="Anna Młynarczyk" userId="S::amlynarczyk@student.agh.edu.pl::73d83fbe-a5e4-49c8-b79a-cc4a8dc68c6b" providerId="AD" clId="Web-{A2E6DB87-A5F6-6155-99C4-4D4B586E6140}" dt="2021-04-27T16:13:50.163" v="85" actId="1076"/>
-          <ac:cxnSpMkLst>
-            <pc:docMk/>
-            <pc:sldMk cId="3455347986" sldId="278"/>
-            <ac:cxnSpMk id="14" creationId="{E1AFEAFD-36EF-460C-A2A9-C37ECF5B428A}"/>
-          </ac:cxnSpMkLst>
-        </pc:cxnChg>
-        <pc:cxnChg chg="add mod">
-          <ac:chgData name="Anna Młynarczyk" userId="S::amlynarczyk@student.agh.edu.pl::73d83fbe-a5e4-49c8-b79a-cc4a8dc68c6b" providerId="AD" clId="Web-{A2E6DB87-A5F6-6155-99C4-4D4B586E6140}" dt="2021-04-27T16:14:03.445" v="88" actId="1076"/>
-          <ac:cxnSpMkLst>
-            <pc:docMk/>
-            <pc:sldMk cId="3455347986" sldId="278"/>
-            <ac:cxnSpMk id="15" creationId="{8E4FBD21-DEA9-41EF-B248-1936F3B0B740}"/>
-          </ac:cxnSpMkLst>
-        </pc:cxnChg>
-      </pc:sldChg>
-      <pc:sldChg chg="modSp add replId">
-        <pc:chgData name="Anna Młynarczyk" userId="S::amlynarczyk@student.agh.edu.pl::73d83fbe-a5e4-49c8-b79a-cc4a8dc68c6b" providerId="AD" clId="Web-{A2E6DB87-A5F6-6155-99C4-4D4B586E6140}" dt="2021-04-27T15:49:36.634" v="30" actId="20577"/>
-        <pc:sldMkLst>
-          <pc:docMk/>
-          <pc:sldMk cId="704392661" sldId="279"/>
-        </pc:sldMkLst>
-        <pc:spChg chg="mod">
-          <ac:chgData name="Anna Młynarczyk" userId="S::amlynarczyk@student.agh.edu.pl::73d83fbe-a5e4-49c8-b79a-cc4a8dc68c6b" providerId="AD" clId="Web-{A2E6DB87-A5F6-6155-99C4-4D4B586E6140}" dt="2021-04-27T15:49:36.634" v="30" actId="20577"/>
-          <ac:spMkLst>
-            <pc:docMk/>
-            <pc:sldMk cId="704392661" sldId="279"/>
-            <ac:spMk id="3" creationId="{7E4947CF-C8D7-434C-8030-67971600F5D3}"/>
-          </ac:spMkLst>
-        </pc:spChg>
-      </pc:sldChg>
-    </pc:docChg>
-  </pc:docChgLst>
-  <pc:docChgLst>
     <pc:chgData name="Anna Młynarczyk" userId="S::amlynarczyk@student.agh.edu.pl::73d83fbe-a5e4-49c8-b79a-cc4a8dc68c6b" providerId="AD" clId="Web-{00000000-0000-0000-0000-000000000000}"/>
     <pc:docChg chg="addSld delSld modSld sldOrd">
-      <pc:chgData name="Anna Młynarczyk" userId="S::amlynarczyk@student.agh.edu.pl::73d83fbe-a5e4-49c8-b79a-cc4a8dc68c6b" providerId="AD" clId="Web-{00000000-0000-0000-0000-000000000000}" dt="2021-04-13T15:08:25.612" v="799" actId="20577"/>
+      <pc:chgData name="Anna Młynarczyk" userId="S::amlynarczyk@student.agh.edu.pl::73d83fbe-a5e4-49c8-b79a-cc4a8dc68c6b" providerId="AD" clId="Web-{00000000-0000-0000-0000-000000000000}" dt="2021-05-11T13:40:04.493" v="911" actId="20577"/>
       <pc:docMkLst>
         <pc:docMk/>
       </pc:docMkLst>
@@ -1312,13 +1649,13 @@
         </pc:spChg>
       </pc:sldChg>
       <pc:sldChg chg="modSp">
-        <pc:chgData name="Anna Młynarczyk" userId="S::amlynarczyk@student.agh.edu.pl::73d83fbe-a5e4-49c8-b79a-cc4a8dc68c6b" providerId="AD" clId="Web-{00000000-0000-0000-0000-000000000000}" dt="2021-04-13T13:49:35.843" v="147" actId="20577"/>
+        <pc:chgData name="Anna Młynarczyk" userId="S::amlynarczyk@student.agh.edu.pl::73d83fbe-a5e4-49c8-b79a-cc4a8dc68c6b" providerId="AD" clId="Web-{00000000-0000-0000-0000-000000000000}" dt="2021-05-11T13:29:58.760" v="810" actId="20577"/>
         <pc:sldMkLst>
           <pc:docMk/>
           <pc:sldMk cId="1296993196" sldId="257"/>
         </pc:sldMkLst>
         <pc:spChg chg="mod">
-          <ac:chgData name="Anna Młynarczyk" userId="S::amlynarczyk@student.agh.edu.pl::73d83fbe-a5e4-49c8-b79a-cc4a8dc68c6b" providerId="AD" clId="Web-{00000000-0000-0000-0000-000000000000}" dt="2021-04-13T13:49:35.843" v="147" actId="20577"/>
+          <ac:chgData name="Anna Młynarczyk" userId="S::amlynarczyk@student.agh.edu.pl::73d83fbe-a5e4-49c8-b79a-cc4a8dc68c6b" providerId="AD" clId="Web-{00000000-0000-0000-0000-000000000000}" dt="2021-05-11T13:29:58.760" v="810" actId="20577"/>
           <ac:spMkLst>
             <pc:docMk/>
             <pc:sldMk cId="1296993196" sldId="257"/>
@@ -1395,13 +1732,13 @@
         </pc:spChg>
       </pc:sldChg>
       <pc:sldChg chg="modSp">
-        <pc:chgData name="Anna Młynarczyk" userId="S::amlynarczyk@student.agh.edu.pl::73d83fbe-a5e4-49c8-b79a-cc4a8dc68c6b" providerId="AD" clId="Web-{00000000-0000-0000-0000-000000000000}" dt="2021-04-13T13:52:54.111" v="171" actId="20577"/>
+        <pc:chgData name="Anna Młynarczyk" userId="S::amlynarczyk@student.agh.edu.pl::73d83fbe-a5e4-49c8-b79a-cc4a8dc68c6b" providerId="AD" clId="Web-{00000000-0000-0000-0000-000000000000}" dt="2021-05-11T13:40:04.493" v="911" actId="20577"/>
         <pc:sldMkLst>
           <pc:docMk/>
           <pc:sldMk cId="416330451" sldId="266"/>
         </pc:sldMkLst>
         <pc:spChg chg="mod">
-          <ac:chgData name="Anna Młynarczyk" userId="S::amlynarczyk@student.agh.edu.pl::73d83fbe-a5e4-49c8-b79a-cc4a8dc68c6b" providerId="AD" clId="Web-{00000000-0000-0000-0000-000000000000}" dt="2021-04-13T13:52:54.111" v="171" actId="20577"/>
+          <ac:chgData name="Anna Młynarczyk" userId="S::amlynarczyk@student.agh.edu.pl::73d83fbe-a5e4-49c8-b79a-cc4a8dc68c6b" providerId="AD" clId="Web-{00000000-0000-0000-0000-000000000000}" dt="2021-05-11T13:40:04.493" v="911" actId="20577"/>
           <ac:spMkLst>
             <pc:docMk/>
             <pc:sldMk cId="416330451" sldId="266"/>
@@ -1410,13 +1747,13 @@
         </pc:spChg>
       </pc:sldChg>
       <pc:sldChg chg="modSp">
-        <pc:chgData name="Anna Młynarczyk" userId="S::amlynarczyk@student.agh.edu.pl::73d83fbe-a5e4-49c8-b79a-cc4a8dc68c6b" providerId="AD" clId="Web-{00000000-0000-0000-0000-000000000000}" dt="2021-04-13T14:36:04.132" v="670" actId="20577"/>
+        <pc:chgData name="Anna Młynarczyk" userId="S::amlynarczyk@student.agh.edu.pl::73d83fbe-a5e4-49c8-b79a-cc4a8dc68c6b" providerId="AD" clId="Web-{00000000-0000-0000-0000-000000000000}" dt="2021-05-11T13:34:16.547" v="865" actId="20577"/>
         <pc:sldMkLst>
           <pc:docMk/>
           <pc:sldMk cId="3784388687" sldId="267"/>
         </pc:sldMkLst>
         <pc:spChg chg="mod">
-          <ac:chgData name="Anna Młynarczyk" userId="S::amlynarczyk@student.agh.edu.pl::73d83fbe-a5e4-49c8-b79a-cc4a8dc68c6b" providerId="AD" clId="Web-{00000000-0000-0000-0000-000000000000}" dt="2021-04-13T14:36:04.132" v="670" actId="20577"/>
+          <ac:chgData name="Anna Młynarczyk" userId="S::amlynarczyk@student.agh.edu.pl::73d83fbe-a5e4-49c8-b79a-cc4a8dc68c6b" providerId="AD" clId="Web-{00000000-0000-0000-0000-000000000000}" dt="2021-05-11T13:34:16.547" v="865" actId="20577"/>
           <ac:spMkLst>
             <pc:docMk/>
             <pc:sldMk cId="3784388687" sldId="267"/>
@@ -5439,16 +5776,8 @@
           <a:lstStyle/>
           <a:p>
             <a:r>
-              <a:rPr lang="en-US" err="1"/>
-              <a:t>Napotkane</a:t>
-            </a:r>
-            <a:r>
               <a:rPr lang="en-US"/>
-              <a:t> </a:t>
-            </a:r>
-            <a:r>
-              <a:rPr lang="en-US" err="1"/>
-              <a:t>problemy</a:t>
+              <a:t>Implementacja w kodzie</a:t>
             </a:r>
           </a:p>
         </p:txBody>
@@ -5477,408 +5806,1097 @@
             <a:pPr marL="0" indent="0">
               <a:buNone/>
             </a:pPr>
-            <a:r>
-              <a:rPr lang="en-US" sz="2400" dirty="0" err="1"/>
+            <a:endParaRPr lang="en-US" sz="2400"/>
+          </a:p>
+          <a:p>
+            <a:pPr marL="0" indent="0">
+              <a:buNone/>
+            </a:pPr>
+            <a:endParaRPr lang="en-US" sz="2400"/>
+          </a:p>
+        </p:txBody>
+      </p:sp>
+      <p:grpSp>
+        <p:nvGrpSpPr>
+          <p:cNvPr id="7" name="Group 6">
+            <a:extLst>
+              <a:ext uri="{FF2B5EF4-FFF2-40B4-BE49-F238E27FC236}">
+                <a16:creationId xmlns:a16="http://schemas.microsoft.com/office/drawing/2014/main" id="{DFBB3481-8A0C-4937-A850-42B598EE1ED2}"/>
+              </a:ext>
+            </a:extLst>
+          </p:cNvPr>
+          <p:cNvGrpSpPr/>
+          <p:nvPr/>
+        </p:nvGrpSpPr>
+        <p:grpSpPr>
+          <a:xfrm>
+            <a:off x="53655" y="7102637"/>
+            <a:ext cx="8595907" cy="914399"/>
+            <a:chOff x="53655" y="7102637"/>
+            <a:chExt cx="8595907" cy="914399"/>
+          </a:xfrm>
+        </p:grpSpPr>
+        <p:sp>
+          <p:nvSpPr>
+            <p:cNvPr id="5" name="TextBox 4">
+              <a:extLst>
+                <a:ext uri="{FF2B5EF4-FFF2-40B4-BE49-F238E27FC236}">
+                  <a16:creationId xmlns:a16="http://schemas.microsoft.com/office/drawing/2014/main" id="{52D0B692-B574-42A2-9E06-ED9235EC350B}"/>
+                </a:ext>
+              </a:extLst>
+            </p:cNvPr>
+            <p:cNvSpPr txBox="1"/>
+            <p:nvPr/>
+          </p:nvSpPr>
+          <p:spPr>
+            <a:xfrm>
+              <a:off x="53655" y="7158980"/>
+              <a:ext cx="8595907" cy="400110"/>
+            </a:xfrm>
+            <a:prstGeom prst="rect">
+              <a:avLst/>
+            </a:prstGeom>
+            <a:noFill/>
+            <a:ln>
+              <a:noFill/>
+            </a:ln>
+          </p:spPr>
+          <p:txBody>
+            <a:bodyPr rot="0" spcFirstLastPara="0" vertOverflow="overflow" horzOverflow="overflow" vert="horz" wrap="square" lIns="91440" tIns="45720" rIns="91440" bIns="45720" numCol="1" spcCol="0" rtlCol="0" fromWordArt="0" anchor="t" anchorCtr="0" forceAA="0" compatLnSpc="1">
+              <a:prstTxWarp prst="textNoShape">
+                <a:avLst/>
+              </a:prstTxWarp>
+              <a:spAutoFit/>
+            </a:bodyPr>
+            <a:lstStyle/>
+            <a:p>
+              <a:r>
+                <a:rPr lang="en-US" sz="1600">
+                  <a:solidFill>
+                    <a:schemeClr val="bg1"/>
+                  </a:solidFill>
+                  <a:latin typeface="Arial"/>
+                  <a:cs typeface="Arial"/>
+                </a:rPr>
+                <a:t>Anna </a:t>
+              </a:r>
+              <a:r>
+                <a:rPr lang="en-US" sz="1600" err="1">
+                  <a:solidFill>
+                    <a:schemeClr val="bg1"/>
+                  </a:solidFill>
+                  <a:latin typeface="Arial"/>
+                  <a:cs typeface="Arial"/>
+                </a:rPr>
+                <a:t>Młynarczyk</a:t>
+              </a:r>
+              <a:r>
+                <a:rPr lang="en-US" sz="1600">
+                  <a:solidFill>
+                    <a:schemeClr val="bg1"/>
+                  </a:solidFill>
+                  <a:latin typeface="Arial"/>
+                  <a:cs typeface="Arial"/>
+                </a:rPr>
+                <a:t>     Agnieszka </a:t>
+              </a:r>
+              <a:r>
+                <a:rPr lang="en-US" sz="1600" err="1">
+                  <a:solidFill>
+                    <a:schemeClr val="bg1"/>
+                  </a:solidFill>
+                  <a:latin typeface="Arial"/>
+                  <a:cs typeface="Arial"/>
+                </a:rPr>
+                <a:t>Żupnik</a:t>
+              </a:r>
+              <a:r>
+                <a:rPr lang="en-US" sz="1600">
+                  <a:solidFill>
+                    <a:schemeClr val="bg1"/>
+                  </a:solidFill>
+                  <a:latin typeface="Arial"/>
+                  <a:cs typeface="Arial"/>
+                </a:rPr>
+                <a:t> </a:t>
+              </a:r>
+              <a:r>
+                <a:rPr lang="en-US" sz="2000">
+                  <a:solidFill>
+                    <a:schemeClr val="bg1"/>
+                  </a:solidFill>
+                  <a:latin typeface="Arial"/>
+                  <a:cs typeface="Arial"/>
+                </a:rPr>
+                <a:t>                     </a:t>
+              </a:r>
+              <a:r>
+                <a:rPr lang="en-US" sz="1600" err="1">
+                  <a:solidFill>
+                    <a:schemeClr val="bg1"/>
+                  </a:solidFill>
+                  <a:latin typeface="Arial"/>
+                  <a:cs typeface="Arial"/>
+                </a:rPr>
+                <a:t>Aplikacja</a:t>
+              </a:r>
+              <a:r>
+                <a:rPr lang="en-US" sz="1600">
+                  <a:solidFill>
+                    <a:schemeClr val="bg1"/>
+                  </a:solidFill>
+                  <a:latin typeface="Arial"/>
+                  <a:cs typeface="Arial"/>
+                </a:rPr>
+                <a:t> "</a:t>
+              </a:r>
+              <a:r>
+                <a:rPr lang="en-US" sz="1600" err="1">
+                  <a:solidFill>
+                    <a:schemeClr val="bg1"/>
+                  </a:solidFill>
+                  <a:latin typeface="Arial"/>
+                  <a:cs typeface="Arial"/>
+                </a:rPr>
+                <a:t>Quizlo</a:t>
+              </a:r>
+              <a:r>
+                <a:rPr lang="en-US" sz="1600">
+                  <a:solidFill>
+                    <a:schemeClr val="bg1"/>
+                  </a:solidFill>
+                  <a:latin typeface="Arial"/>
+                  <a:cs typeface="Arial"/>
+                </a:rPr>
+                <a:t>"</a:t>
+              </a:r>
+              <a:endParaRPr lang="en-US" sz="1600">
+                <a:solidFill>
+                  <a:schemeClr val="bg1"/>
+                </a:solidFill>
+              </a:endParaRPr>
+            </a:p>
+          </p:txBody>
+        </p:sp>
+        <p:sp>
+          <p:nvSpPr>
+            <p:cNvPr id="6" name="Right Triangle 5">
+              <a:extLst>
+                <a:ext uri="{FF2B5EF4-FFF2-40B4-BE49-F238E27FC236}">
+                  <a16:creationId xmlns:a16="http://schemas.microsoft.com/office/drawing/2014/main" id="{E39F2384-2934-4714-A259-D26EFBA74269}"/>
+                </a:ext>
+              </a:extLst>
+            </p:cNvPr>
+            <p:cNvSpPr/>
+            <p:nvPr/>
+          </p:nvSpPr>
+          <p:spPr bwMode="auto">
+            <a:xfrm rot="10800000">
+              <a:off x="7443863" y="7102637"/>
+              <a:ext cx="914399" cy="914399"/>
+            </a:xfrm>
+            <a:prstGeom prst="rtTriangle">
+              <a:avLst/>
+            </a:prstGeom>
+            <a:solidFill>
+              <a:schemeClr val="bg1"/>
+            </a:solidFill>
+            <a:ln w="25400" cap="flat" cmpd="sng" algn="ctr">
+              <a:noFill/>
+              <a:prstDash val="solid"/>
+              <a:round/>
+              <a:headEnd type="none" w="med" len="med"/>
+              <a:tailEnd type="none" w="med" len="med"/>
+            </a:ln>
+            <a:effectLst/>
+            <a:extLst>
+              <a:ext uri="{AF507438-7753-43E0-B8FC-AC1667EBCBE1}">
+                <a14:hiddenEffects xmlns:a14="http://schemas.microsoft.com/office/drawing/2010/main">
+                  <a:effectLst>
+                    <a:outerShdw dist="35921" dir="2700000" algn="ctr" rotWithShape="0">
+                      <a:schemeClr val="bg2"/>
+                    </a:outerShdw>
+                  </a:effectLst>
+                </a14:hiddenEffects>
+              </a:ext>
+            </a:extLst>
+          </p:spPr>
+          <p:txBody>
+            <a:bodyPr vert="horz" wrap="square" lIns="45720" tIns="45720" rIns="45720" bIns="45720" numCol="1" rtlCol="0" anchor="t" anchorCtr="0" compatLnSpc="1">
+              <a:prstTxWarp prst="textNoShape">
+                <a:avLst/>
+              </a:prstTxWarp>
+              <a:spAutoFit/>
+            </a:bodyPr>
+            <a:lstStyle/>
+            <a:p>
+              <a:pPr marL="0" marR="0" indent="0" algn="l" defTabSz="914400" rtl="0" eaLnBrk="1" fontAlgn="base" latinLnBrk="0" hangingPunct="0">
+                <a:lnSpc>
+                  <a:spcPct val="100000"/>
+                </a:lnSpc>
+                <a:spcBef>
+                  <a:spcPct val="0"/>
+                </a:spcBef>
+                <a:spcAft>
+                  <a:spcPct val="0"/>
+                </a:spcAft>
+                <a:buClrTx/>
+                <a:buSzTx/>
+                <a:buFontTx/>
+                <a:buNone/>
+                <a:tabLst/>
+              </a:pPr>
+              <a:endParaRPr kumimoji="0" lang="en-US" sz="2400" b="0" i="0" u="none" strike="noStrike" cap="none" normalizeH="0" baseline="0">
+                <a:ln>
+                  <a:noFill/>
+                </a:ln>
+                <a:solidFill>
+                  <a:srgbClr val="000000"/>
+                </a:solidFill>
+                <a:effectLst/>
+                <a:latin typeface="Arial" panose="020B0604020202020204" pitchFamily="34" charset="0"/>
+                <a:cs typeface="Arial" panose="020B0604020202020204" pitchFamily="34" charset="0"/>
+                <a:sym typeface="Arial" panose="020B0604020202020204" pitchFamily="34" charset="0"/>
+              </a:endParaRPr>
+            </a:p>
+          </p:txBody>
+        </p:sp>
+      </p:grpSp>
+      <p:sp>
+        <p:nvSpPr>
+          <p:cNvPr id="9" name="Rectangle 8">
+            <a:extLst>
+              <a:ext uri="{FF2B5EF4-FFF2-40B4-BE49-F238E27FC236}">
+                <a16:creationId xmlns:a16="http://schemas.microsoft.com/office/drawing/2014/main" id="{6A0BD7BE-E2FF-4DFD-AAD5-00567A2D8D05}"/>
+              </a:ext>
+            </a:extLst>
+          </p:cNvPr>
+          <p:cNvSpPr/>
+          <p:nvPr/>
+        </p:nvSpPr>
+        <p:spPr bwMode="auto">
+          <a:xfrm>
+            <a:off x="-1909" y="7112678"/>
+            <a:ext cx="8304181" cy="441503"/>
+          </a:xfrm>
+          <a:prstGeom prst="rect">
+            <a:avLst/>
+          </a:prstGeom>
+          <a:solidFill>
+            <a:srgbClr val="CA0000"/>
+          </a:solidFill>
+          <a:ln w="25400" cap="flat" cmpd="sng" algn="ctr">
+            <a:noFill/>
+            <a:prstDash val="solid"/>
+            <a:round/>
+            <a:headEnd type="none" w="med" len="med"/>
+            <a:tailEnd type="none" w="med" len="med"/>
+          </a:ln>
+          <a:effectLst/>
+          <a:extLst>
+            <a:ext uri="{AF507438-7753-43E0-B8FC-AC1667EBCBE1}">
+              <a14:hiddenEffects xmlns:a14="http://schemas.microsoft.com/office/drawing/2010/main">
+                <a:effectLst>
+                  <a:outerShdw dist="35921" dir="2700000" algn="ctr" rotWithShape="0">
+                    <a:schemeClr val="bg2"/>
+                  </a:outerShdw>
+                </a:effectLst>
+              </a14:hiddenEffects>
+            </a:ext>
+          </a:extLst>
+        </p:spPr>
+        <p:txBody>
+          <a:bodyPr vert="horz" wrap="square" lIns="45720" tIns="45720" rIns="45720" bIns="45720" numCol="1" rtlCol="0" anchor="t" anchorCtr="0" compatLnSpc="1">
+            <a:prstTxWarp prst="textNoShape">
+              <a:avLst/>
+            </a:prstTxWarp>
+            <a:spAutoFit/>
+          </a:bodyPr>
+          <a:lstStyle/>
+          <a:p>
+            <a:pPr marL="0" marR="0" indent="0" algn="l" defTabSz="914400" rtl="0" eaLnBrk="1" fontAlgn="base" latinLnBrk="0" hangingPunct="0">
+              <a:lnSpc>
+                <a:spcPct val="100000"/>
+              </a:lnSpc>
+              <a:spcBef>
+                <a:spcPct val="0"/>
+              </a:spcBef>
+              <a:spcAft>
+                <a:spcPct val="0"/>
+              </a:spcAft>
+              <a:buClrTx/>
+              <a:buSzTx/>
+              <a:buFontTx/>
+              <a:buNone/>
+              <a:tabLst/>
+            </a:pPr>
+            <a:endParaRPr kumimoji="0" lang="en-US" sz="2400" b="0" i="0" u="none" strike="noStrike" cap="none" normalizeH="0" baseline="0">
+              <a:ln>
+                <a:noFill/>
+              </a:ln>
+              <a:solidFill>
+                <a:srgbClr val="000000"/>
+              </a:solidFill>
+              <a:effectLst/>
+              <a:latin typeface="Arial" panose="020B0604020202020204" pitchFamily="34" charset="0"/>
+              <a:cs typeface="Arial" panose="020B0604020202020204" pitchFamily="34" charset="0"/>
+              <a:sym typeface="Arial" panose="020B0604020202020204" pitchFamily="34" charset="0"/>
+            </a:endParaRPr>
+          </a:p>
+        </p:txBody>
+      </p:sp>
+      <p:sp>
+        <p:nvSpPr>
+          <p:cNvPr id="11" name="Right Triangle 10">
+            <a:extLst>
+              <a:ext uri="{FF2B5EF4-FFF2-40B4-BE49-F238E27FC236}">
+                <a16:creationId xmlns:a16="http://schemas.microsoft.com/office/drawing/2014/main" id="{D11C8BF1-C5F4-49FE-A53E-986D8EDCC78E}"/>
+              </a:ext>
+            </a:extLst>
+          </p:cNvPr>
+          <p:cNvSpPr/>
+          <p:nvPr/>
+        </p:nvSpPr>
+        <p:spPr bwMode="auto">
+          <a:xfrm rot="10800000">
+            <a:off x="7438681" y="7097471"/>
+            <a:ext cx="914399" cy="914399"/>
+          </a:xfrm>
+          <a:prstGeom prst="rtTriangle">
+            <a:avLst/>
+          </a:prstGeom>
+          <a:solidFill>
+            <a:schemeClr val="bg1"/>
+          </a:solidFill>
+          <a:ln w="25400" cap="flat" cmpd="sng" algn="ctr">
+            <a:noFill/>
+            <a:prstDash val="solid"/>
+            <a:round/>
+            <a:headEnd type="none" w="med" len="med"/>
+            <a:tailEnd type="none" w="med" len="med"/>
+          </a:ln>
+          <a:effectLst/>
+          <a:extLst>
+            <a:ext uri="{AF507438-7753-43E0-B8FC-AC1667EBCBE1}">
+              <a14:hiddenEffects xmlns:a14="http://schemas.microsoft.com/office/drawing/2010/main">
+                <a:effectLst>
+                  <a:outerShdw dist="35921" dir="2700000" algn="ctr" rotWithShape="0">
+                    <a:schemeClr val="bg2"/>
+                  </a:outerShdw>
+                </a:effectLst>
+              </a14:hiddenEffects>
+            </a:ext>
+          </a:extLst>
+        </p:spPr>
+        <p:txBody>
+          <a:bodyPr vert="horz" wrap="square" lIns="45720" tIns="45720" rIns="45720" bIns="45720" numCol="1" rtlCol="0" anchor="t" anchorCtr="0" compatLnSpc="1">
+            <a:prstTxWarp prst="textNoShape">
+              <a:avLst/>
+            </a:prstTxWarp>
+            <a:spAutoFit/>
+          </a:bodyPr>
+          <a:lstStyle/>
+          <a:p>
+            <a:pPr marL="0" marR="0" indent="0" algn="l" defTabSz="914400" rtl="0" eaLnBrk="1" fontAlgn="base" latinLnBrk="0" hangingPunct="0">
+              <a:lnSpc>
+                <a:spcPct val="100000"/>
+              </a:lnSpc>
+              <a:spcBef>
+                <a:spcPct val="0"/>
+              </a:spcBef>
+              <a:spcAft>
+                <a:spcPct val="0"/>
+              </a:spcAft>
+              <a:buClrTx/>
+              <a:buSzTx/>
+              <a:buFontTx/>
+              <a:buNone/>
+              <a:tabLst/>
+            </a:pPr>
+            <a:endParaRPr kumimoji="0" lang="en-US" sz="2400" b="0" i="0" u="none" strike="noStrike" cap="none" normalizeH="0" baseline="0">
+              <a:ln>
+                <a:noFill/>
+              </a:ln>
+              <a:solidFill>
+                <a:srgbClr val="000000"/>
+              </a:solidFill>
+              <a:effectLst/>
+              <a:latin typeface="Arial" panose="020B0604020202020204" pitchFamily="34" charset="0"/>
+              <a:cs typeface="Arial" panose="020B0604020202020204" pitchFamily="34" charset="0"/>
+              <a:sym typeface="Arial" panose="020B0604020202020204" pitchFamily="34" charset="0"/>
+            </a:endParaRPr>
+          </a:p>
+        </p:txBody>
+      </p:sp>
+      <p:sp>
+        <p:nvSpPr>
+          <p:cNvPr id="13" name="TextBox 12">
+            <a:extLst>
+              <a:ext uri="{FF2B5EF4-FFF2-40B4-BE49-F238E27FC236}">
+                <a16:creationId xmlns:a16="http://schemas.microsoft.com/office/drawing/2014/main" id="{DC598761-DF8F-4CD6-86FB-5D039252946A}"/>
+              </a:ext>
+            </a:extLst>
+          </p:cNvPr>
+          <p:cNvSpPr txBox="1"/>
+          <p:nvPr/>
+        </p:nvSpPr>
+        <p:spPr>
+          <a:xfrm>
+            <a:off x="122598" y="7139284"/>
+            <a:ext cx="8595907" cy="400110"/>
+          </a:xfrm>
+          <a:prstGeom prst="rect">
+            <a:avLst/>
+          </a:prstGeom>
+          <a:noFill/>
+          <a:ln>
+            <a:noFill/>
+          </a:ln>
+        </p:spPr>
+        <p:txBody>
+          <a:bodyPr rot="0" spcFirstLastPara="0" vertOverflow="overflow" horzOverflow="overflow" vert="horz" wrap="square" lIns="91440" tIns="45720" rIns="91440" bIns="45720" numCol="1" spcCol="0" rtlCol="0" fromWordArt="0" anchor="t" anchorCtr="0" forceAA="0" compatLnSpc="1">
+            <a:prstTxWarp prst="textNoShape">
+              <a:avLst/>
+            </a:prstTxWarp>
+            <a:spAutoFit/>
+          </a:bodyPr>
+          <a:lstStyle/>
+          <a:p>
+            <a:r>
+              <a:rPr lang="en-US" sz="1600">
+                <a:solidFill>
+                  <a:schemeClr val="bg1"/>
+                </a:solidFill>
+                <a:latin typeface="Arial"/>
+                <a:cs typeface="Arial"/>
+              </a:rPr>
+              <a:t>Anna </a:t>
+            </a:r>
+            <a:r>
+              <a:rPr lang="en-US" sz="1600" err="1">
+                <a:solidFill>
+                  <a:schemeClr val="bg1"/>
+                </a:solidFill>
+                <a:latin typeface="Arial"/>
+                <a:cs typeface="Arial"/>
+              </a:rPr>
+              <a:t>Młynarczyk</a:t>
+            </a:r>
+            <a:r>
+              <a:rPr lang="en-US" sz="1600">
+                <a:solidFill>
+                  <a:schemeClr val="bg1"/>
+                </a:solidFill>
+                <a:latin typeface="Arial"/>
+                <a:cs typeface="Arial"/>
+              </a:rPr>
+              <a:t>     Agnieszka </a:t>
+            </a:r>
+            <a:r>
+              <a:rPr lang="en-US" sz="1600" err="1">
+                <a:solidFill>
+                  <a:schemeClr val="bg1"/>
+                </a:solidFill>
+                <a:latin typeface="Arial"/>
+                <a:cs typeface="Arial"/>
+              </a:rPr>
+              <a:t>Żupnik</a:t>
+            </a:r>
+            <a:r>
+              <a:rPr lang="en-US" sz="1600">
+                <a:solidFill>
+                  <a:schemeClr val="bg1"/>
+                </a:solidFill>
+                <a:latin typeface="Arial"/>
+                <a:cs typeface="Arial"/>
+              </a:rPr>
+              <a:t> </a:t>
+            </a:r>
+            <a:r>
+              <a:rPr lang="en-US" sz="2000">
+                <a:solidFill>
+                  <a:schemeClr val="bg1"/>
+                </a:solidFill>
+                <a:latin typeface="Arial"/>
+                <a:cs typeface="Arial"/>
+              </a:rPr>
+              <a:t>                         </a:t>
+            </a:r>
+            <a:r>
+              <a:rPr lang="en-US" sz="1600" err="1">
+                <a:solidFill>
+                  <a:schemeClr val="bg1"/>
+                </a:solidFill>
+                <a:latin typeface="Arial"/>
+                <a:cs typeface="Arial"/>
+              </a:rPr>
+              <a:t>Aplikacja</a:t>
+            </a:r>
+            <a:r>
+              <a:rPr lang="en-US" sz="1600">
+                <a:solidFill>
+                  <a:schemeClr val="bg1"/>
+                </a:solidFill>
+                <a:latin typeface="Arial"/>
+                <a:cs typeface="Arial"/>
+              </a:rPr>
+              <a:t> "</a:t>
+            </a:r>
+            <a:r>
+              <a:rPr lang="en-US" sz="1600" err="1">
+                <a:solidFill>
+                  <a:schemeClr val="bg1"/>
+                </a:solidFill>
+                <a:latin typeface="Arial"/>
+                <a:cs typeface="Arial"/>
+              </a:rPr>
+              <a:t>Quizlo</a:t>
+            </a:r>
+            <a:r>
+              <a:rPr lang="en-US" sz="1600">
+                <a:solidFill>
+                  <a:schemeClr val="bg1"/>
+                </a:solidFill>
+                <a:latin typeface="Arial"/>
+                <a:cs typeface="Arial"/>
+              </a:rPr>
+              <a:t>"</a:t>
+            </a:r>
+            <a:endParaRPr lang="en-US" sz="1600">
+              <a:solidFill>
+                <a:schemeClr val="bg1"/>
+              </a:solidFill>
+            </a:endParaRPr>
+          </a:p>
+        </p:txBody>
+      </p:sp>
+      <p:pic>
+        <p:nvPicPr>
+          <p:cNvPr id="4" name="Obraz 7" descr="Obraz zawierający tekst&#10;&#10;Opis wygenerowany automatycznie">
+            <a:extLst>
+              <a:ext uri="{FF2B5EF4-FFF2-40B4-BE49-F238E27FC236}">
+                <a16:creationId xmlns:a16="http://schemas.microsoft.com/office/drawing/2014/main" id="{A44CBB93-34A8-4DBC-A518-FCA84A56C710}"/>
+              </a:ext>
+            </a:extLst>
+          </p:cNvPr>
+          <p:cNvPicPr>
+            <a:picLocks noChangeAspect="1"/>
+          </p:cNvPicPr>
+          <p:nvPr/>
+        </p:nvPicPr>
+        <p:blipFill>
+          <a:blip r:embed="rId2"/>
+          <a:stretch>
+            <a:fillRect/>
+          </a:stretch>
+        </p:blipFill>
+        <p:spPr>
+          <a:xfrm>
+            <a:off x="1176968" y="1886439"/>
+            <a:ext cx="8155257" cy="4784707"/>
+          </a:xfrm>
+          <a:prstGeom prst="rect">
+            <a:avLst/>
+          </a:prstGeom>
+        </p:spPr>
+      </p:pic>
+    </p:spTree>
+    <p:extLst>
+      <p:ext uri="{BB962C8B-B14F-4D97-AF65-F5344CB8AC3E}">
+        <p14:creationId xmlns:p14="http://schemas.microsoft.com/office/powerpoint/2010/main" val="4020934876"/>
+      </p:ext>
+    </p:extLst>
+  </p:cSld>
+  <p:clrMapOvr>
+    <a:masterClrMapping/>
+  </p:clrMapOvr>
+</p:sld>
+</file>
+
+<file path=ppt/slides/slide12.xml><?xml version="1.0" encoding="utf-8"?>
+<p:sld xmlns:a="http://schemas.openxmlformats.org/drawingml/2006/main" xmlns:r="http://schemas.openxmlformats.org/officeDocument/2006/relationships" xmlns:p="http://schemas.openxmlformats.org/presentationml/2006/main">
+  <p:cSld>
+    <p:spTree>
+      <p:nvGrpSpPr>
+        <p:cNvPr id="1" name=""/>
+        <p:cNvGrpSpPr/>
+        <p:nvPr/>
+      </p:nvGrpSpPr>
+      <p:grpSpPr>
+        <a:xfrm>
+          <a:off x="0" y="0"/>
+          <a:ext cx="0" cy="0"/>
+          <a:chOff x="0" y="0"/>
+          <a:chExt cx="0" cy="0"/>
+        </a:xfrm>
+      </p:grpSpPr>
+      <p:sp>
+        <p:nvSpPr>
+          <p:cNvPr id="2" name="Title 1">
+            <a:extLst>
+              <a:ext uri="{FF2B5EF4-FFF2-40B4-BE49-F238E27FC236}">
+                <a16:creationId xmlns:a16="http://schemas.microsoft.com/office/drawing/2014/main" id="{5DFDA20B-FEEB-4376-BB6F-422DE1487D30}"/>
+              </a:ext>
+            </a:extLst>
+          </p:cNvPr>
+          <p:cNvSpPr>
+            <a:spLocks noGrp="1"/>
+          </p:cNvSpPr>
+          <p:nvPr>
+            <p:ph type="title"/>
+          </p:nvPr>
+        </p:nvSpPr>
+        <p:spPr>
+          <a:xfrm>
+            <a:off x="646373" y="825097"/>
+            <a:ext cx="9210675" cy="1460500"/>
+          </a:xfrm>
+        </p:spPr>
+        <p:txBody>
+          <a:bodyPr lIns="91440" tIns="45720" rIns="91440" bIns="45720" anchor="t"/>
+          <a:lstStyle/>
+          <a:p>
+            <a:r>
+              <a:rPr lang="en-US" err="1"/>
+              <a:t>Napotkane</a:t>
+            </a:r>
+            <a:r>
+              <a:rPr lang="en-US"/>
+              <a:t> </a:t>
+            </a:r>
+            <a:r>
+              <a:rPr lang="en-US" err="1"/>
+              <a:t>problemy</a:t>
+            </a:r>
+          </a:p>
+        </p:txBody>
+      </p:sp>
+      <p:sp>
+        <p:nvSpPr>
+          <p:cNvPr id="3" name="Content Placeholder 2">
+            <a:extLst>
+              <a:ext uri="{FF2B5EF4-FFF2-40B4-BE49-F238E27FC236}">
+                <a16:creationId xmlns:a16="http://schemas.microsoft.com/office/drawing/2014/main" id="{7E4947CF-C8D7-434C-8030-67971600F5D3}"/>
+              </a:ext>
+            </a:extLst>
+          </p:cNvPr>
+          <p:cNvSpPr>
+            <a:spLocks noGrp="1"/>
+          </p:cNvSpPr>
+          <p:nvPr>
+            <p:ph idx="1"/>
+          </p:nvPr>
+        </p:nvSpPr>
+        <p:spPr/>
+        <p:txBody>
+          <a:bodyPr lIns="91440" tIns="45720" rIns="91440" bIns="45720" anchor="t"/>
+          <a:lstStyle/>
+          <a:p>
+            <a:pPr marL="0" indent="0">
+              <a:buNone/>
+            </a:pPr>
+            <a:r>
+              <a:rPr lang="en-US" sz="2400" err="1"/>
               <a:t>Sprawdzanie</a:t>
             </a:r>
             <a:r>
-              <a:rPr lang="en-US" sz="2400" dirty="0"/>
+              <a:rPr lang="en-US" sz="2400"/>
               <a:t> </a:t>
             </a:r>
             <a:r>
-              <a:rPr lang="en-US" sz="2400" dirty="0" err="1"/>
+              <a:rPr lang="en-US" sz="2400" err="1"/>
               <a:t>przy</a:t>
             </a:r>
             <a:r>
-              <a:rPr lang="en-US" sz="2400" dirty="0"/>
+              <a:rPr lang="en-US" sz="2400"/>
               <a:t> </a:t>
             </a:r>
             <a:r>
-              <a:rPr lang="en-US" sz="2400" dirty="0" err="1"/>
+              <a:rPr lang="en-US" sz="2400" err="1"/>
               <a:t>tworzeniu</a:t>
             </a:r>
             <a:r>
-              <a:rPr lang="en-US" sz="2400" dirty="0"/>
+              <a:rPr lang="en-US" sz="2400"/>
               <a:t> </a:t>
             </a:r>
             <a:r>
-              <a:rPr lang="en-US" sz="2400" dirty="0" err="1"/>
+              <a:rPr lang="en-US" sz="2400" err="1"/>
               <a:t>quizów</a:t>
             </a:r>
             <a:r>
-              <a:rPr lang="en-US" sz="2400" dirty="0"/>
+              <a:rPr lang="en-US" sz="2400"/>
               <a:t>, </a:t>
             </a:r>
             <a:r>
-              <a:rPr lang="en-US" sz="2400" dirty="0" err="1"/>
+              <a:rPr lang="en-US" sz="2400" err="1"/>
               <a:t>czy</a:t>
             </a:r>
             <a:r>
-              <a:rPr lang="en-US" sz="2400" dirty="0"/>
+              <a:rPr lang="en-US" sz="2400"/>
               <a:t>: </a:t>
             </a:r>
-            <a:endParaRPr lang="pl-PL" sz="2400" dirty="0"/>
-          </a:p>
-          <a:p>
-            <a:r>
-              <a:rPr lang="en-US" sz="2400" dirty="0" err="1"/>
+            <a:endParaRPr lang="pl-PL" sz="2400"/>
+          </a:p>
+          <a:p>
+            <a:r>
+              <a:rPr lang="en-US" sz="2400" err="1"/>
               <a:t>wszystkie</a:t>
             </a:r>
             <a:r>
-              <a:rPr lang="en-US" sz="2400" dirty="0"/>
+              <a:rPr lang="en-US" sz="2400"/>
               <a:t> </a:t>
             </a:r>
             <a:r>
-              <a:rPr lang="en-US" sz="2400" dirty="0" err="1"/>
+              <a:rPr lang="en-US" sz="2400" err="1"/>
               <a:t>pola</a:t>
             </a:r>
             <a:r>
-              <a:rPr lang="en-US" sz="2400" dirty="0"/>
+              <a:rPr lang="en-US" sz="2400"/>
               <a:t> </a:t>
             </a:r>
             <a:r>
-              <a:rPr lang="en-US" sz="2400" dirty="0" err="1"/>
+              <a:rPr lang="en-US" sz="2400" err="1"/>
               <a:t>są</a:t>
             </a:r>
             <a:r>
-              <a:rPr lang="en-US" sz="2400" dirty="0"/>
+              <a:rPr lang="en-US" sz="2400"/>
               <a:t> </a:t>
             </a:r>
             <a:r>
-              <a:rPr lang="en-US" sz="2400" dirty="0" err="1"/>
+              <a:rPr lang="en-US" sz="2400" err="1"/>
               <a:t>wypełnione</a:t>
             </a:r>
             <a:r>
-              <a:rPr lang="en-US" sz="2400" dirty="0"/>
+              <a:rPr lang="en-US" sz="2400"/>
               <a:t>, </a:t>
             </a:r>
           </a:p>
           <a:p>
             <a:r>
-              <a:rPr lang="en-US" sz="2400" dirty="0" err="1"/>
+              <a:rPr lang="en-US" sz="2400" err="1"/>
               <a:t>czas</a:t>
             </a:r>
             <a:r>
-              <a:rPr lang="en-US" sz="2400" dirty="0"/>
+              <a:rPr lang="en-US" sz="2400"/>
               <a:t> jest w </a:t>
             </a:r>
             <a:r>
-              <a:rPr lang="en-US" sz="2400" dirty="0" err="1"/>
+              <a:rPr lang="en-US" sz="2400" err="1"/>
               <a:t>poprawny</a:t>
             </a:r>
             <a:r>
-              <a:rPr lang="en-US" sz="2400" dirty="0"/>
+              <a:rPr lang="en-US" sz="2400"/>
               <a:t> </a:t>
             </a:r>
             <a:r>
-              <a:rPr lang="en-US" sz="2400" dirty="0" err="1"/>
+              <a:rPr lang="en-US" sz="2400" err="1"/>
               <a:t>sposób</a:t>
             </a:r>
             <a:r>
-              <a:rPr lang="en-US" sz="2400" dirty="0"/>
+              <a:rPr lang="en-US" sz="2400"/>
               <a:t> </a:t>
             </a:r>
             <a:r>
-              <a:rPr lang="en-US" sz="2400" dirty="0" err="1"/>
+              <a:rPr lang="en-US" sz="2400" err="1"/>
               <a:t>ustawiony</a:t>
             </a:r>
             <a:r>
-              <a:rPr lang="en-US" sz="2400" dirty="0"/>
+              <a:rPr lang="en-US" sz="2400"/>
               <a:t>, </a:t>
             </a:r>
           </a:p>
           <a:p>
             <a:r>
-              <a:rPr lang="en-US" sz="2400" dirty="0"/>
+              <a:rPr lang="en-US" sz="2400"/>
               <a:t>do </a:t>
             </a:r>
             <a:r>
-              <a:rPr lang="en-US" sz="2400" dirty="0" err="1"/>
+              <a:rPr lang="en-US" sz="2400" err="1"/>
               <a:t>wszystkich</a:t>
             </a:r>
             <a:r>
-              <a:rPr lang="en-US" sz="2400" dirty="0"/>
+              <a:rPr lang="en-US" sz="2400"/>
               <a:t> </a:t>
             </a:r>
             <a:r>
-              <a:rPr lang="en-US" sz="2400" dirty="0" err="1"/>
+              <a:rPr lang="en-US" sz="2400" err="1"/>
               <a:t>pytań</a:t>
             </a:r>
             <a:r>
-              <a:rPr lang="en-US" sz="2400" dirty="0"/>
+              <a:rPr lang="en-US" sz="2400"/>
               <a:t> </a:t>
             </a:r>
             <a:r>
-              <a:rPr lang="en-US" sz="2400" dirty="0" err="1"/>
+              <a:rPr lang="en-US" sz="2400" err="1"/>
               <a:t>zaznaczona</a:t>
             </a:r>
             <a:r>
-              <a:rPr lang="en-US" sz="2400" dirty="0"/>
+              <a:rPr lang="en-US" sz="2400"/>
               <a:t> jest </a:t>
             </a:r>
             <a:r>
-              <a:rPr lang="en-US" sz="2400" dirty="0" err="1"/>
+              <a:rPr lang="en-US" sz="2400" err="1"/>
               <a:t>poprawna</a:t>
             </a:r>
             <a:r>
-              <a:rPr lang="en-US" sz="2400" dirty="0"/>
+              <a:rPr lang="en-US" sz="2400"/>
               <a:t> </a:t>
             </a:r>
             <a:r>
-              <a:rPr lang="en-US" sz="2400" dirty="0" err="1"/>
+              <a:rPr lang="en-US" sz="2400" err="1"/>
               <a:t>odpowiedź</a:t>
             </a:r>
             <a:r>
-              <a:rPr lang="en-US" sz="2400" dirty="0"/>
+              <a:rPr lang="en-US" sz="2400"/>
               <a:t>, </a:t>
             </a:r>
           </a:p>
           <a:p>
             <a:r>
-              <a:rPr lang="en-US" sz="2400" dirty="0">
+              <a:rPr lang="en-US" sz="2400">
                 <a:ea typeface="+mn-lt"/>
                 <a:cs typeface="+mn-lt"/>
               </a:rPr>
               <a:t>quiz ma </a:t>
             </a:r>
             <a:r>
-              <a:rPr lang="en-US" sz="2400" dirty="0" err="1">
+              <a:rPr lang="en-US" sz="2400" err="1">
                 <a:ea typeface="+mn-lt"/>
                 <a:cs typeface="+mn-lt"/>
               </a:rPr>
               <a:t>wpisaną</a:t>
             </a:r>
             <a:r>
-              <a:rPr lang="en-US" sz="2400" dirty="0">
+              <a:rPr lang="en-US" sz="2400">
                 <a:ea typeface="+mn-lt"/>
                 <a:cs typeface="+mn-lt"/>
               </a:rPr>
               <a:t> </a:t>
             </a:r>
             <a:r>
-              <a:rPr lang="en-US" sz="2400" dirty="0" err="1">
+              <a:rPr lang="en-US" sz="2400" err="1">
                 <a:ea typeface="+mn-lt"/>
                 <a:cs typeface="+mn-lt"/>
               </a:rPr>
               <a:t>nazwę</a:t>
             </a:r>
             <a:r>
-              <a:rPr lang="en-US" sz="2400" dirty="0">
+              <a:rPr lang="en-US" sz="2400">
                 <a:ea typeface="+mn-lt"/>
                 <a:cs typeface="+mn-lt"/>
               </a:rPr>
               <a:t> </a:t>
             </a:r>
             <a:r>
-              <a:rPr lang="en-US" sz="2400" dirty="0" err="1">
+              <a:rPr lang="en-US" sz="2400" err="1">
                 <a:ea typeface="+mn-lt"/>
                 <a:cs typeface="+mn-lt"/>
               </a:rPr>
               <a:t>oraz</a:t>
             </a:r>
             <a:r>
-              <a:rPr lang="en-US" sz="2400" dirty="0">
+              <a:rPr lang="en-US" sz="2400">
                 <a:ea typeface="+mn-lt"/>
                 <a:cs typeface="+mn-lt"/>
               </a:rPr>
               <a:t> </a:t>
             </a:r>
             <a:r>
-              <a:rPr lang="en-US" sz="2400" dirty="0" err="1">
+              <a:rPr lang="en-US" sz="2400" err="1">
                 <a:ea typeface="+mn-lt"/>
                 <a:cs typeface="+mn-lt"/>
               </a:rPr>
               <a:t>wybrana</a:t>
             </a:r>
             <a:r>
-              <a:rPr lang="en-US" sz="2400" dirty="0">
+              <a:rPr lang="en-US" sz="2400">
                 <a:ea typeface="+mn-lt"/>
                 <a:cs typeface="+mn-lt"/>
               </a:rPr>
               <a:t> </a:t>
             </a:r>
             <a:r>
-              <a:rPr lang="en-US" sz="2400" dirty="0" err="1">
+              <a:rPr lang="en-US" sz="2400" err="1">
                 <a:ea typeface="+mn-lt"/>
                 <a:cs typeface="+mn-lt"/>
               </a:rPr>
               <a:t>kategorię</a:t>
             </a:r>
             <a:r>
-              <a:rPr lang="en-US" sz="2400" dirty="0">
+              <a:rPr lang="en-US" sz="2400">
                 <a:ea typeface="+mn-lt"/>
                 <a:cs typeface="+mn-lt"/>
               </a:rPr>
               <a:t>,</a:t>
             </a:r>
-            <a:endParaRPr lang="en-US" sz="2400" dirty="0"/>
-          </a:p>
-          <a:p>
-            <a:r>
-              <a:rPr lang="en-US" sz="2400" dirty="0" err="1"/>
+            <a:endParaRPr lang="en-US" sz="2400"/>
+          </a:p>
+          <a:p>
+            <a:r>
+              <a:rPr lang="en-US" sz="2400" err="1"/>
               <a:t>nie</a:t>
             </a:r>
             <a:r>
-              <a:rPr lang="en-US" sz="2400" dirty="0"/>
+              <a:rPr lang="en-US" sz="2400"/>
               <a:t> ma </a:t>
             </a:r>
             <a:r>
-              <a:rPr lang="en-US" sz="2400" dirty="0" err="1"/>
+              <a:rPr lang="en-US" sz="2400" err="1"/>
               <a:t>już</a:t>
             </a:r>
             <a:r>
-              <a:rPr lang="en-US" sz="2400" dirty="0"/>
+              <a:rPr lang="en-US" sz="2400"/>
               <a:t> </a:t>
             </a:r>
             <a:r>
-              <a:rPr lang="en-US" sz="2400" dirty="0" err="1"/>
+              <a:rPr lang="en-US" sz="2400" err="1"/>
               <a:t>quizu</a:t>
             </a:r>
             <a:r>
-              <a:rPr lang="en-US" sz="2400" dirty="0"/>
+              <a:rPr lang="en-US" sz="2400"/>
               <a:t> o </a:t>
             </a:r>
             <a:r>
-              <a:rPr lang="en-US" sz="2400" dirty="0" err="1"/>
+              <a:rPr lang="en-US" sz="2400" err="1"/>
               <a:t>takiej</a:t>
             </a:r>
             <a:r>
-              <a:rPr lang="en-US" sz="2400" dirty="0"/>
+              <a:rPr lang="en-US" sz="2400"/>
               <a:t> </a:t>
             </a:r>
             <a:r>
-              <a:rPr lang="en-US" sz="2400" dirty="0" err="1"/>
+              <a:rPr lang="en-US" sz="2400" err="1"/>
               <a:t>samej</a:t>
             </a:r>
             <a:r>
-              <a:rPr lang="en-US" sz="2400" dirty="0"/>
+              <a:rPr lang="en-US" sz="2400"/>
               <a:t> </a:t>
             </a:r>
             <a:r>
-              <a:rPr lang="en-US" sz="2400" dirty="0" err="1"/>
+              <a:rPr lang="en-US" sz="2400" err="1"/>
               <a:t>nazwie</a:t>
             </a:r>
             <a:r>
-              <a:rPr lang="en-US" sz="2400" dirty="0"/>
+              <a:rPr lang="en-US" sz="2400"/>
               <a:t> w </a:t>
             </a:r>
             <a:r>
-              <a:rPr lang="en-US" sz="2400" dirty="0" err="1"/>
+              <a:rPr lang="en-US" sz="2400" err="1"/>
               <a:t>danej</a:t>
             </a:r>
             <a:r>
-              <a:rPr lang="en-US" sz="2400" dirty="0"/>
+              <a:rPr lang="en-US" sz="2400"/>
               <a:t> </a:t>
             </a:r>
             <a:r>
-              <a:rPr lang="en-US" sz="2400" dirty="0" err="1"/>
+              <a:rPr lang="en-US" sz="2400" err="1"/>
               <a:t>kategorii</a:t>
             </a:r>
             <a:r>
-              <a:rPr lang="en-US" sz="2400" dirty="0"/>
+              <a:rPr lang="en-US" sz="2400"/>
               <a:t>, </a:t>
             </a:r>
             <a:r>
-              <a:rPr lang="en-US" sz="2400" dirty="0" err="1"/>
+              <a:rPr lang="en-US" sz="2400" err="1"/>
               <a:t>którą</a:t>
             </a:r>
             <a:r>
-              <a:rPr lang="en-US" sz="2400" dirty="0"/>
+              <a:rPr lang="en-US" sz="2400"/>
               <a:t> </a:t>
             </a:r>
             <a:r>
-              <a:rPr lang="en-US" sz="2400" dirty="0" err="1"/>
+              <a:rPr lang="en-US" sz="2400" err="1"/>
               <a:t>wybraliśmy</a:t>
             </a:r>
             <a:r>
-              <a:rPr lang="en-US" sz="2400" dirty="0"/>
+              <a:rPr lang="en-US" sz="2400"/>
               <a:t>, </a:t>
             </a:r>
-            <a:endParaRPr lang="en-US" dirty="0"/>
-          </a:p>
-          <a:p>
-            <a:r>
-              <a:rPr lang="en-US" sz="2400" dirty="0"/>
+            <a:endParaRPr lang="en-US"/>
+          </a:p>
+          <a:p>
+            <a:r>
+              <a:rPr lang="en-US" sz="2400"/>
               <a:t>w </a:t>
             </a:r>
             <a:r>
-              <a:rPr lang="en-US" sz="2400" dirty="0" err="1"/>
+              <a:rPr lang="en-US" sz="2400" err="1"/>
               <a:t>kategorii</a:t>
             </a:r>
             <a:r>
-              <a:rPr lang="en-US" sz="2400" dirty="0"/>
+              <a:rPr lang="en-US" sz="2400"/>
               <a:t> jest </a:t>
             </a:r>
             <a:r>
-              <a:rPr lang="en-US" sz="2400" dirty="0" err="1"/>
+              <a:rPr lang="en-US" sz="2400" err="1"/>
               <a:t>mniej</a:t>
             </a:r>
             <a:r>
-              <a:rPr lang="en-US" sz="2400" dirty="0"/>
+              <a:rPr lang="en-US" sz="2400"/>
               <a:t> </a:t>
             </a:r>
             <a:r>
-              <a:rPr lang="en-US" sz="2400" dirty="0" err="1"/>
+              <a:rPr lang="en-US" sz="2400" err="1"/>
               <a:t>niż</a:t>
             </a:r>
             <a:r>
-              <a:rPr lang="en-US" sz="2400" dirty="0"/>
+              <a:rPr lang="en-US" sz="2400"/>
               <a:t> 5 </a:t>
             </a:r>
             <a:r>
-              <a:rPr lang="en-US" sz="2400" dirty="0" err="1"/>
+              <a:rPr lang="en-US" sz="2400" err="1"/>
               <a:t>quizów</a:t>
             </a:r>
             <a:r>
-              <a:rPr lang="en-US" sz="2400" dirty="0"/>
+              <a:rPr lang="en-US" sz="2400"/>
               <a:t> (</a:t>
             </a:r>
             <a:r>
-              <a:rPr lang="en-US" sz="2400" dirty="0" err="1"/>
+              <a:rPr lang="en-US" sz="2400" err="1"/>
               <a:t>nie</a:t>
             </a:r>
             <a:r>
-              <a:rPr lang="en-US" sz="2400" dirty="0"/>
+              <a:rPr lang="en-US" sz="2400"/>
               <a:t> </a:t>
             </a:r>
             <a:r>
-              <a:rPr lang="en-US" sz="2400" dirty="0" err="1"/>
+              <a:rPr lang="en-US" sz="2400" err="1"/>
               <a:t>przekracza</a:t>
             </a:r>
             <a:r>
-              <a:rPr lang="en-US" sz="2400" dirty="0"/>
+              <a:rPr lang="en-US" sz="2400"/>
               <a:t> </a:t>
             </a:r>
             <a:r>
-              <a:rPr lang="en-US" sz="2400" dirty="0" err="1"/>
+              <a:rPr lang="en-US" sz="2400" err="1"/>
               <a:t>maksymalnej</a:t>
             </a:r>
             <a:r>
-              <a:rPr lang="en-US" sz="2400" dirty="0"/>
+              <a:rPr lang="en-US" sz="2400"/>
               <a:t> </a:t>
             </a:r>
             <a:r>
-              <a:rPr lang="en-US" sz="2400" dirty="0" err="1"/>
+              <a:rPr lang="en-US" sz="2400" err="1"/>
               <a:t>ilości</a:t>
             </a:r>
             <a:r>
-              <a:rPr lang="en-US" sz="2400" dirty="0"/>
+              <a:rPr lang="en-US" sz="2400"/>
               <a:t> </a:t>
             </a:r>
             <a:r>
-              <a:rPr lang="en-US" sz="2400" dirty="0" err="1"/>
+              <a:rPr lang="en-US" sz="2400" err="1"/>
               <a:t>quizów</a:t>
             </a:r>
             <a:r>
-              <a:rPr lang="en-US" sz="2400" dirty="0"/>
+              <a:rPr lang="en-US" sz="2400"/>
               <a:t> w </a:t>
             </a:r>
             <a:r>
-              <a:rPr lang="en-US" sz="2400" dirty="0" err="1"/>
+              <a:rPr lang="en-US" sz="2400" err="1"/>
               <a:t>kategorii</a:t>
             </a:r>
             <a:r>
-              <a:rPr lang="en-US" sz="2400" dirty="0"/>
+              <a:rPr lang="en-US" sz="2400"/>
               <a:t>)</a:t>
             </a:r>
           </a:p>
@@ -6451,7 +7469,7 @@
 </p:sld>
 </file>
 
-<file path=ppt/slides/slide12.xml><?xml version="1.0" encoding="utf-8"?>
+<file path=ppt/slides/slide13.xml><?xml version="1.0" encoding="utf-8"?>
 <p:sld xmlns:a="http://schemas.openxmlformats.org/drawingml/2006/main" xmlns:r="http://schemas.openxmlformats.org/officeDocument/2006/relationships" xmlns:p="http://schemas.openxmlformats.org/presentationml/2006/main">
   <p:cSld>
     <p:spTree>
@@ -7140,7 +8158,7 @@
 </p:sld>
 </file>
 
-<file path=ppt/slides/slide13.xml><?xml version="1.0" encoding="utf-8"?>
+<file path=ppt/slides/slide14.xml><?xml version="1.0" encoding="utf-8"?>
 <p:sld xmlns:a="http://schemas.openxmlformats.org/drawingml/2006/main" xmlns:r="http://schemas.openxmlformats.org/officeDocument/2006/relationships" xmlns:p="http://schemas.openxmlformats.org/presentationml/2006/main">
   <p:cSld>
     <p:spTree>
@@ -7175,7 +8193,7 @@
         </p:nvSpPr>
         <p:spPr>
           <a:xfrm>
-            <a:off x="646373" y="825097"/>
+            <a:off x="928564" y="903451"/>
             <a:ext cx="9210675" cy="1460500"/>
           </a:xfrm>
         </p:spPr>
@@ -7185,7 +8203,7 @@
           <a:p>
             <a:r>
               <a:rPr lang="en-US"/>
-              <a:t>UML</a:t>
+              <a:t>Przechodzenie między oknami</a:t>
             </a:r>
           </a:p>
         </p:txBody>
@@ -8063,7 +9081,7 @@
 </p:sld>
 </file>
 
-<file path=ppt/slides/slide14.xml><?xml version="1.0" encoding="utf-8"?>
+<file path=ppt/slides/slide15.xml><?xml version="1.0" encoding="utf-8"?>
 <p:sld xmlns:a="http://schemas.openxmlformats.org/drawingml/2006/main" xmlns:r="http://schemas.openxmlformats.org/officeDocument/2006/relationships" xmlns:p="http://schemas.openxmlformats.org/presentationml/2006/main">
   <p:cSld>
     <p:spTree>
@@ -8144,15 +9162,7 @@
                 <a:ea typeface="+mn-lt"/>
                 <a:cs typeface="+mn-lt"/>
               </a:rPr>
-              <a:t>Swing to zestaw narzędzi z </a:t>
-            </a:r>
-            <a:r>
-              <a:rPr lang="en-US" sz="2000" dirty="0">
-                <a:latin typeface="Arial"/>
-                <a:ea typeface="+mn-lt"/>
-                <a:cs typeface="+mn-lt"/>
-              </a:rPr>
-              <a:t>widgetami GUI dla języka Java . Stanowi część Oracle 's Java Foundation Classes (JFC) - API zapewniającego graficzny interfejs użytkownika (GUI) dla programów Java.</a:t>
+              <a:t>Swing to zestaw narzędzi z widgetami GUI dla języka Java . Stanowi część Oracle 's Java Foundation Classes (JFC) - API zapewniającego graficzny interfejs użytkownika (GUI) dla programów Java.</a:t>
             </a:r>
             <a:endParaRPr lang="pl-PL" sz="2000">
               <a:latin typeface="Arial"/>
@@ -8165,30 +9175,14 @@
               <a:buNone/>
             </a:pPr>
             <a:r>
-              <a:rPr lang="en-US" sz="2000" dirty="0">
-                <a:latin typeface="Arial"/>
-                <a:ea typeface="+mn-lt"/>
-                <a:cs typeface="+mn-lt"/>
-              </a:rPr>
-              <a:t>Swing został opracowany, aby zapewnić bardziej wyrafinowany zestaw komponentów GUI niż wcześniejszy AWT. Swing zapewnia wygląd i styl, który emuluje wygląd kilku platform, a także obsługuje podłączany wygląd i sposób działania, który pozwala aplikacjom wyglądać i działać w </a:t>
-            </a:r>
-            <a:r>
               <a:rPr lang="en-US" sz="2000">
                 <a:latin typeface="Arial"/>
                 <a:ea typeface="+mn-lt"/>
                 <a:cs typeface="+mn-lt"/>
               </a:rPr>
-              <a:t>sposób niezwiązany z platformą bazową. Oprócz znanych komponentów, </a:t>
-            </a:r>
-            <a:r>
-              <a:rPr lang="en-US" sz="2000" dirty="0">
-                <a:latin typeface="Arial"/>
-                <a:ea typeface="+mn-lt"/>
-                <a:cs typeface="+mn-lt"/>
-              </a:rPr>
-              <a:t>takich jak przyciski, pola wyboru i etykiety, Swing udostępnia kilka zaawansowanych komponentów, takich jak panel z zakładkami, okienka przewijania, drzewa, tabele i listy.</a:t>
-            </a:r>
-            <a:endParaRPr lang="en-US" sz="2000" dirty="0">
+              <a:t>Swing został opracowany, aby zapewnić bardziej wyrafinowany zestaw komponentów GUI niż wcześniejszy AWT. Swing zapewnia wygląd i styl, który emuluje wygląd kilku platform, a także obsługuje podłączany wygląd i sposób działania, który pozwala aplikacjom wyglądać i działać w sposób niezwiązany z platformą bazową. Oprócz znanych komponentów, takich jak przyciski, pola wyboru i etykiety, Swing udostępnia kilka zaawansowanych komponentów, takich jak panel z zakładkami, okienka przewijania, drzewa, tabele i listy.</a:t>
+            </a:r>
+            <a:endParaRPr lang="en-US" sz="2000">
               <a:latin typeface="Arial"/>
             </a:endParaRPr>
           </a:p>
@@ -8196,7 +9190,7 @@
             <a:pPr marL="0" indent="0">
               <a:buNone/>
             </a:pPr>
-            <a:endParaRPr lang="en-US" sz="2000" dirty="0">
+            <a:endParaRPr lang="en-US" sz="2000">
               <a:latin typeface="Arial"/>
             </a:endParaRPr>
           </a:p>
@@ -8769,7 +9763,7 @@
 </p:sld>
 </file>
 
-<file path=ppt/slides/slide15.xml><?xml version="1.0" encoding="utf-8"?>
+<file path=ppt/slides/slide16.xml><?xml version="1.0" encoding="utf-8"?>
 <p:sld xmlns:a="http://schemas.openxmlformats.org/drawingml/2006/main" xmlns:r="http://schemas.openxmlformats.org/officeDocument/2006/relationships" xmlns:p="http://schemas.openxmlformats.org/presentationml/2006/main">
   <p:cSld>
     <p:spTree>
@@ -8804,7 +9798,7 @@
         </p:nvSpPr>
         <p:spPr>
           <a:xfrm>
-            <a:off x="646373" y="825097"/>
+            <a:off x="740437" y="793755"/>
             <a:ext cx="9210675" cy="1460500"/>
           </a:xfrm>
         </p:spPr>
@@ -8813,9 +9807,10 @@
           <a:lstStyle/>
           <a:p>
             <a:r>
-              <a:rPr lang="en-US" err="1"/>
-              <a:t>Bibliografia</a:t>
-            </a:r>
+              <a:rPr lang="en-US"/>
+              <a:t>Java–poprawne nazewnictwo</a:t>
+            </a:r>
+            <a:endParaRPr lang="pl-PL"/>
           </a:p>
         </p:txBody>
       </p:sp>
@@ -8840,166 +9835,138 @@
           <a:bodyPr lIns="91440" tIns="45720" rIns="91440" bIns="45720" anchor="t"/>
           <a:lstStyle/>
           <a:p>
+            <a:pPr>
+              <a:buFont typeface="Arial"/>
+              <a:buChar char="»"/>
+            </a:pPr>
+            <a:r>
+              <a:rPr lang="en-US" sz="2000">
+                <a:ea typeface="+mn-lt"/>
+                <a:cs typeface="+mn-lt"/>
+              </a:rPr>
+              <a:t>Nazwy klas rozpoczynamy dużą literą.</a:t>
+            </a:r>
+            <a:endParaRPr lang="pl-PL">
+              <a:ea typeface="+mn-lt"/>
+              <a:cs typeface="+mn-lt"/>
+            </a:endParaRPr>
+          </a:p>
+          <a:p>
+            <a:pPr>
+              <a:buFont typeface="Arial"/>
+              <a:buChar char="»"/>
+            </a:pPr>
+            <a:r>
+              <a:rPr lang="en-US" sz="2000">
+                <a:ea typeface="+mn-lt"/>
+                <a:cs typeface="+mn-lt"/>
+              </a:rPr>
+              <a:t>Nazwy metod rozpoczynamy małą litery.</a:t>
+            </a:r>
+            <a:endParaRPr lang="pl-PL">
+              <a:ea typeface="+mn-lt"/>
+              <a:cs typeface="+mn-lt"/>
+            </a:endParaRPr>
+          </a:p>
+          <a:p>
+            <a:pPr>
+              <a:buFont typeface="Arial"/>
+              <a:buChar char="»"/>
+            </a:pPr>
+            <a:r>
+              <a:rPr lang="en-US" sz="2000">
+                <a:ea typeface="+mn-lt"/>
+                <a:cs typeface="+mn-lt"/>
+              </a:rPr>
+              <a:t>Nazwy zmiennych rozpoczynamy małą litery.</a:t>
+            </a:r>
+            <a:endParaRPr lang="en-US">
+              <a:ea typeface="+mn-lt"/>
+              <a:cs typeface="+mn-lt"/>
+            </a:endParaRPr>
+          </a:p>
+          <a:p>
+            <a:pPr>
+              <a:buFont typeface="Arial"/>
+              <a:buChar char="»"/>
+            </a:pPr>
+            <a:r>
+              <a:rPr lang="en-US" sz="2000">
+                <a:ea typeface="+mn-lt"/>
+                <a:cs typeface="+mn-lt"/>
+              </a:rPr>
+              <a:t>Jeśli nazwa składa się z kilku wyrazów, to kolejne człony rozpoczynamy dużą literą.</a:t>
+            </a:r>
+            <a:endParaRPr lang="en-US"/>
+          </a:p>
+          <a:p>
+            <a:pPr>
+              <a:buFont typeface="Arial"/>
+              <a:buChar char="»"/>
+            </a:pPr>
+            <a:r>
+              <a:rPr lang="en-US" sz="2000">
+                <a:ea typeface="+mn-lt"/>
+                <a:cs typeface="+mn-lt"/>
+              </a:rPr>
+              <a:t>Nazwy stałych piszemy dużymi literami, a kolejne człony oddzielamy znakiem podkreślenia.</a:t>
+            </a:r>
+            <a:endParaRPr lang="en-US"/>
+          </a:p>
+          <a:p>
+            <a:pPr>
+              <a:buFont typeface="Arial"/>
+              <a:buChar char="»"/>
+            </a:pPr>
+            <a:r>
+              <a:rPr lang="en-US" sz="2000">
+                <a:ea typeface="+mn-lt"/>
+                <a:cs typeface="+mn-lt"/>
+              </a:rPr>
+              <a:t>Co nie jest konieczne, w Javie zwykło się stawiać klamrę otwierającą klasę, metodę, lub pętlę w tej samej linii co wspomniane elementy.</a:t>
+            </a:r>
+            <a:endParaRPr lang="en-US">
+              <a:ea typeface="+mn-lt"/>
+              <a:cs typeface="+mn-lt"/>
+            </a:endParaRPr>
+          </a:p>
+          <a:p>
             <a:pPr marL="0" indent="0">
               <a:buNone/>
             </a:pPr>
-            <a:r>
-              <a:rPr lang="en-US" sz="2000" err="1"/>
-              <a:t>Czasomierz</a:t>
-            </a:r>
-            <a:r>
-              <a:rPr lang="en-US" sz="2000"/>
-              <a:t>:</a:t>
-            </a:r>
-          </a:p>
-          <a:p>
-            <a:pPr marL="342900" indent="-342900">
-              <a:buFont typeface="Arial"/>
-              <a:buChar char="»"/>
-            </a:pPr>
-            <a:r>
-              <a:rPr lang="en-US" sz="2000">
-                <a:ea typeface="+mn-lt"/>
-                <a:cs typeface="+mn-lt"/>
-              </a:rPr>
-              <a:t>https://stackoverflow.com/questions/29081567/how-can-i-get-this-code-for-a-gui-countdown-timer-to-work-properly</a:t>
-            </a:r>
-            <a:endParaRPr lang="en-US" sz="2000"/>
+            <a:endParaRPr lang="en-US" sz="2000">
+              <a:ea typeface="+mn-lt"/>
+              <a:cs typeface="+mn-lt"/>
+            </a:endParaRPr>
           </a:p>
           <a:p>
             <a:pPr marL="0" indent="0">
               <a:buNone/>
             </a:pPr>
-            <a:endParaRPr lang="en-US" sz="2000"/>
+            <a:r>
+              <a:rPr lang="en-US" sz="2000">
+                <a:ea typeface="+mn-lt"/>
+                <a:cs typeface="+mn-lt"/>
+              </a:rPr>
+              <a:t>UWAGA: W Javie rozmiar liter ma znaczenie!</a:t>
+            </a:r>
+            <a:endParaRPr lang="en-US"/>
+          </a:p>
+          <a:p>
+            <a:pPr>
+              <a:buNone/>
+            </a:pPr>
+            <a:endParaRPr lang="en-US" sz="2000">
+              <a:latin typeface="Arial"/>
+            </a:endParaRPr>
           </a:p>
           <a:p>
             <a:pPr marL="0" indent="0">
               <a:buNone/>
             </a:pPr>
-            <a:r>
-              <a:rPr lang="en-US" sz="2000" err="1"/>
-              <a:t>Zapisywanie</a:t>
-            </a:r>
-            <a:r>
-              <a:rPr lang="en-US" sz="2000"/>
-              <a:t> </a:t>
-            </a:r>
-            <a:r>
-              <a:rPr lang="en-US" sz="2000" err="1"/>
-              <a:t>i</a:t>
-            </a:r>
-            <a:r>
-              <a:rPr lang="en-US" sz="2000"/>
-              <a:t> </a:t>
-            </a:r>
-            <a:r>
-              <a:rPr lang="en-US" sz="2000" err="1"/>
-              <a:t>odczytywanie</a:t>
-            </a:r>
-            <a:r>
-              <a:rPr lang="en-US" sz="2000"/>
-              <a:t> z </a:t>
-            </a:r>
-            <a:r>
-              <a:rPr lang="en-US" sz="2000" err="1"/>
-              <a:t>pliku</a:t>
-            </a:r>
-            <a:r>
-              <a:rPr lang="en-US" sz="2000"/>
-              <a:t>:</a:t>
-            </a:r>
-          </a:p>
-          <a:p>
-            <a:pPr marL="342900" indent="-342900">
-              <a:buFont typeface="Arial"/>
-              <a:buChar char="»"/>
-            </a:pPr>
-            <a:r>
-              <a:rPr lang="en-US" sz="2000">
-                <a:ea typeface="+mn-lt"/>
-                <a:cs typeface="+mn-lt"/>
-              </a:rPr>
-              <a:t>https://stackoverflow.com/questions/5343689/java-reading-a-file-into-an-arraylist</a:t>
-            </a:r>
-            <a:endParaRPr lang="en-US" sz="2000"/>
-          </a:p>
-          <a:p>
-            <a:pPr marL="342900" indent="-342900">
-              <a:buFont typeface="Arial"/>
-              <a:buChar char="»"/>
-            </a:pPr>
-            <a:r>
-              <a:rPr lang="en-US" sz="2000">
-                <a:ea typeface="+mn-lt"/>
-                <a:cs typeface="+mn-lt"/>
-              </a:rPr>
-              <a:t>https://stackoverflow.com/questions/6548157/how-to-write-an-arraylist-of-strings-into-a-text-file</a:t>
-            </a:r>
-          </a:p>
-          <a:p>
-            <a:pPr marL="0" indent="0">
-              <a:buNone/>
-            </a:pPr>
-            <a:endParaRPr lang="en-US" sz="2000"/>
-          </a:p>
-          <a:p>
-            <a:pPr marL="0" indent="0">
-              <a:buNone/>
-            </a:pPr>
-            <a:r>
-              <a:rPr lang="en-US" sz="2000" err="1"/>
-              <a:t>Przykład</a:t>
-            </a:r>
-            <a:r>
-              <a:rPr lang="en-US" sz="2000"/>
-              <a:t> </a:t>
-            </a:r>
-            <a:r>
-              <a:rPr lang="en-US" sz="2000" err="1"/>
-              <a:t>jsona</a:t>
-            </a:r>
-            <a:r>
-              <a:rPr lang="en-US" sz="2000"/>
-              <a:t> </a:t>
-            </a:r>
-            <a:r>
-              <a:rPr lang="en-US" sz="2000" err="1"/>
-              <a:t>użyty</a:t>
-            </a:r>
-            <a:r>
-              <a:rPr lang="en-US" sz="2000"/>
-              <a:t> w </a:t>
-            </a:r>
-            <a:r>
-              <a:rPr lang="en-US" sz="2000" err="1"/>
-              <a:t>prezentacji</a:t>
-            </a:r>
-            <a:r>
-              <a:rPr lang="en-US" sz="2000"/>
-              <a:t> (</a:t>
-            </a:r>
-            <a:r>
-              <a:rPr lang="en-US" sz="2000" err="1"/>
-              <a:t>slajd</a:t>
-            </a:r>
-            <a:r>
-              <a:rPr lang="en-US" sz="2000"/>
-              <a:t> 8):</a:t>
-            </a:r>
-          </a:p>
-          <a:p>
-            <a:pPr marL="342900" indent="-342900">
-              <a:buFont typeface="Arial"/>
-              <a:buChar char="»"/>
-            </a:pPr>
-            <a:r>
-              <a:rPr lang="en-US" sz="2000">
-                <a:ea typeface="+mn-lt"/>
-                <a:cs typeface="+mn-lt"/>
-              </a:rPr>
-              <a:t>https://howtodoinjava.com/java/library/json-simple-read-write-json-examples/</a:t>
-            </a:r>
-            <a:endParaRPr lang="en-US" sz="2000"/>
+            <a:endParaRPr lang="en-US" sz="2000">
+              <a:latin typeface="Arial"/>
+            </a:endParaRPr>
           </a:p>
         </p:txBody>
       </p:sp>
@@ -9560,7 +10527,7 @@
     </p:spTree>
     <p:extLst>
       <p:ext uri="{BB962C8B-B14F-4D97-AF65-F5344CB8AC3E}">
-        <p14:creationId xmlns:p14="http://schemas.microsoft.com/office/powerpoint/2010/main" val="2627948942"/>
+        <p14:creationId xmlns:p14="http://schemas.microsoft.com/office/powerpoint/2010/main" val="4059187662"/>
       </p:ext>
     </p:extLst>
   </p:cSld>
@@ -9570,7 +10537,7 @@
 </p:sld>
 </file>
 
-<file path=ppt/slides/slide16.xml><?xml version="1.0" encoding="utf-8"?>
+<file path=ppt/slides/slide17.xml><?xml version="1.0" encoding="utf-8"?>
 <p:sld xmlns:a="http://schemas.openxmlformats.org/drawingml/2006/main" xmlns:r="http://schemas.openxmlformats.org/officeDocument/2006/relationships" xmlns:p="http://schemas.openxmlformats.org/presentationml/2006/main">
   <p:cSld>
     <p:spTree>
@@ -9605,7 +10572,7 @@
         </p:nvSpPr>
         <p:spPr>
           <a:xfrm>
-            <a:off x="646373" y="825097"/>
+            <a:off x="818824" y="2877971"/>
             <a:ext cx="9210675" cy="1460500"/>
           </a:xfrm>
         </p:spPr>
@@ -9614,120 +10581,10 @@
           <a:lstStyle/>
           <a:p>
             <a:r>
-              <a:rPr lang="en-US" err="1"/>
-              <a:t>Bibliografia</a:t>
-            </a:r>
-          </a:p>
-        </p:txBody>
-      </p:sp>
-      <p:sp>
-        <p:nvSpPr>
-          <p:cNvPr id="3" name="Content Placeholder 2">
-            <a:extLst>
-              <a:ext uri="{FF2B5EF4-FFF2-40B4-BE49-F238E27FC236}">
-                <a16:creationId xmlns:a16="http://schemas.microsoft.com/office/drawing/2014/main" id="{7E4947CF-C8D7-434C-8030-67971600F5D3}"/>
-              </a:ext>
-            </a:extLst>
-          </p:cNvPr>
-          <p:cNvSpPr>
-            <a:spLocks noGrp="1"/>
-          </p:cNvSpPr>
-          <p:nvPr>
-            <p:ph idx="1"/>
-          </p:nvPr>
-        </p:nvSpPr>
-        <p:spPr/>
-        <p:txBody>
-          <a:bodyPr lIns="91440" tIns="45720" rIns="91440" bIns="45720" anchor="t"/>
-          <a:lstStyle/>
-          <a:p>
-            <a:pPr marL="0" indent="0">
-              <a:buNone/>
-            </a:pPr>
-            <a:r>
-              <a:rPr lang="en-US" sz="2000" dirty="0" err="1"/>
-              <a:t>Banery</a:t>
-            </a:r>
-            <a:r>
-              <a:rPr lang="en-US" sz="2000" dirty="0"/>
-              <a:t>:</a:t>
-            </a:r>
-          </a:p>
-          <a:p>
-            <a:pPr marL="342900" indent="-342900">
-              <a:buFont typeface="Arial"/>
-              <a:buChar char="»"/>
-            </a:pPr>
-            <a:r>
-              <a:rPr lang="en-US" sz="2000" dirty="0" err="1">
-                <a:ea typeface="+mn-lt"/>
-                <a:cs typeface="+mn-lt"/>
-              </a:rPr>
-              <a:t>grafika</a:t>
-            </a:r>
-            <a:r>
-              <a:rPr lang="en-US" sz="2000" dirty="0">
-                <a:ea typeface="+mn-lt"/>
-                <a:cs typeface="+mn-lt"/>
-              </a:rPr>
-              <a:t> google</a:t>
-            </a:r>
-            <a:endParaRPr lang="en-US" sz="2000" dirty="0"/>
-          </a:p>
-          <a:p>
-            <a:pPr marL="0" indent="0">
-              <a:buNone/>
-            </a:pPr>
-            <a:endParaRPr lang="en-US" sz="2000"/>
-          </a:p>
-          <a:p>
-            <a:pPr marL="0" indent="0">
-              <a:buNone/>
-            </a:pPr>
-            <a:r>
-              <a:rPr lang="en-US" sz="2000" dirty="0" err="1"/>
-              <a:t>Szablon</a:t>
-            </a:r>
-            <a:r>
-              <a:rPr lang="en-US" sz="2000" dirty="0"/>
-              <a:t> </a:t>
-            </a:r>
-            <a:r>
-              <a:rPr lang="en-US" sz="2000" dirty="0" err="1"/>
-              <a:t>prezentacji</a:t>
-            </a:r>
-            <a:r>
-              <a:rPr lang="en-US" sz="2000" dirty="0"/>
-              <a:t>:</a:t>
-            </a:r>
-          </a:p>
-          <a:p>
-            <a:pPr marL="342900" indent="-342900">
-              <a:buFont typeface="Arial"/>
-              <a:buChar char="»"/>
-            </a:pPr>
-            <a:r>
-              <a:rPr lang="en-US" sz="2000" dirty="0">
-                <a:ea typeface="+mn-lt"/>
-                <a:cs typeface="+mn-lt"/>
-              </a:rPr>
-              <a:t>https://www.agh.edu.pl/uczelnia/system-identyfikacji-wizualnej/szablon-prezentacji/</a:t>
-            </a:r>
-          </a:p>
-          <a:p>
-            <a:pPr marL="0" indent="0">
-              <a:buNone/>
-            </a:pPr>
-            <a:endParaRPr lang="en-US" sz="2000">
-              <a:ea typeface="+mn-lt"/>
-              <a:cs typeface="+mn-lt"/>
-            </a:endParaRPr>
-          </a:p>
-          <a:p>
-            <a:pPr marL="0" indent="0">
-              <a:buNone/>
-            </a:pPr>
-            <a:endParaRPr lang="en-US" sz="2000" dirty="0"/>
+              <a:rPr lang="en-US"/>
+              <a:t>Coś dodatkowo od nas :)</a:t>
+            </a:r>
+            <a:endParaRPr lang="pl-PL"/>
           </a:p>
         </p:txBody>
       </p:sp>
@@ -10288,7 +11145,7 @@
     </p:spTree>
     <p:extLst>
       <p:ext uri="{BB962C8B-B14F-4D97-AF65-F5344CB8AC3E}">
-        <p14:creationId xmlns:p14="http://schemas.microsoft.com/office/powerpoint/2010/main" val="704392661"/>
+        <p14:creationId xmlns:p14="http://schemas.microsoft.com/office/powerpoint/2010/main" val="4075699624"/>
       </p:ext>
     </p:extLst>
   </p:cSld>
@@ -10298,7 +11155,7 @@
 </p:sld>
 </file>
 
-<file path=ppt/slides/slide17.xml><?xml version="1.0" encoding="utf-8"?>
+<file path=ppt/slides/slide18.xml><?xml version="1.0" encoding="utf-8"?>
 <p:sld xmlns:a="http://schemas.openxmlformats.org/drawingml/2006/main" xmlns:r="http://schemas.openxmlformats.org/officeDocument/2006/relationships" xmlns:p="http://schemas.openxmlformats.org/presentationml/2006/main">
   <p:cSld>
     <p:spTree>
@@ -10333,7 +11190,7 @@
         </p:nvSpPr>
         <p:spPr>
           <a:xfrm>
-            <a:off x="803146" y="2736935"/>
+            <a:off x="740437" y="793755"/>
             <a:ext cx="9210675" cy="1460500"/>
           </a:xfrm>
         </p:spPr>
@@ -10342,13 +11199,83 @@
           <a:lstStyle/>
           <a:p>
             <a:r>
-              <a:rPr lang="en-US" err="1"/>
-              <a:t>Dziękujemy</a:t>
-            </a:r>
-            <a:r>
               <a:rPr lang="en-US"/>
-              <a:t> za uwagę!</a:t>
-            </a:r>
+              <a:t>Apache Maven</a:t>
+            </a:r>
+            <a:endParaRPr lang="pl-PL"/>
+          </a:p>
+        </p:txBody>
+      </p:sp>
+      <p:sp>
+        <p:nvSpPr>
+          <p:cNvPr id="3" name="Content Placeholder 2">
+            <a:extLst>
+              <a:ext uri="{FF2B5EF4-FFF2-40B4-BE49-F238E27FC236}">
+                <a16:creationId xmlns:a16="http://schemas.microsoft.com/office/drawing/2014/main" id="{7E4947CF-C8D7-434C-8030-67971600F5D3}"/>
+              </a:ext>
+            </a:extLst>
+          </p:cNvPr>
+          <p:cNvSpPr>
+            <a:spLocks noGrp="1"/>
+          </p:cNvSpPr>
+          <p:nvPr>
+            <p:ph idx="1"/>
+          </p:nvPr>
+        </p:nvSpPr>
+        <p:spPr>
+          <a:xfrm>
+            <a:off x="735013" y="2904599"/>
+            <a:ext cx="9210675" cy="2176127"/>
+          </a:xfrm>
+        </p:spPr>
+        <p:txBody>
+          <a:bodyPr lIns="91440" tIns="45720" rIns="91440" bIns="45720" anchor="t"/>
+          <a:lstStyle/>
+          <a:p>
+            <a:pPr>
+              <a:buFont typeface="Arial"/>
+              <a:buChar char="»"/>
+            </a:pPr>
+            <a:r>
+              <a:rPr lang="en-US" sz="2000" b="1">
+                <a:ea typeface="+mn-lt"/>
+                <a:cs typeface="+mn-lt"/>
+              </a:rPr>
+              <a:t>Apache Maven</a:t>
+            </a:r>
+            <a:r>
+              <a:rPr lang="en-US" sz="2000">
+                <a:ea typeface="+mn-lt"/>
+                <a:cs typeface="+mn-lt"/>
+              </a:rPr>
+              <a:t> to narzędzie automatyzujące budowę oprogramowania na platformę Java. Poszczególne funkcje Mavena realizowane są poprzez wtyczki, które są automatycznie pobierane przy ich pierwszym wykorzystaniu. Plik określający sposób budowy aplikacji nosi nazwę POM-u.</a:t>
+            </a:r>
+            <a:endParaRPr lang="en-US" sz="2000"/>
+          </a:p>
+          <a:p>
+            <a:pPr>
+              <a:buFont typeface="Arial"/>
+              <a:buChar char="»"/>
+            </a:pPr>
+            <a:endParaRPr lang="en-US" sz="2000">
+              <a:latin typeface="Arial"/>
+            </a:endParaRPr>
+          </a:p>
+          <a:p>
+            <a:pPr>
+              <a:buNone/>
+            </a:pPr>
+            <a:endParaRPr lang="en-US" sz="2000">
+              <a:latin typeface="Arial"/>
+            </a:endParaRPr>
+          </a:p>
+          <a:p>
+            <a:pPr marL="0" indent="0">
+              <a:buNone/>
+            </a:pPr>
+            <a:endParaRPr lang="en-US" sz="2000">
+              <a:latin typeface="Arial"/>
+            </a:endParaRPr>
           </a:p>
         </p:txBody>
       </p:sp>
@@ -10906,10 +11833,781 @@
           </a:p>
         </p:txBody>
       </p:sp>
+      <p:pic>
+        <p:nvPicPr>
+          <p:cNvPr id="8" name="Obraz 9">
+            <a:extLst>
+              <a:ext uri="{FF2B5EF4-FFF2-40B4-BE49-F238E27FC236}">
+                <a16:creationId xmlns:a16="http://schemas.microsoft.com/office/drawing/2014/main" id="{71BB5B29-5D65-4C49-9FB3-DCC8E4B7BEAB}"/>
+              </a:ext>
+            </a:extLst>
+          </p:cNvPr>
+          <p:cNvPicPr>
+            <a:picLocks noChangeAspect="1"/>
+          </p:cNvPicPr>
+          <p:nvPr/>
+        </p:nvPicPr>
+        <p:blipFill>
+          <a:blip r:embed="rId2"/>
+          <a:stretch>
+            <a:fillRect/>
+          </a:stretch>
+        </p:blipFill>
+        <p:spPr>
+          <a:xfrm>
+            <a:off x="7286676" y="5985832"/>
+            <a:ext cx="3194233" cy="815592"/>
+          </a:xfrm>
+          <a:prstGeom prst="rect">
+            <a:avLst/>
+          </a:prstGeom>
+        </p:spPr>
+      </p:pic>
     </p:spTree>
     <p:extLst>
       <p:ext uri="{BB962C8B-B14F-4D97-AF65-F5344CB8AC3E}">
-        <p14:creationId xmlns:p14="http://schemas.microsoft.com/office/powerpoint/2010/main" val="819166706"/>
+        <p14:creationId xmlns:p14="http://schemas.microsoft.com/office/powerpoint/2010/main" val="2064891817"/>
+      </p:ext>
+    </p:extLst>
+  </p:cSld>
+  <p:clrMapOvr>
+    <a:masterClrMapping/>
+  </p:clrMapOvr>
+</p:sld>
+</file>
+
+<file path=ppt/slides/slide19.xml><?xml version="1.0" encoding="utf-8"?>
+<p:sld xmlns:a="http://schemas.openxmlformats.org/drawingml/2006/main" xmlns:r="http://schemas.openxmlformats.org/officeDocument/2006/relationships" xmlns:p="http://schemas.openxmlformats.org/presentationml/2006/main">
+  <p:cSld>
+    <p:spTree>
+      <p:nvGrpSpPr>
+        <p:cNvPr id="1" name=""/>
+        <p:cNvGrpSpPr/>
+        <p:nvPr/>
+      </p:nvGrpSpPr>
+      <p:grpSpPr>
+        <a:xfrm>
+          <a:off x="0" y="0"/>
+          <a:ext cx="0" cy="0"/>
+          <a:chOff x="0" y="0"/>
+          <a:chExt cx="0" cy="0"/>
+        </a:xfrm>
+      </p:grpSpPr>
+      <p:sp>
+        <p:nvSpPr>
+          <p:cNvPr id="2" name="Title 1">
+            <a:extLst>
+              <a:ext uri="{FF2B5EF4-FFF2-40B4-BE49-F238E27FC236}">
+                <a16:creationId xmlns:a16="http://schemas.microsoft.com/office/drawing/2014/main" id="{5DFDA20B-FEEB-4376-BB6F-422DE1487D30}"/>
+              </a:ext>
+            </a:extLst>
+          </p:cNvPr>
+          <p:cNvSpPr>
+            <a:spLocks noGrp="1"/>
+          </p:cNvSpPr>
+          <p:nvPr>
+            <p:ph type="title"/>
+          </p:nvPr>
+        </p:nvSpPr>
+        <p:spPr>
+          <a:xfrm>
+            <a:off x="740437" y="793755"/>
+            <a:ext cx="9210675" cy="1460500"/>
+          </a:xfrm>
+        </p:spPr>
+        <p:txBody>
+          <a:bodyPr lIns="91440" tIns="45720" rIns="91440" bIns="45720" anchor="t"/>
+          <a:lstStyle/>
+          <a:p>
+            <a:r>
+              <a:rPr lang="en-US"/>
+              <a:t>Plik POM</a:t>
+            </a:r>
+            <a:endParaRPr lang="pl-PL"/>
+          </a:p>
+        </p:txBody>
+      </p:sp>
+      <p:sp>
+        <p:nvSpPr>
+          <p:cNvPr id="3" name="Content Placeholder 2">
+            <a:extLst>
+              <a:ext uri="{FF2B5EF4-FFF2-40B4-BE49-F238E27FC236}">
+                <a16:creationId xmlns:a16="http://schemas.microsoft.com/office/drawing/2014/main" id="{7E4947CF-C8D7-434C-8030-67971600F5D3}"/>
+              </a:ext>
+            </a:extLst>
+          </p:cNvPr>
+          <p:cNvSpPr>
+            <a:spLocks noGrp="1"/>
+          </p:cNvSpPr>
+          <p:nvPr>
+            <p:ph idx="1"/>
+          </p:nvPr>
+        </p:nvSpPr>
+        <p:spPr>
+          <a:xfrm>
+            <a:off x="735013" y="2685208"/>
+            <a:ext cx="9210675" cy="2395610"/>
+          </a:xfrm>
+        </p:spPr>
+        <p:txBody>
+          <a:bodyPr lIns="91440" tIns="45720" rIns="91440" bIns="45720" anchor="t"/>
+          <a:lstStyle/>
+          <a:p>
+            <a:pPr>
+              <a:buFont typeface="Arial"/>
+              <a:buChar char="»"/>
+            </a:pPr>
+            <a:r>
+              <a:rPr lang="en-US" sz="2000">
+                <a:ea typeface="+mn-lt"/>
+                <a:cs typeface="+mn-lt"/>
+              </a:rPr>
+              <a:t>POM, czyli </a:t>
+            </a:r>
+            <a:r>
+              <a:rPr lang="en-US" sz="2000" i="1">
+                <a:ea typeface="+mn-lt"/>
+                <a:cs typeface="+mn-lt"/>
+              </a:rPr>
+              <a:t>Project Object Model</a:t>
+            </a:r>
+            <a:r>
+              <a:rPr lang="en-US" sz="2000">
+                <a:ea typeface="+mn-lt"/>
+                <a:cs typeface="+mn-lt"/>
+              </a:rPr>
+              <a:t>, to dokument XML-owy kompleksowo opisujący projekt. POM nie tylko precyzuje szczegóły budowy produktu, ale też może przechowywać informacje o zespole programistów, zastosowanych systemach wspomagających rozwój oprogramowania itd. W Mavenie dokument POM nosi nazwę pom.xml.</a:t>
+            </a:r>
+          </a:p>
+          <a:p>
+            <a:pPr>
+              <a:buFont typeface="Arial"/>
+              <a:buChar char="»"/>
+            </a:pPr>
+            <a:r>
+              <a:rPr lang="en-US" sz="2000">
+                <a:ea typeface="+mn-lt"/>
+                <a:cs typeface="+mn-lt"/>
+              </a:rPr>
+              <a:t>Programista może napisać POM-a samodzielnie od podstaw, prościej jednak użyć Mavena, który potrafi wygenerować prostego POM-a samodzielnie.</a:t>
+            </a:r>
+            <a:endParaRPr lang="en-US" sz="2000">
+              <a:latin typeface="Arial"/>
+            </a:endParaRPr>
+          </a:p>
+          <a:p>
+            <a:pPr>
+              <a:buFont typeface="Arial"/>
+              <a:buChar char="»"/>
+            </a:pPr>
+            <a:endParaRPr lang="en-US" sz="2000"/>
+          </a:p>
+          <a:p>
+            <a:pPr>
+              <a:buNone/>
+            </a:pPr>
+            <a:endParaRPr lang="en-US" sz="2000">
+              <a:latin typeface="Arial"/>
+            </a:endParaRPr>
+          </a:p>
+          <a:p>
+            <a:pPr marL="0" indent="0">
+              <a:buNone/>
+            </a:pPr>
+            <a:endParaRPr lang="en-US" sz="2000">
+              <a:latin typeface="Arial"/>
+            </a:endParaRPr>
+          </a:p>
+        </p:txBody>
+      </p:sp>
+      <p:grpSp>
+        <p:nvGrpSpPr>
+          <p:cNvPr id="7" name="Group 6">
+            <a:extLst>
+              <a:ext uri="{FF2B5EF4-FFF2-40B4-BE49-F238E27FC236}">
+                <a16:creationId xmlns:a16="http://schemas.microsoft.com/office/drawing/2014/main" id="{74A4AA28-0714-4D03-91F0-14153BE5E670}"/>
+              </a:ext>
+            </a:extLst>
+          </p:cNvPr>
+          <p:cNvGrpSpPr/>
+          <p:nvPr/>
+        </p:nvGrpSpPr>
+        <p:grpSpPr>
+          <a:xfrm>
+            <a:off x="53655" y="7102637"/>
+            <a:ext cx="8595907" cy="914399"/>
+            <a:chOff x="53655" y="7102637"/>
+            <a:chExt cx="8595907" cy="914399"/>
+          </a:xfrm>
+        </p:grpSpPr>
+        <p:sp>
+          <p:nvSpPr>
+            <p:cNvPr id="5" name="TextBox 4">
+              <a:extLst>
+                <a:ext uri="{FF2B5EF4-FFF2-40B4-BE49-F238E27FC236}">
+                  <a16:creationId xmlns:a16="http://schemas.microsoft.com/office/drawing/2014/main" id="{BFB7A66C-EAD8-4E6F-B3E9-F9D5410146C6}"/>
+                </a:ext>
+              </a:extLst>
+            </p:cNvPr>
+            <p:cNvSpPr txBox="1"/>
+            <p:nvPr/>
+          </p:nvSpPr>
+          <p:spPr>
+            <a:xfrm>
+              <a:off x="53655" y="7158980"/>
+              <a:ext cx="8595907" cy="400110"/>
+            </a:xfrm>
+            <a:prstGeom prst="rect">
+              <a:avLst/>
+            </a:prstGeom>
+            <a:noFill/>
+            <a:ln>
+              <a:noFill/>
+            </a:ln>
+          </p:spPr>
+          <p:txBody>
+            <a:bodyPr rot="0" spcFirstLastPara="0" vertOverflow="overflow" horzOverflow="overflow" vert="horz" wrap="square" lIns="91440" tIns="45720" rIns="91440" bIns="45720" numCol="1" spcCol="0" rtlCol="0" fromWordArt="0" anchor="t" anchorCtr="0" forceAA="0" compatLnSpc="1">
+              <a:prstTxWarp prst="textNoShape">
+                <a:avLst/>
+              </a:prstTxWarp>
+              <a:spAutoFit/>
+            </a:bodyPr>
+            <a:lstStyle/>
+            <a:p>
+              <a:r>
+                <a:rPr lang="en-US" sz="1600">
+                  <a:solidFill>
+                    <a:schemeClr val="bg1"/>
+                  </a:solidFill>
+                  <a:latin typeface="Arial"/>
+                  <a:cs typeface="Arial"/>
+                </a:rPr>
+                <a:t>Anna </a:t>
+              </a:r>
+              <a:r>
+                <a:rPr lang="en-US" sz="1600" err="1">
+                  <a:solidFill>
+                    <a:schemeClr val="bg1"/>
+                  </a:solidFill>
+                  <a:latin typeface="Arial"/>
+                  <a:cs typeface="Arial"/>
+                </a:rPr>
+                <a:t>Młynarczyk</a:t>
+              </a:r>
+              <a:r>
+                <a:rPr lang="en-US" sz="1600">
+                  <a:solidFill>
+                    <a:schemeClr val="bg1"/>
+                  </a:solidFill>
+                  <a:latin typeface="Arial"/>
+                  <a:cs typeface="Arial"/>
+                </a:rPr>
+                <a:t>     Agnieszka </a:t>
+              </a:r>
+              <a:r>
+                <a:rPr lang="en-US" sz="1600" err="1">
+                  <a:solidFill>
+                    <a:schemeClr val="bg1"/>
+                  </a:solidFill>
+                  <a:latin typeface="Arial"/>
+                  <a:cs typeface="Arial"/>
+                </a:rPr>
+                <a:t>Żupnik</a:t>
+              </a:r>
+              <a:r>
+                <a:rPr lang="en-US" sz="1600">
+                  <a:solidFill>
+                    <a:schemeClr val="bg1"/>
+                  </a:solidFill>
+                  <a:latin typeface="Arial"/>
+                  <a:cs typeface="Arial"/>
+                </a:rPr>
+                <a:t> </a:t>
+              </a:r>
+              <a:r>
+                <a:rPr lang="en-US" sz="2000">
+                  <a:solidFill>
+                    <a:schemeClr val="bg1"/>
+                  </a:solidFill>
+                  <a:latin typeface="Arial"/>
+                  <a:cs typeface="Arial"/>
+                </a:rPr>
+                <a:t>                     </a:t>
+              </a:r>
+              <a:r>
+                <a:rPr lang="en-US" sz="1600" err="1">
+                  <a:solidFill>
+                    <a:schemeClr val="bg1"/>
+                  </a:solidFill>
+                  <a:latin typeface="Arial"/>
+                  <a:cs typeface="Arial"/>
+                </a:rPr>
+                <a:t>Aplikacja</a:t>
+              </a:r>
+              <a:r>
+                <a:rPr lang="en-US" sz="1600">
+                  <a:solidFill>
+                    <a:schemeClr val="bg1"/>
+                  </a:solidFill>
+                  <a:latin typeface="Arial"/>
+                  <a:cs typeface="Arial"/>
+                </a:rPr>
+                <a:t> "</a:t>
+              </a:r>
+              <a:r>
+                <a:rPr lang="en-US" sz="1600" err="1">
+                  <a:solidFill>
+                    <a:schemeClr val="bg1"/>
+                  </a:solidFill>
+                  <a:latin typeface="Arial"/>
+                  <a:cs typeface="Arial"/>
+                </a:rPr>
+                <a:t>Quizlo</a:t>
+              </a:r>
+              <a:r>
+                <a:rPr lang="en-US" sz="1600">
+                  <a:solidFill>
+                    <a:schemeClr val="bg1"/>
+                  </a:solidFill>
+                  <a:latin typeface="Arial"/>
+                  <a:cs typeface="Arial"/>
+                </a:rPr>
+                <a:t>"</a:t>
+              </a:r>
+              <a:endParaRPr lang="en-US" sz="1600">
+                <a:solidFill>
+                  <a:schemeClr val="bg1"/>
+                </a:solidFill>
+              </a:endParaRPr>
+            </a:p>
+          </p:txBody>
+        </p:sp>
+        <p:sp>
+          <p:nvSpPr>
+            <p:cNvPr id="6" name="Right Triangle 5">
+              <a:extLst>
+                <a:ext uri="{FF2B5EF4-FFF2-40B4-BE49-F238E27FC236}">
+                  <a16:creationId xmlns:a16="http://schemas.microsoft.com/office/drawing/2014/main" id="{33089BEA-C3F1-48F4-9CB4-BD27040A196D}"/>
+                </a:ext>
+              </a:extLst>
+            </p:cNvPr>
+            <p:cNvSpPr/>
+            <p:nvPr/>
+          </p:nvSpPr>
+          <p:spPr bwMode="auto">
+            <a:xfrm rot="10800000">
+              <a:off x="7443863" y="7102637"/>
+              <a:ext cx="914399" cy="914399"/>
+            </a:xfrm>
+            <a:prstGeom prst="rtTriangle">
+              <a:avLst/>
+            </a:prstGeom>
+            <a:solidFill>
+              <a:schemeClr val="bg1"/>
+            </a:solidFill>
+            <a:ln w="25400" cap="flat" cmpd="sng" algn="ctr">
+              <a:noFill/>
+              <a:prstDash val="solid"/>
+              <a:round/>
+              <a:headEnd type="none" w="med" len="med"/>
+              <a:tailEnd type="none" w="med" len="med"/>
+            </a:ln>
+            <a:effectLst/>
+            <a:extLst>
+              <a:ext uri="{AF507438-7753-43E0-B8FC-AC1667EBCBE1}">
+                <a14:hiddenEffects xmlns:a14="http://schemas.microsoft.com/office/drawing/2010/main">
+                  <a:effectLst>
+                    <a:outerShdw dist="35921" dir="2700000" algn="ctr" rotWithShape="0">
+                      <a:schemeClr val="bg2"/>
+                    </a:outerShdw>
+                  </a:effectLst>
+                </a14:hiddenEffects>
+              </a:ext>
+            </a:extLst>
+          </p:spPr>
+          <p:txBody>
+            <a:bodyPr vert="horz" wrap="square" lIns="45720" tIns="45720" rIns="45720" bIns="45720" numCol="1" rtlCol="0" anchor="t" anchorCtr="0" compatLnSpc="1">
+              <a:prstTxWarp prst="textNoShape">
+                <a:avLst/>
+              </a:prstTxWarp>
+              <a:spAutoFit/>
+            </a:bodyPr>
+            <a:lstStyle/>
+            <a:p>
+              <a:pPr marL="0" marR="0" indent="0" algn="l" defTabSz="914400" rtl="0" eaLnBrk="1" fontAlgn="base" latinLnBrk="0" hangingPunct="0">
+                <a:lnSpc>
+                  <a:spcPct val="100000"/>
+                </a:lnSpc>
+                <a:spcBef>
+                  <a:spcPct val="0"/>
+                </a:spcBef>
+                <a:spcAft>
+                  <a:spcPct val="0"/>
+                </a:spcAft>
+                <a:buClrTx/>
+                <a:buSzTx/>
+                <a:buFontTx/>
+                <a:buNone/>
+                <a:tabLst/>
+              </a:pPr>
+              <a:endParaRPr kumimoji="0" lang="en-US" sz="2400" b="0" i="0" u="none" strike="noStrike" cap="none" normalizeH="0" baseline="0">
+                <a:ln>
+                  <a:noFill/>
+                </a:ln>
+                <a:solidFill>
+                  <a:srgbClr val="000000"/>
+                </a:solidFill>
+                <a:effectLst/>
+                <a:latin typeface="Arial" panose="020B0604020202020204" pitchFamily="34" charset="0"/>
+                <a:cs typeface="Arial" panose="020B0604020202020204" pitchFamily="34" charset="0"/>
+                <a:sym typeface="Arial" panose="020B0604020202020204" pitchFamily="34" charset="0"/>
+              </a:endParaRPr>
+            </a:p>
+          </p:txBody>
+        </p:sp>
+      </p:grpSp>
+      <p:sp>
+        <p:nvSpPr>
+          <p:cNvPr id="9" name="Rectangle 8">
+            <a:extLst>
+              <a:ext uri="{FF2B5EF4-FFF2-40B4-BE49-F238E27FC236}">
+                <a16:creationId xmlns:a16="http://schemas.microsoft.com/office/drawing/2014/main" id="{08E7BD74-FAB1-40E1-9ECA-32FAB0657560}"/>
+              </a:ext>
+            </a:extLst>
+          </p:cNvPr>
+          <p:cNvSpPr/>
+          <p:nvPr/>
+        </p:nvSpPr>
+        <p:spPr bwMode="auto">
+          <a:xfrm>
+            <a:off x="-1909" y="7112678"/>
+            <a:ext cx="8304181" cy="441503"/>
+          </a:xfrm>
+          <a:prstGeom prst="rect">
+            <a:avLst/>
+          </a:prstGeom>
+          <a:solidFill>
+            <a:srgbClr val="CA0000"/>
+          </a:solidFill>
+          <a:ln w="25400" cap="flat" cmpd="sng" algn="ctr">
+            <a:noFill/>
+            <a:prstDash val="solid"/>
+            <a:round/>
+            <a:headEnd type="none" w="med" len="med"/>
+            <a:tailEnd type="none" w="med" len="med"/>
+          </a:ln>
+          <a:effectLst/>
+          <a:extLst>
+            <a:ext uri="{AF507438-7753-43E0-B8FC-AC1667EBCBE1}">
+              <a14:hiddenEffects xmlns:a14="http://schemas.microsoft.com/office/drawing/2010/main">
+                <a:effectLst>
+                  <a:outerShdw dist="35921" dir="2700000" algn="ctr" rotWithShape="0">
+                    <a:schemeClr val="bg2"/>
+                  </a:outerShdw>
+                </a:effectLst>
+              </a14:hiddenEffects>
+            </a:ext>
+          </a:extLst>
+        </p:spPr>
+        <p:txBody>
+          <a:bodyPr vert="horz" wrap="square" lIns="45720" tIns="45720" rIns="45720" bIns="45720" numCol="1" rtlCol="0" anchor="t" anchorCtr="0" compatLnSpc="1">
+            <a:prstTxWarp prst="textNoShape">
+              <a:avLst/>
+            </a:prstTxWarp>
+            <a:spAutoFit/>
+          </a:bodyPr>
+          <a:lstStyle/>
+          <a:p>
+            <a:pPr marL="0" marR="0" indent="0" algn="l" defTabSz="914400" rtl="0" eaLnBrk="1" fontAlgn="base" latinLnBrk="0" hangingPunct="0">
+              <a:lnSpc>
+                <a:spcPct val="100000"/>
+              </a:lnSpc>
+              <a:spcBef>
+                <a:spcPct val="0"/>
+              </a:spcBef>
+              <a:spcAft>
+                <a:spcPct val="0"/>
+              </a:spcAft>
+              <a:buClrTx/>
+              <a:buSzTx/>
+              <a:buFontTx/>
+              <a:buNone/>
+              <a:tabLst/>
+            </a:pPr>
+            <a:endParaRPr kumimoji="0" lang="en-US" sz="2400" b="0" i="0" u="none" strike="noStrike" cap="none" normalizeH="0" baseline="0">
+              <a:ln>
+                <a:noFill/>
+              </a:ln>
+              <a:solidFill>
+                <a:srgbClr val="000000"/>
+              </a:solidFill>
+              <a:effectLst/>
+              <a:latin typeface="Arial" panose="020B0604020202020204" pitchFamily="34" charset="0"/>
+              <a:cs typeface="Arial" panose="020B0604020202020204" pitchFamily="34" charset="0"/>
+              <a:sym typeface="Arial" panose="020B0604020202020204" pitchFamily="34" charset="0"/>
+            </a:endParaRPr>
+          </a:p>
+        </p:txBody>
+      </p:sp>
+      <p:sp>
+        <p:nvSpPr>
+          <p:cNvPr id="11" name="Right Triangle 10">
+            <a:extLst>
+              <a:ext uri="{FF2B5EF4-FFF2-40B4-BE49-F238E27FC236}">
+                <a16:creationId xmlns:a16="http://schemas.microsoft.com/office/drawing/2014/main" id="{20472AD8-53C6-4C10-9D34-1AB059C444C9}"/>
+              </a:ext>
+            </a:extLst>
+          </p:cNvPr>
+          <p:cNvSpPr/>
+          <p:nvPr/>
+        </p:nvSpPr>
+        <p:spPr bwMode="auto">
+          <a:xfrm rot="10800000">
+            <a:off x="7438681" y="7107319"/>
+            <a:ext cx="914399" cy="914399"/>
+          </a:xfrm>
+          <a:prstGeom prst="rtTriangle">
+            <a:avLst/>
+          </a:prstGeom>
+          <a:solidFill>
+            <a:schemeClr val="bg1"/>
+          </a:solidFill>
+          <a:ln w="25400" cap="flat" cmpd="sng" algn="ctr">
+            <a:noFill/>
+            <a:prstDash val="solid"/>
+            <a:round/>
+            <a:headEnd type="none" w="med" len="med"/>
+            <a:tailEnd type="none" w="med" len="med"/>
+          </a:ln>
+          <a:effectLst/>
+          <a:extLst>
+            <a:ext uri="{AF507438-7753-43E0-B8FC-AC1667EBCBE1}">
+              <a14:hiddenEffects xmlns:a14="http://schemas.microsoft.com/office/drawing/2010/main">
+                <a:effectLst>
+                  <a:outerShdw dist="35921" dir="2700000" algn="ctr" rotWithShape="0">
+                    <a:schemeClr val="bg2"/>
+                  </a:outerShdw>
+                </a:effectLst>
+              </a14:hiddenEffects>
+            </a:ext>
+          </a:extLst>
+        </p:spPr>
+        <p:txBody>
+          <a:bodyPr vert="horz" wrap="square" lIns="45720" tIns="45720" rIns="45720" bIns="45720" numCol="1" rtlCol="0" anchor="t" anchorCtr="0" compatLnSpc="1">
+            <a:prstTxWarp prst="textNoShape">
+              <a:avLst/>
+            </a:prstTxWarp>
+            <a:spAutoFit/>
+          </a:bodyPr>
+          <a:lstStyle/>
+          <a:p>
+            <a:pPr marL="0" marR="0" indent="0" algn="l" defTabSz="914400" rtl="0" eaLnBrk="1" fontAlgn="base" latinLnBrk="0" hangingPunct="0">
+              <a:lnSpc>
+                <a:spcPct val="100000"/>
+              </a:lnSpc>
+              <a:spcBef>
+                <a:spcPct val="0"/>
+              </a:spcBef>
+              <a:spcAft>
+                <a:spcPct val="0"/>
+              </a:spcAft>
+              <a:buClrTx/>
+              <a:buSzTx/>
+              <a:buFontTx/>
+              <a:buNone/>
+              <a:tabLst/>
+            </a:pPr>
+            <a:endParaRPr kumimoji="0" lang="en-US" sz="2400" b="0" i="0" u="none" strike="noStrike" cap="none" normalizeH="0" baseline="0">
+              <a:ln>
+                <a:noFill/>
+              </a:ln>
+              <a:solidFill>
+                <a:srgbClr val="000000"/>
+              </a:solidFill>
+              <a:effectLst/>
+              <a:latin typeface="Arial" panose="020B0604020202020204" pitchFamily="34" charset="0"/>
+              <a:cs typeface="Arial" panose="020B0604020202020204" pitchFamily="34" charset="0"/>
+              <a:sym typeface="Arial" panose="020B0604020202020204" pitchFamily="34" charset="0"/>
+            </a:endParaRPr>
+          </a:p>
+        </p:txBody>
+      </p:sp>
+      <p:sp>
+        <p:nvSpPr>
+          <p:cNvPr id="13" name="TextBox 12">
+            <a:extLst>
+              <a:ext uri="{FF2B5EF4-FFF2-40B4-BE49-F238E27FC236}">
+                <a16:creationId xmlns:a16="http://schemas.microsoft.com/office/drawing/2014/main" id="{1F6F98B4-A291-4277-8F82-763E064CD392}"/>
+              </a:ext>
+            </a:extLst>
+          </p:cNvPr>
+          <p:cNvSpPr txBox="1"/>
+          <p:nvPr/>
+        </p:nvSpPr>
+        <p:spPr>
+          <a:xfrm>
+            <a:off x="122598" y="7139284"/>
+            <a:ext cx="8595907" cy="400110"/>
+          </a:xfrm>
+          <a:prstGeom prst="rect">
+            <a:avLst/>
+          </a:prstGeom>
+          <a:noFill/>
+          <a:ln>
+            <a:noFill/>
+          </a:ln>
+        </p:spPr>
+        <p:txBody>
+          <a:bodyPr rot="0" spcFirstLastPara="0" vertOverflow="overflow" horzOverflow="overflow" vert="horz" wrap="square" lIns="91440" tIns="45720" rIns="91440" bIns="45720" numCol="1" spcCol="0" rtlCol="0" fromWordArt="0" anchor="t" anchorCtr="0" forceAA="0" compatLnSpc="1">
+            <a:prstTxWarp prst="textNoShape">
+              <a:avLst/>
+            </a:prstTxWarp>
+            <a:spAutoFit/>
+          </a:bodyPr>
+          <a:lstStyle/>
+          <a:p>
+            <a:r>
+              <a:rPr lang="en-US" sz="1600">
+                <a:solidFill>
+                  <a:schemeClr val="bg1"/>
+                </a:solidFill>
+                <a:latin typeface="Arial"/>
+                <a:cs typeface="Arial"/>
+              </a:rPr>
+              <a:t>Anna </a:t>
+            </a:r>
+            <a:r>
+              <a:rPr lang="en-US" sz="1600" err="1">
+                <a:solidFill>
+                  <a:schemeClr val="bg1"/>
+                </a:solidFill>
+                <a:latin typeface="Arial"/>
+                <a:cs typeface="Arial"/>
+              </a:rPr>
+              <a:t>Młynarczyk</a:t>
+            </a:r>
+            <a:r>
+              <a:rPr lang="en-US" sz="1600">
+                <a:solidFill>
+                  <a:schemeClr val="bg1"/>
+                </a:solidFill>
+                <a:latin typeface="Arial"/>
+                <a:cs typeface="Arial"/>
+              </a:rPr>
+              <a:t>     Agnieszka </a:t>
+            </a:r>
+            <a:r>
+              <a:rPr lang="en-US" sz="1600" err="1">
+                <a:solidFill>
+                  <a:schemeClr val="bg1"/>
+                </a:solidFill>
+                <a:latin typeface="Arial"/>
+                <a:cs typeface="Arial"/>
+              </a:rPr>
+              <a:t>Żupnik</a:t>
+            </a:r>
+            <a:r>
+              <a:rPr lang="en-US" sz="1600">
+                <a:solidFill>
+                  <a:schemeClr val="bg1"/>
+                </a:solidFill>
+                <a:latin typeface="Arial"/>
+                <a:cs typeface="Arial"/>
+              </a:rPr>
+              <a:t> </a:t>
+            </a:r>
+            <a:r>
+              <a:rPr lang="en-US" sz="2000">
+                <a:solidFill>
+                  <a:schemeClr val="bg1"/>
+                </a:solidFill>
+                <a:latin typeface="Arial"/>
+                <a:cs typeface="Arial"/>
+              </a:rPr>
+              <a:t>                         </a:t>
+            </a:r>
+            <a:r>
+              <a:rPr lang="en-US" sz="1600" err="1">
+                <a:solidFill>
+                  <a:schemeClr val="bg1"/>
+                </a:solidFill>
+                <a:latin typeface="Arial"/>
+                <a:cs typeface="Arial"/>
+              </a:rPr>
+              <a:t>Aplikacja</a:t>
+            </a:r>
+            <a:r>
+              <a:rPr lang="en-US" sz="1600">
+                <a:solidFill>
+                  <a:schemeClr val="bg1"/>
+                </a:solidFill>
+                <a:latin typeface="Arial"/>
+                <a:cs typeface="Arial"/>
+              </a:rPr>
+              <a:t> "</a:t>
+            </a:r>
+            <a:r>
+              <a:rPr lang="en-US" sz="1600" err="1">
+                <a:solidFill>
+                  <a:schemeClr val="bg1"/>
+                </a:solidFill>
+                <a:latin typeface="Arial"/>
+                <a:cs typeface="Arial"/>
+              </a:rPr>
+              <a:t>Quizlo</a:t>
+            </a:r>
+            <a:r>
+              <a:rPr lang="en-US" sz="1600">
+                <a:solidFill>
+                  <a:schemeClr val="bg1"/>
+                </a:solidFill>
+                <a:latin typeface="Arial"/>
+                <a:cs typeface="Arial"/>
+              </a:rPr>
+              <a:t>"</a:t>
+            </a:r>
+            <a:endParaRPr lang="en-US" sz="1600">
+              <a:solidFill>
+                <a:schemeClr val="bg1"/>
+              </a:solidFill>
+            </a:endParaRPr>
+          </a:p>
+        </p:txBody>
+      </p:sp>
+      <p:pic>
+        <p:nvPicPr>
+          <p:cNvPr id="8" name="Obraz 9">
+            <a:extLst>
+              <a:ext uri="{FF2B5EF4-FFF2-40B4-BE49-F238E27FC236}">
+                <a16:creationId xmlns:a16="http://schemas.microsoft.com/office/drawing/2014/main" id="{71BB5B29-5D65-4C49-9FB3-DCC8E4B7BEAB}"/>
+              </a:ext>
+            </a:extLst>
+          </p:cNvPr>
+          <p:cNvPicPr>
+            <a:picLocks noChangeAspect="1"/>
+          </p:cNvPicPr>
+          <p:nvPr/>
+        </p:nvPicPr>
+        <p:blipFill>
+          <a:blip r:embed="rId2"/>
+          <a:stretch>
+            <a:fillRect/>
+          </a:stretch>
+        </p:blipFill>
+        <p:spPr>
+          <a:xfrm>
+            <a:off x="7286676" y="5985832"/>
+            <a:ext cx="3194233" cy="815592"/>
+          </a:xfrm>
+          <a:prstGeom prst="rect">
+            <a:avLst/>
+          </a:prstGeom>
+        </p:spPr>
+      </p:pic>
+    </p:spTree>
+    <p:extLst>
+      <p:ext uri="{BB962C8B-B14F-4D97-AF65-F5344CB8AC3E}">
+        <p14:creationId xmlns:p14="http://schemas.microsoft.com/office/powerpoint/2010/main" val="2362221830"/>
       </p:ext>
     </p:extLst>
   </p:cSld>
@@ -10998,50 +12696,50 @@
               <a:buAutoNum type="arabicPeriod"/>
             </a:pPr>
             <a:r>
-              <a:rPr lang="en-US" sz="2800" dirty="0"/>
+              <a:rPr lang="en-US" sz="2800"/>
               <a:t>Opis </a:t>
             </a:r>
             <a:r>
-              <a:rPr lang="en-US" sz="2800" dirty="0" err="1"/>
+              <a:rPr lang="en-US" sz="2800" err="1"/>
               <a:t>projektu</a:t>
             </a:r>
-            <a:endParaRPr lang="en-US" sz="2800" dirty="0"/>
+            <a:endParaRPr lang="en-US" sz="2800"/>
           </a:p>
           <a:p>
             <a:pPr marL="742950" indent="-742950">
               <a:buAutoNum type="arabicPeriod"/>
             </a:pPr>
             <a:r>
-              <a:rPr lang="en-US" sz="2800" dirty="0" err="1"/>
+              <a:rPr lang="en-US" sz="2800" err="1"/>
               <a:t>Cel</a:t>
             </a:r>
             <a:r>
-              <a:rPr lang="en-US" sz="2800" dirty="0"/>
+              <a:rPr lang="en-US" sz="2800"/>
               <a:t> </a:t>
             </a:r>
             <a:r>
-              <a:rPr lang="en-US" sz="2800" dirty="0" err="1"/>
+              <a:rPr lang="en-US" sz="2800" err="1"/>
               <a:t>projektu</a:t>
             </a:r>
-            <a:endParaRPr lang="en-US" sz="2800" dirty="0"/>
+            <a:endParaRPr lang="en-US" sz="2800"/>
           </a:p>
           <a:p>
             <a:pPr marL="742950" indent="-742950">
               <a:buAutoNum type="arabicPeriod"/>
             </a:pPr>
             <a:r>
-              <a:rPr lang="en-US" sz="2800" dirty="0" err="1"/>
+              <a:rPr lang="en-US" sz="2800" err="1"/>
               <a:t>Założenia</a:t>
             </a:r>
             <a:r>
-              <a:rPr lang="en-US" sz="2800" dirty="0"/>
+              <a:rPr lang="en-US" sz="2800"/>
               <a:t> </a:t>
             </a:r>
             <a:r>
-              <a:rPr lang="en-US" sz="2800" dirty="0" err="1"/>
+              <a:rPr lang="en-US" sz="2800" err="1"/>
               <a:t>projektu</a:t>
             </a:r>
-            <a:endParaRPr lang="en-US" sz="2800" dirty="0"/>
+            <a:endParaRPr lang="en-US" sz="2800"/>
           </a:p>
           <a:p>
             <a:pPr marL="742950" indent="-742950">
@@ -11058,16 +12756,33 @@
               <a:buAutoNum type="arabicPeriod"/>
             </a:pPr>
             <a:r>
-              <a:rPr lang="en-US" sz="2800" dirty="0" err="1"/>
+              <a:rPr lang="en-US" sz="2800" err="1"/>
               <a:t>Napotkane</a:t>
             </a:r>
             <a:r>
-              <a:rPr lang="en-US" sz="2800" dirty="0"/>
+              <a:rPr lang="en-US" sz="2800"/>
               <a:t> </a:t>
             </a:r>
             <a:r>
-              <a:rPr lang="en-US" sz="2800" dirty="0" err="1"/>
+              <a:rPr lang="en-US" sz="2800" err="1"/>
               <a:t>problemy</a:t>
+            </a:r>
+          </a:p>
+          <a:p>
+            <a:pPr marL="742950" indent="-742950">
+              <a:buAutoNum type="arabicPeriod"/>
+            </a:pPr>
+            <a:r>
+              <a:rPr lang="en-US" sz="2800" err="1"/>
+              <a:t>Część</a:t>
+            </a:r>
+            <a:r>
+              <a:rPr lang="en-US" sz="2800"/>
+              <a:t> </a:t>
+            </a:r>
+            <a:r>
+              <a:rPr lang="en-US" sz="2800" err="1"/>
+              <a:t>teoretyczna</a:t>
             </a:r>
           </a:p>
           <a:p>
@@ -11400,6 +13115,4360 @@
     <p:extLst>
       <p:ext uri="{BB962C8B-B14F-4D97-AF65-F5344CB8AC3E}">
         <p14:creationId xmlns:p14="http://schemas.microsoft.com/office/powerpoint/2010/main" val="1296993196"/>
+      </p:ext>
+    </p:extLst>
+  </p:cSld>
+  <p:clrMapOvr>
+    <a:masterClrMapping/>
+  </p:clrMapOvr>
+</p:sld>
+</file>
+
+<file path=ppt/slides/slide20.xml><?xml version="1.0" encoding="utf-8"?>
+<p:sld xmlns:a="http://schemas.openxmlformats.org/drawingml/2006/main" xmlns:r="http://schemas.openxmlformats.org/officeDocument/2006/relationships" xmlns:p="http://schemas.openxmlformats.org/presentationml/2006/main">
+  <p:cSld>
+    <p:spTree>
+      <p:nvGrpSpPr>
+        <p:cNvPr id="1" name=""/>
+        <p:cNvGrpSpPr/>
+        <p:nvPr/>
+      </p:nvGrpSpPr>
+      <p:grpSpPr>
+        <a:xfrm>
+          <a:off x="0" y="0"/>
+          <a:ext cx="0" cy="0"/>
+          <a:chOff x="0" y="0"/>
+          <a:chExt cx="0" cy="0"/>
+        </a:xfrm>
+      </p:grpSpPr>
+      <p:sp>
+        <p:nvSpPr>
+          <p:cNvPr id="2" name="Title 1">
+            <a:extLst>
+              <a:ext uri="{FF2B5EF4-FFF2-40B4-BE49-F238E27FC236}">
+                <a16:creationId xmlns:a16="http://schemas.microsoft.com/office/drawing/2014/main" id="{5DFDA20B-FEEB-4376-BB6F-422DE1487D30}"/>
+              </a:ext>
+            </a:extLst>
+          </p:cNvPr>
+          <p:cNvSpPr>
+            <a:spLocks noGrp="1"/>
+          </p:cNvSpPr>
+          <p:nvPr>
+            <p:ph type="title"/>
+          </p:nvPr>
+        </p:nvSpPr>
+        <p:spPr>
+          <a:xfrm>
+            <a:off x="740437" y="793755"/>
+            <a:ext cx="9210675" cy="1460500"/>
+          </a:xfrm>
+        </p:spPr>
+        <p:txBody>
+          <a:bodyPr lIns="91440" tIns="45720" rIns="91440" bIns="45720" anchor="t"/>
+          <a:lstStyle/>
+          <a:p>
+            <a:r>
+              <a:rPr lang="en-US"/>
+              <a:t>Plik POM - wygląd</a:t>
+            </a:r>
+            <a:endParaRPr lang="pl-PL"/>
+          </a:p>
+        </p:txBody>
+      </p:sp>
+      <p:sp>
+        <p:nvSpPr>
+          <p:cNvPr id="3" name="Content Placeholder 2">
+            <a:extLst>
+              <a:ext uri="{FF2B5EF4-FFF2-40B4-BE49-F238E27FC236}">
+                <a16:creationId xmlns:a16="http://schemas.microsoft.com/office/drawing/2014/main" id="{7E4947CF-C8D7-434C-8030-67971600F5D3}"/>
+              </a:ext>
+            </a:extLst>
+          </p:cNvPr>
+          <p:cNvSpPr>
+            <a:spLocks noGrp="1"/>
+          </p:cNvSpPr>
+          <p:nvPr>
+            <p:ph idx="1"/>
+          </p:nvPr>
+        </p:nvSpPr>
+        <p:spPr>
+          <a:xfrm>
+            <a:off x="735013" y="2685208"/>
+            <a:ext cx="9210675" cy="2395610"/>
+          </a:xfrm>
+        </p:spPr>
+        <p:txBody>
+          <a:bodyPr lIns="91440" tIns="45720" rIns="91440" bIns="45720" anchor="t"/>
+          <a:lstStyle/>
+          <a:p>
+            <a:pPr marL="0" indent="0">
+              <a:buNone/>
+            </a:pPr>
+            <a:endParaRPr lang="en-US" sz="2000">
+              <a:latin typeface="Arial"/>
+            </a:endParaRPr>
+          </a:p>
+          <a:p>
+            <a:pPr>
+              <a:buFont typeface="Arial"/>
+              <a:buChar char="»"/>
+            </a:pPr>
+            <a:endParaRPr lang="en-US" sz="2000"/>
+          </a:p>
+          <a:p>
+            <a:pPr>
+              <a:buNone/>
+            </a:pPr>
+            <a:endParaRPr lang="en-US" sz="2000">
+              <a:latin typeface="Arial"/>
+            </a:endParaRPr>
+          </a:p>
+          <a:p>
+            <a:pPr marL="0" indent="0">
+              <a:buNone/>
+            </a:pPr>
+            <a:endParaRPr lang="en-US" sz="2000">
+              <a:latin typeface="Arial"/>
+            </a:endParaRPr>
+          </a:p>
+        </p:txBody>
+      </p:sp>
+      <p:grpSp>
+        <p:nvGrpSpPr>
+          <p:cNvPr id="7" name="Group 6">
+            <a:extLst>
+              <a:ext uri="{FF2B5EF4-FFF2-40B4-BE49-F238E27FC236}">
+                <a16:creationId xmlns:a16="http://schemas.microsoft.com/office/drawing/2014/main" id="{74A4AA28-0714-4D03-91F0-14153BE5E670}"/>
+              </a:ext>
+            </a:extLst>
+          </p:cNvPr>
+          <p:cNvGrpSpPr/>
+          <p:nvPr/>
+        </p:nvGrpSpPr>
+        <p:grpSpPr>
+          <a:xfrm>
+            <a:off x="53655" y="7102637"/>
+            <a:ext cx="8595907" cy="914399"/>
+            <a:chOff x="53655" y="7102637"/>
+            <a:chExt cx="8595907" cy="914399"/>
+          </a:xfrm>
+        </p:grpSpPr>
+        <p:sp>
+          <p:nvSpPr>
+            <p:cNvPr id="5" name="TextBox 4">
+              <a:extLst>
+                <a:ext uri="{FF2B5EF4-FFF2-40B4-BE49-F238E27FC236}">
+                  <a16:creationId xmlns:a16="http://schemas.microsoft.com/office/drawing/2014/main" id="{BFB7A66C-EAD8-4E6F-B3E9-F9D5410146C6}"/>
+                </a:ext>
+              </a:extLst>
+            </p:cNvPr>
+            <p:cNvSpPr txBox="1"/>
+            <p:nvPr/>
+          </p:nvSpPr>
+          <p:spPr>
+            <a:xfrm>
+              <a:off x="53655" y="7158980"/>
+              <a:ext cx="8595907" cy="400110"/>
+            </a:xfrm>
+            <a:prstGeom prst="rect">
+              <a:avLst/>
+            </a:prstGeom>
+            <a:noFill/>
+            <a:ln>
+              <a:noFill/>
+            </a:ln>
+          </p:spPr>
+          <p:txBody>
+            <a:bodyPr rot="0" spcFirstLastPara="0" vertOverflow="overflow" horzOverflow="overflow" vert="horz" wrap="square" lIns="91440" tIns="45720" rIns="91440" bIns="45720" numCol="1" spcCol="0" rtlCol="0" fromWordArt="0" anchor="t" anchorCtr="0" forceAA="0" compatLnSpc="1">
+              <a:prstTxWarp prst="textNoShape">
+                <a:avLst/>
+              </a:prstTxWarp>
+              <a:spAutoFit/>
+            </a:bodyPr>
+            <a:lstStyle/>
+            <a:p>
+              <a:r>
+                <a:rPr lang="en-US" sz="1600">
+                  <a:solidFill>
+                    <a:schemeClr val="bg1"/>
+                  </a:solidFill>
+                  <a:latin typeface="Arial"/>
+                  <a:cs typeface="Arial"/>
+                </a:rPr>
+                <a:t>Anna </a:t>
+              </a:r>
+              <a:r>
+                <a:rPr lang="en-US" sz="1600" err="1">
+                  <a:solidFill>
+                    <a:schemeClr val="bg1"/>
+                  </a:solidFill>
+                  <a:latin typeface="Arial"/>
+                  <a:cs typeface="Arial"/>
+                </a:rPr>
+                <a:t>Młynarczyk</a:t>
+              </a:r>
+              <a:r>
+                <a:rPr lang="en-US" sz="1600">
+                  <a:solidFill>
+                    <a:schemeClr val="bg1"/>
+                  </a:solidFill>
+                  <a:latin typeface="Arial"/>
+                  <a:cs typeface="Arial"/>
+                </a:rPr>
+                <a:t>     Agnieszka </a:t>
+              </a:r>
+              <a:r>
+                <a:rPr lang="en-US" sz="1600" err="1">
+                  <a:solidFill>
+                    <a:schemeClr val="bg1"/>
+                  </a:solidFill>
+                  <a:latin typeface="Arial"/>
+                  <a:cs typeface="Arial"/>
+                </a:rPr>
+                <a:t>Żupnik</a:t>
+              </a:r>
+              <a:r>
+                <a:rPr lang="en-US" sz="1600">
+                  <a:solidFill>
+                    <a:schemeClr val="bg1"/>
+                  </a:solidFill>
+                  <a:latin typeface="Arial"/>
+                  <a:cs typeface="Arial"/>
+                </a:rPr>
+                <a:t> </a:t>
+              </a:r>
+              <a:r>
+                <a:rPr lang="en-US" sz="2000">
+                  <a:solidFill>
+                    <a:schemeClr val="bg1"/>
+                  </a:solidFill>
+                  <a:latin typeface="Arial"/>
+                  <a:cs typeface="Arial"/>
+                </a:rPr>
+                <a:t>                     </a:t>
+              </a:r>
+              <a:r>
+                <a:rPr lang="en-US" sz="1600" err="1">
+                  <a:solidFill>
+                    <a:schemeClr val="bg1"/>
+                  </a:solidFill>
+                  <a:latin typeface="Arial"/>
+                  <a:cs typeface="Arial"/>
+                </a:rPr>
+                <a:t>Aplikacja</a:t>
+              </a:r>
+              <a:r>
+                <a:rPr lang="en-US" sz="1600">
+                  <a:solidFill>
+                    <a:schemeClr val="bg1"/>
+                  </a:solidFill>
+                  <a:latin typeface="Arial"/>
+                  <a:cs typeface="Arial"/>
+                </a:rPr>
+                <a:t> "</a:t>
+              </a:r>
+              <a:r>
+                <a:rPr lang="en-US" sz="1600" err="1">
+                  <a:solidFill>
+                    <a:schemeClr val="bg1"/>
+                  </a:solidFill>
+                  <a:latin typeface="Arial"/>
+                  <a:cs typeface="Arial"/>
+                </a:rPr>
+                <a:t>Quizlo</a:t>
+              </a:r>
+              <a:r>
+                <a:rPr lang="en-US" sz="1600">
+                  <a:solidFill>
+                    <a:schemeClr val="bg1"/>
+                  </a:solidFill>
+                  <a:latin typeface="Arial"/>
+                  <a:cs typeface="Arial"/>
+                </a:rPr>
+                <a:t>"</a:t>
+              </a:r>
+              <a:endParaRPr lang="en-US" sz="1600">
+                <a:solidFill>
+                  <a:schemeClr val="bg1"/>
+                </a:solidFill>
+              </a:endParaRPr>
+            </a:p>
+          </p:txBody>
+        </p:sp>
+        <p:sp>
+          <p:nvSpPr>
+            <p:cNvPr id="6" name="Right Triangle 5">
+              <a:extLst>
+                <a:ext uri="{FF2B5EF4-FFF2-40B4-BE49-F238E27FC236}">
+                  <a16:creationId xmlns:a16="http://schemas.microsoft.com/office/drawing/2014/main" id="{33089BEA-C3F1-48F4-9CB4-BD27040A196D}"/>
+                </a:ext>
+              </a:extLst>
+            </p:cNvPr>
+            <p:cNvSpPr/>
+            <p:nvPr/>
+          </p:nvSpPr>
+          <p:spPr bwMode="auto">
+            <a:xfrm rot="10800000">
+              <a:off x="7443863" y="7102637"/>
+              <a:ext cx="914399" cy="914399"/>
+            </a:xfrm>
+            <a:prstGeom prst="rtTriangle">
+              <a:avLst/>
+            </a:prstGeom>
+            <a:solidFill>
+              <a:schemeClr val="bg1"/>
+            </a:solidFill>
+            <a:ln w="25400" cap="flat" cmpd="sng" algn="ctr">
+              <a:noFill/>
+              <a:prstDash val="solid"/>
+              <a:round/>
+              <a:headEnd type="none" w="med" len="med"/>
+              <a:tailEnd type="none" w="med" len="med"/>
+            </a:ln>
+            <a:effectLst/>
+            <a:extLst>
+              <a:ext uri="{AF507438-7753-43E0-B8FC-AC1667EBCBE1}">
+                <a14:hiddenEffects xmlns:a14="http://schemas.microsoft.com/office/drawing/2010/main">
+                  <a:effectLst>
+                    <a:outerShdw dist="35921" dir="2700000" algn="ctr" rotWithShape="0">
+                      <a:schemeClr val="bg2"/>
+                    </a:outerShdw>
+                  </a:effectLst>
+                </a14:hiddenEffects>
+              </a:ext>
+            </a:extLst>
+          </p:spPr>
+          <p:txBody>
+            <a:bodyPr vert="horz" wrap="square" lIns="45720" tIns="45720" rIns="45720" bIns="45720" numCol="1" rtlCol="0" anchor="t" anchorCtr="0" compatLnSpc="1">
+              <a:prstTxWarp prst="textNoShape">
+                <a:avLst/>
+              </a:prstTxWarp>
+              <a:spAutoFit/>
+            </a:bodyPr>
+            <a:lstStyle/>
+            <a:p>
+              <a:pPr marL="0" marR="0" indent="0" algn="l" defTabSz="914400" rtl="0" eaLnBrk="1" fontAlgn="base" latinLnBrk="0" hangingPunct="0">
+                <a:lnSpc>
+                  <a:spcPct val="100000"/>
+                </a:lnSpc>
+                <a:spcBef>
+                  <a:spcPct val="0"/>
+                </a:spcBef>
+                <a:spcAft>
+                  <a:spcPct val="0"/>
+                </a:spcAft>
+                <a:buClrTx/>
+                <a:buSzTx/>
+                <a:buFontTx/>
+                <a:buNone/>
+                <a:tabLst/>
+              </a:pPr>
+              <a:endParaRPr kumimoji="0" lang="en-US" sz="2400" b="0" i="0" u="none" strike="noStrike" cap="none" normalizeH="0" baseline="0">
+                <a:ln>
+                  <a:noFill/>
+                </a:ln>
+                <a:solidFill>
+                  <a:srgbClr val="000000"/>
+                </a:solidFill>
+                <a:effectLst/>
+                <a:latin typeface="Arial" panose="020B0604020202020204" pitchFamily="34" charset="0"/>
+                <a:cs typeface="Arial" panose="020B0604020202020204" pitchFamily="34" charset="0"/>
+                <a:sym typeface="Arial" panose="020B0604020202020204" pitchFamily="34" charset="0"/>
+              </a:endParaRPr>
+            </a:p>
+          </p:txBody>
+        </p:sp>
+      </p:grpSp>
+      <p:sp>
+        <p:nvSpPr>
+          <p:cNvPr id="9" name="Rectangle 8">
+            <a:extLst>
+              <a:ext uri="{FF2B5EF4-FFF2-40B4-BE49-F238E27FC236}">
+                <a16:creationId xmlns:a16="http://schemas.microsoft.com/office/drawing/2014/main" id="{08E7BD74-FAB1-40E1-9ECA-32FAB0657560}"/>
+              </a:ext>
+            </a:extLst>
+          </p:cNvPr>
+          <p:cNvSpPr/>
+          <p:nvPr/>
+        </p:nvSpPr>
+        <p:spPr bwMode="auto">
+          <a:xfrm>
+            <a:off x="-1909" y="7112678"/>
+            <a:ext cx="8304181" cy="441503"/>
+          </a:xfrm>
+          <a:prstGeom prst="rect">
+            <a:avLst/>
+          </a:prstGeom>
+          <a:solidFill>
+            <a:srgbClr val="CA0000"/>
+          </a:solidFill>
+          <a:ln w="25400" cap="flat" cmpd="sng" algn="ctr">
+            <a:noFill/>
+            <a:prstDash val="solid"/>
+            <a:round/>
+            <a:headEnd type="none" w="med" len="med"/>
+            <a:tailEnd type="none" w="med" len="med"/>
+          </a:ln>
+          <a:effectLst/>
+          <a:extLst>
+            <a:ext uri="{AF507438-7753-43E0-B8FC-AC1667EBCBE1}">
+              <a14:hiddenEffects xmlns:a14="http://schemas.microsoft.com/office/drawing/2010/main">
+                <a:effectLst>
+                  <a:outerShdw dist="35921" dir="2700000" algn="ctr" rotWithShape="0">
+                    <a:schemeClr val="bg2"/>
+                  </a:outerShdw>
+                </a:effectLst>
+              </a14:hiddenEffects>
+            </a:ext>
+          </a:extLst>
+        </p:spPr>
+        <p:txBody>
+          <a:bodyPr vert="horz" wrap="square" lIns="45720" tIns="45720" rIns="45720" bIns="45720" numCol="1" rtlCol="0" anchor="t" anchorCtr="0" compatLnSpc="1">
+            <a:prstTxWarp prst="textNoShape">
+              <a:avLst/>
+            </a:prstTxWarp>
+            <a:spAutoFit/>
+          </a:bodyPr>
+          <a:lstStyle/>
+          <a:p>
+            <a:pPr marL="0" marR="0" indent="0" algn="l" defTabSz="914400" rtl="0" eaLnBrk="1" fontAlgn="base" latinLnBrk="0" hangingPunct="0">
+              <a:lnSpc>
+                <a:spcPct val="100000"/>
+              </a:lnSpc>
+              <a:spcBef>
+                <a:spcPct val="0"/>
+              </a:spcBef>
+              <a:spcAft>
+                <a:spcPct val="0"/>
+              </a:spcAft>
+              <a:buClrTx/>
+              <a:buSzTx/>
+              <a:buFontTx/>
+              <a:buNone/>
+              <a:tabLst/>
+            </a:pPr>
+            <a:endParaRPr kumimoji="0" lang="en-US" sz="2400" b="0" i="0" u="none" strike="noStrike" cap="none" normalizeH="0" baseline="0">
+              <a:ln>
+                <a:noFill/>
+              </a:ln>
+              <a:solidFill>
+                <a:srgbClr val="000000"/>
+              </a:solidFill>
+              <a:effectLst/>
+              <a:latin typeface="Arial" panose="020B0604020202020204" pitchFamily="34" charset="0"/>
+              <a:cs typeface="Arial" panose="020B0604020202020204" pitchFamily="34" charset="0"/>
+              <a:sym typeface="Arial" panose="020B0604020202020204" pitchFamily="34" charset="0"/>
+            </a:endParaRPr>
+          </a:p>
+        </p:txBody>
+      </p:sp>
+      <p:sp>
+        <p:nvSpPr>
+          <p:cNvPr id="11" name="Right Triangle 10">
+            <a:extLst>
+              <a:ext uri="{FF2B5EF4-FFF2-40B4-BE49-F238E27FC236}">
+                <a16:creationId xmlns:a16="http://schemas.microsoft.com/office/drawing/2014/main" id="{20472AD8-53C6-4C10-9D34-1AB059C444C9}"/>
+              </a:ext>
+            </a:extLst>
+          </p:cNvPr>
+          <p:cNvSpPr/>
+          <p:nvPr/>
+        </p:nvSpPr>
+        <p:spPr bwMode="auto">
+          <a:xfrm rot="10800000">
+            <a:off x="7438681" y="7107319"/>
+            <a:ext cx="914399" cy="914399"/>
+          </a:xfrm>
+          <a:prstGeom prst="rtTriangle">
+            <a:avLst/>
+          </a:prstGeom>
+          <a:solidFill>
+            <a:schemeClr val="bg1"/>
+          </a:solidFill>
+          <a:ln w="25400" cap="flat" cmpd="sng" algn="ctr">
+            <a:noFill/>
+            <a:prstDash val="solid"/>
+            <a:round/>
+            <a:headEnd type="none" w="med" len="med"/>
+            <a:tailEnd type="none" w="med" len="med"/>
+          </a:ln>
+          <a:effectLst/>
+          <a:extLst>
+            <a:ext uri="{AF507438-7753-43E0-B8FC-AC1667EBCBE1}">
+              <a14:hiddenEffects xmlns:a14="http://schemas.microsoft.com/office/drawing/2010/main">
+                <a:effectLst>
+                  <a:outerShdw dist="35921" dir="2700000" algn="ctr" rotWithShape="0">
+                    <a:schemeClr val="bg2"/>
+                  </a:outerShdw>
+                </a:effectLst>
+              </a14:hiddenEffects>
+            </a:ext>
+          </a:extLst>
+        </p:spPr>
+        <p:txBody>
+          <a:bodyPr vert="horz" wrap="square" lIns="45720" tIns="45720" rIns="45720" bIns="45720" numCol="1" rtlCol="0" anchor="t" anchorCtr="0" compatLnSpc="1">
+            <a:prstTxWarp prst="textNoShape">
+              <a:avLst/>
+            </a:prstTxWarp>
+            <a:spAutoFit/>
+          </a:bodyPr>
+          <a:lstStyle/>
+          <a:p>
+            <a:pPr marL="0" marR="0" indent="0" algn="l" defTabSz="914400" rtl="0" eaLnBrk="1" fontAlgn="base" latinLnBrk="0" hangingPunct="0">
+              <a:lnSpc>
+                <a:spcPct val="100000"/>
+              </a:lnSpc>
+              <a:spcBef>
+                <a:spcPct val="0"/>
+              </a:spcBef>
+              <a:spcAft>
+                <a:spcPct val="0"/>
+              </a:spcAft>
+              <a:buClrTx/>
+              <a:buSzTx/>
+              <a:buFontTx/>
+              <a:buNone/>
+              <a:tabLst/>
+            </a:pPr>
+            <a:endParaRPr kumimoji="0" lang="en-US" sz="2400" b="0" i="0" u="none" strike="noStrike" cap="none" normalizeH="0" baseline="0">
+              <a:ln>
+                <a:noFill/>
+              </a:ln>
+              <a:solidFill>
+                <a:srgbClr val="000000"/>
+              </a:solidFill>
+              <a:effectLst/>
+              <a:latin typeface="Arial" panose="020B0604020202020204" pitchFamily="34" charset="0"/>
+              <a:cs typeface="Arial" panose="020B0604020202020204" pitchFamily="34" charset="0"/>
+              <a:sym typeface="Arial" panose="020B0604020202020204" pitchFamily="34" charset="0"/>
+            </a:endParaRPr>
+          </a:p>
+        </p:txBody>
+      </p:sp>
+      <p:sp>
+        <p:nvSpPr>
+          <p:cNvPr id="13" name="TextBox 12">
+            <a:extLst>
+              <a:ext uri="{FF2B5EF4-FFF2-40B4-BE49-F238E27FC236}">
+                <a16:creationId xmlns:a16="http://schemas.microsoft.com/office/drawing/2014/main" id="{1F6F98B4-A291-4277-8F82-763E064CD392}"/>
+              </a:ext>
+            </a:extLst>
+          </p:cNvPr>
+          <p:cNvSpPr txBox="1"/>
+          <p:nvPr/>
+        </p:nvSpPr>
+        <p:spPr>
+          <a:xfrm>
+            <a:off x="122598" y="7139284"/>
+            <a:ext cx="8595907" cy="400110"/>
+          </a:xfrm>
+          <a:prstGeom prst="rect">
+            <a:avLst/>
+          </a:prstGeom>
+          <a:noFill/>
+          <a:ln>
+            <a:noFill/>
+          </a:ln>
+        </p:spPr>
+        <p:txBody>
+          <a:bodyPr rot="0" spcFirstLastPara="0" vertOverflow="overflow" horzOverflow="overflow" vert="horz" wrap="square" lIns="91440" tIns="45720" rIns="91440" bIns="45720" numCol="1" spcCol="0" rtlCol="0" fromWordArt="0" anchor="t" anchorCtr="0" forceAA="0" compatLnSpc="1">
+            <a:prstTxWarp prst="textNoShape">
+              <a:avLst/>
+            </a:prstTxWarp>
+            <a:spAutoFit/>
+          </a:bodyPr>
+          <a:lstStyle/>
+          <a:p>
+            <a:r>
+              <a:rPr lang="en-US" sz="1600">
+                <a:solidFill>
+                  <a:schemeClr val="bg1"/>
+                </a:solidFill>
+                <a:latin typeface="Arial"/>
+                <a:cs typeface="Arial"/>
+              </a:rPr>
+              <a:t>Anna </a:t>
+            </a:r>
+            <a:r>
+              <a:rPr lang="en-US" sz="1600" err="1">
+                <a:solidFill>
+                  <a:schemeClr val="bg1"/>
+                </a:solidFill>
+                <a:latin typeface="Arial"/>
+                <a:cs typeface="Arial"/>
+              </a:rPr>
+              <a:t>Młynarczyk</a:t>
+            </a:r>
+            <a:r>
+              <a:rPr lang="en-US" sz="1600">
+                <a:solidFill>
+                  <a:schemeClr val="bg1"/>
+                </a:solidFill>
+                <a:latin typeface="Arial"/>
+                <a:cs typeface="Arial"/>
+              </a:rPr>
+              <a:t>     Agnieszka </a:t>
+            </a:r>
+            <a:r>
+              <a:rPr lang="en-US" sz="1600" err="1">
+                <a:solidFill>
+                  <a:schemeClr val="bg1"/>
+                </a:solidFill>
+                <a:latin typeface="Arial"/>
+                <a:cs typeface="Arial"/>
+              </a:rPr>
+              <a:t>Żupnik</a:t>
+            </a:r>
+            <a:r>
+              <a:rPr lang="en-US" sz="1600">
+                <a:solidFill>
+                  <a:schemeClr val="bg1"/>
+                </a:solidFill>
+                <a:latin typeface="Arial"/>
+                <a:cs typeface="Arial"/>
+              </a:rPr>
+              <a:t> </a:t>
+            </a:r>
+            <a:r>
+              <a:rPr lang="en-US" sz="2000">
+                <a:solidFill>
+                  <a:schemeClr val="bg1"/>
+                </a:solidFill>
+                <a:latin typeface="Arial"/>
+                <a:cs typeface="Arial"/>
+              </a:rPr>
+              <a:t>                         </a:t>
+            </a:r>
+            <a:r>
+              <a:rPr lang="en-US" sz="1600" err="1">
+                <a:solidFill>
+                  <a:schemeClr val="bg1"/>
+                </a:solidFill>
+                <a:latin typeface="Arial"/>
+                <a:cs typeface="Arial"/>
+              </a:rPr>
+              <a:t>Aplikacja</a:t>
+            </a:r>
+            <a:r>
+              <a:rPr lang="en-US" sz="1600">
+                <a:solidFill>
+                  <a:schemeClr val="bg1"/>
+                </a:solidFill>
+                <a:latin typeface="Arial"/>
+                <a:cs typeface="Arial"/>
+              </a:rPr>
+              <a:t> "</a:t>
+            </a:r>
+            <a:r>
+              <a:rPr lang="en-US" sz="1600" err="1">
+                <a:solidFill>
+                  <a:schemeClr val="bg1"/>
+                </a:solidFill>
+                <a:latin typeface="Arial"/>
+                <a:cs typeface="Arial"/>
+              </a:rPr>
+              <a:t>Quizlo</a:t>
+            </a:r>
+            <a:r>
+              <a:rPr lang="en-US" sz="1600">
+                <a:solidFill>
+                  <a:schemeClr val="bg1"/>
+                </a:solidFill>
+                <a:latin typeface="Arial"/>
+                <a:cs typeface="Arial"/>
+              </a:rPr>
+              <a:t>"</a:t>
+            </a:r>
+            <a:endParaRPr lang="en-US" sz="1600">
+              <a:solidFill>
+                <a:schemeClr val="bg1"/>
+              </a:solidFill>
+            </a:endParaRPr>
+          </a:p>
+        </p:txBody>
+      </p:sp>
+      <p:pic>
+        <p:nvPicPr>
+          <p:cNvPr id="8" name="Obraz 9">
+            <a:extLst>
+              <a:ext uri="{FF2B5EF4-FFF2-40B4-BE49-F238E27FC236}">
+                <a16:creationId xmlns:a16="http://schemas.microsoft.com/office/drawing/2014/main" id="{71BB5B29-5D65-4C49-9FB3-DCC8E4B7BEAB}"/>
+              </a:ext>
+            </a:extLst>
+          </p:cNvPr>
+          <p:cNvPicPr>
+            <a:picLocks noChangeAspect="1"/>
+          </p:cNvPicPr>
+          <p:nvPr/>
+        </p:nvPicPr>
+        <p:blipFill>
+          <a:blip r:embed="rId2"/>
+          <a:stretch>
+            <a:fillRect/>
+          </a:stretch>
+        </p:blipFill>
+        <p:spPr>
+          <a:xfrm>
+            <a:off x="7286676" y="5985832"/>
+            <a:ext cx="3194233" cy="815592"/>
+          </a:xfrm>
+          <a:prstGeom prst="rect">
+            <a:avLst/>
+          </a:prstGeom>
+        </p:spPr>
+      </p:pic>
+      <p:pic>
+        <p:nvPicPr>
+          <p:cNvPr id="4" name="Obraz 9">
+            <a:extLst>
+              <a:ext uri="{FF2B5EF4-FFF2-40B4-BE49-F238E27FC236}">
+                <a16:creationId xmlns:a16="http://schemas.microsoft.com/office/drawing/2014/main" id="{CB6413B6-AFEC-4DE8-81A1-8CA6CFFED8B2}"/>
+              </a:ext>
+            </a:extLst>
+          </p:cNvPr>
+          <p:cNvPicPr>
+            <a:picLocks noChangeAspect="1"/>
+          </p:cNvPicPr>
+          <p:nvPr/>
+        </p:nvPicPr>
+        <p:blipFill>
+          <a:blip r:embed="rId3"/>
+          <a:stretch>
+            <a:fillRect/>
+          </a:stretch>
+        </p:blipFill>
+        <p:spPr>
+          <a:xfrm>
+            <a:off x="1648564" y="1696638"/>
+            <a:ext cx="7590639" cy="4145489"/>
+          </a:xfrm>
+          <a:prstGeom prst="rect">
+            <a:avLst/>
+          </a:prstGeom>
+        </p:spPr>
+      </p:pic>
+    </p:spTree>
+    <p:extLst>
+      <p:ext uri="{BB962C8B-B14F-4D97-AF65-F5344CB8AC3E}">
+        <p14:creationId xmlns:p14="http://schemas.microsoft.com/office/powerpoint/2010/main" val="3738691461"/>
+      </p:ext>
+    </p:extLst>
+  </p:cSld>
+  <p:clrMapOvr>
+    <a:masterClrMapping/>
+  </p:clrMapOvr>
+</p:sld>
+</file>
+
+<file path=ppt/slides/slide21.xml><?xml version="1.0" encoding="utf-8"?>
+<p:sld xmlns:a="http://schemas.openxmlformats.org/drawingml/2006/main" xmlns:r="http://schemas.openxmlformats.org/officeDocument/2006/relationships" xmlns:p="http://schemas.openxmlformats.org/presentationml/2006/main">
+  <p:cSld>
+    <p:spTree>
+      <p:nvGrpSpPr>
+        <p:cNvPr id="1" name=""/>
+        <p:cNvGrpSpPr/>
+        <p:nvPr/>
+      </p:nvGrpSpPr>
+      <p:grpSpPr>
+        <a:xfrm>
+          <a:off x="0" y="0"/>
+          <a:ext cx="0" cy="0"/>
+          <a:chOff x="0" y="0"/>
+          <a:chExt cx="0" cy="0"/>
+        </a:xfrm>
+      </p:grpSpPr>
+      <p:sp>
+        <p:nvSpPr>
+          <p:cNvPr id="2" name="Title 1">
+            <a:extLst>
+              <a:ext uri="{FF2B5EF4-FFF2-40B4-BE49-F238E27FC236}">
+                <a16:creationId xmlns:a16="http://schemas.microsoft.com/office/drawing/2014/main" id="{5DFDA20B-FEEB-4376-BB6F-422DE1487D30}"/>
+              </a:ext>
+            </a:extLst>
+          </p:cNvPr>
+          <p:cNvSpPr>
+            <a:spLocks noGrp="1"/>
+          </p:cNvSpPr>
+          <p:nvPr>
+            <p:ph type="title"/>
+          </p:nvPr>
+        </p:nvSpPr>
+        <p:spPr>
+          <a:xfrm>
+            <a:off x="740437" y="793755"/>
+            <a:ext cx="9210675" cy="1460500"/>
+          </a:xfrm>
+        </p:spPr>
+        <p:txBody>
+          <a:bodyPr lIns="91440" tIns="45720" rIns="91440" bIns="45720" anchor="t"/>
+          <a:lstStyle/>
+          <a:p>
+            <a:r>
+              <a:rPr lang="en-US"/>
+              <a:t>JSON</a:t>
+            </a:r>
+            <a:endParaRPr lang="pl-PL"/>
+          </a:p>
+        </p:txBody>
+      </p:sp>
+      <p:sp>
+        <p:nvSpPr>
+          <p:cNvPr id="3" name="Content Placeholder 2">
+            <a:extLst>
+              <a:ext uri="{FF2B5EF4-FFF2-40B4-BE49-F238E27FC236}">
+                <a16:creationId xmlns:a16="http://schemas.microsoft.com/office/drawing/2014/main" id="{7E4947CF-C8D7-434C-8030-67971600F5D3}"/>
+              </a:ext>
+            </a:extLst>
+          </p:cNvPr>
+          <p:cNvSpPr>
+            <a:spLocks noGrp="1"/>
+          </p:cNvSpPr>
+          <p:nvPr>
+            <p:ph idx="1"/>
+          </p:nvPr>
+        </p:nvSpPr>
+        <p:spPr/>
+        <p:txBody>
+          <a:bodyPr lIns="91440" tIns="45720" rIns="91440" bIns="45720" anchor="t"/>
+          <a:lstStyle/>
+          <a:p>
+            <a:pPr>
+              <a:buFont typeface="Arial"/>
+              <a:buChar char="»"/>
+            </a:pPr>
+            <a:r>
+              <a:rPr lang="en-US" sz="2000">
+                <a:ea typeface="+mn-lt"/>
+                <a:cs typeface="+mn-lt"/>
+              </a:rPr>
+              <a:t>JSON to lekki format wymiany danych komputerowych, który jest formatem tekstowym, bazującym na podzbiorze języka JavaScript.</a:t>
+            </a:r>
+            <a:endParaRPr lang="pl-PL"/>
+          </a:p>
+          <a:p>
+            <a:pPr>
+              <a:buFont typeface="Arial"/>
+              <a:buChar char="»"/>
+            </a:pPr>
+            <a:r>
+              <a:rPr lang="en-US" sz="2000">
+                <a:ea typeface="+mn-lt"/>
+                <a:cs typeface="+mn-lt"/>
+              </a:rPr>
+              <a:t>Komunikat JSON jest literałem obiektu języka Javascript, który w tym języku jest tablicą asocjacyjną. Wszystkie dane są zmiennymi, a nazwy składników obiektów są otoczone cudzysłowami. Wartości mogą być typu string, number, stanowić jedną ze stałych: false null true, być tablicą złożoną z takich elementów lub obiektem. Obiekty i tablice mogą być dowolnie zagnieżdżane. </a:t>
+            </a:r>
+            <a:endParaRPr lang="en-US" sz="2000"/>
+          </a:p>
+          <a:p>
+            <a:pPr>
+              <a:buNone/>
+            </a:pPr>
+            <a:endParaRPr lang="en-US" sz="2000">
+              <a:latin typeface="Arial"/>
+            </a:endParaRPr>
+          </a:p>
+          <a:p>
+            <a:pPr marL="0" indent="0">
+              <a:buNone/>
+            </a:pPr>
+            <a:endParaRPr lang="en-US" sz="2000">
+              <a:latin typeface="Arial"/>
+            </a:endParaRPr>
+          </a:p>
+        </p:txBody>
+      </p:sp>
+      <p:grpSp>
+        <p:nvGrpSpPr>
+          <p:cNvPr id="7" name="Group 6">
+            <a:extLst>
+              <a:ext uri="{FF2B5EF4-FFF2-40B4-BE49-F238E27FC236}">
+                <a16:creationId xmlns:a16="http://schemas.microsoft.com/office/drawing/2014/main" id="{74A4AA28-0714-4D03-91F0-14153BE5E670}"/>
+              </a:ext>
+            </a:extLst>
+          </p:cNvPr>
+          <p:cNvGrpSpPr/>
+          <p:nvPr/>
+        </p:nvGrpSpPr>
+        <p:grpSpPr>
+          <a:xfrm>
+            <a:off x="53655" y="7102637"/>
+            <a:ext cx="8595907" cy="914399"/>
+            <a:chOff x="53655" y="7102637"/>
+            <a:chExt cx="8595907" cy="914399"/>
+          </a:xfrm>
+        </p:grpSpPr>
+        <p:sp>
+          <p:nvSpPr>
+            <p:cNvPr id="5" name="TextBox 4">
+              <a:extLst>
+                <a:ext uri="{FF2B5EF4-FFF2-40B4-BE49-F238E27FC236}">
+                  <a16:creationId xmlns:a16="http://schemas.microsoft.com/office/drawing/2014/main" id="{BFB7A66C-EAD8-4E6F-B3E9-F9D5410146C6}"/>
+                </a:ext>
+              </a:extLst>
+            </p:cNvPr>
+            <p:cNvSpPr txBox="1"/>
+            <p:nvPr/>
+          </p:nvSpPr>
+          <p:spPr>
+            <a:xfrm>
+              <a:off x="53655" y="7158980"/>
+              <a:ext cx="8595907" cy="400110"/>
+            </a:xfrm>
+            <a:prstGeom prst="rect">
+              <a:avLst/>
+            </a:prstGeom>
+            <a:noFill/>
+            <a:ln>
+              <a:noFill/>
+            </a:ln>
+          </p:spPr>
+          <p:txBody>
+            <a:bodyPr rot="0" spcFirstLastPara="0" vertOverflow="overflow" horzOverflow="overflow" vert="horz" wrap="square" lIns="91440" tIns="45720" rIns="91440" bIns="45720" numCol="1" spcCol="0" rtlCol="0" fromWordArt="0" anchor="t" anchorCtr="0" forceAA="0" compatLnSpc="1">
+              <a:prstTxWarp prst="textNoShape">
+                <a:avLst/>
+              </a:prstTxWarp>
+              <a:spAutoFit/>
+            </a:bodyPr>
+            <a:lstStyle/>
+            <a:p>
+              <a:r>
+                <a:rPr lang="en-US" sz="1600">
+                  <a:solidFill>
+                    <a:schemeClr val="bg1"/>
+                  </a:solidFill>
+                  <a:latin typeface="Arial"/>
+                  <a:cs typeface="Arial"/>
+                </a:rPr>
+                <a:t>Anna </a:t>
+              </a:r>
+              <a:r>
+                <a:rPr lang="en-US" sz="1600" err="1">
+                  <a:solidFill>
+                    <a:schemeClr val="bg1"/>
+                  </a:solidFill>
+                  <a:latin typeface="Arial"/>
+                  <a:cs typeface="Arial"/>
+                </a:rPr>
+                <a:t>Młynarczyk</a:t>
+              </a:r>
+              <a:r>
+                <a:rPr lang="en-US" sz="1600">
+                  <a:solidFill>
+                    <a:schemeClr val="bg1"/>
+                  </a:solidFill>
+                  <a:latin typeface="Arial"/>
+                  <a:cs typeface="Arial"/>
+                </a:rPr>
+                <a:t>     Agnieszka </a:t>
+              </a:r>
+              <a:r>
+                <a:rPr lang="en-US" sz="1600" err="1">
+                  <a:solidFill>
+                    <a:schemeClr val="bg1"/>
+                  </a:solidFill>
+                  <a:latin typeface="Arial"/>
+                  <a:cs typeface="Arial"/>
+                </a:rPr>
+                <a:t>Żupnik</a:t>
+              </a:r>
+              <a:r>
+                <a:rPr lang="en-US" sz="1600">
+                  <a:solidFill>
+                    <a:schemeClr val="bg1"/>
+                  </a:solidFill>
+                  <a:latin typeface="Arial"/>
+                  <a:cs typeface="Arial"/>
+                </a:rPr>
+                <a:t> </a:t>
+              </a:r>
+              <a:r>
+                <a:rPr lang="en-US" sz="2000">
+                  <a:solidFill>
+                    <a:schemeClr val="bg1"/>
+                  </a:solidFill>
+                  <a:latin typeface="Arial"/>
+                  <a:cs typeface="Arial"/>
+                </a:rPr>
+                <a:t>                     </a:t>
+              </a:r>
+              <a:r>
+                <a:rPr lang="en-US" sz="1600" err="1">
+                  <a:solidFill>
+                    <a:schemeClr val="bg1"/>
+                  </a:solidFill>
+                  <a:latin typeface="Arial"/>
+                  <a:cs typeface="Arial"/>
+                </a:rPr>
+                <a:t>Aplikacja</a:t>
+              </a:r>
+              <a:r>
+                <a:rPr lang="en-US" sz="1600">
+                  <a:solidFill>
+                    <a:schemeClr val="bg1"/>
+                  </a:solidFill>
+                  <a:latin typeface="Arial"/>
+                  <a:cs typeface="Arial"/>
+                </a:rPr>
+                <a:t> "</a:t>
+              </a:r>
+              <a:r>
+                <a:rPr lang="en-US" sz="1600" err="1">
+                  <a:solidFill>
+                    <a:schemeClr val="bg1"/>
+                  </a:solidFill>
+                  <a:latin typeface="Arial"/>
+                  <a:cs typeface="Arial"/>
+                </a:rPr>
+                <a:t>Quizlo</a:t>
+              </a:r>
+              <a:r>
+                <a:rPr lang="en-US" sz="1600">
+                  <a:solidFill>
+                    <a:schemeClr val="bg1"/>
+                  </a:solidFill>
+                  <a:latin typeface="Arial"/>
+                  <a:cs typeface="Arial"/>
+                </a:rPr>
+                <a:t>"</a:t>
+              </a:r>
+              <a:endParaRPr lang="en-US" sz="1600">
+                <a:solidFill>
+                  <a:schemeClr val="bg1"/>
+                </a:solidFill>
+              </a:endParaRPr>
+            </a:p>
+          </p:txBody>
+        </p:sp>
+        <p:sp>
+          <p:nvSpPr>
+            <p:cNvPr id="6" name="Right Triangle 5">
+              <a:extLst>
+                <a:ext uri="{FF2B5EF4-FFF2-40B4-BE49-F238E27FC236}">
+                  <a16:creationId xmlns:a16="http://schemas.microsoft.com/office/drawing/2014/main" id="{33089BEA-C3F1-48F4-9CB4-BD27040A196D}"/>
+                </a:ext>
+              </a:extLst>
+            </p:cNvPr>
+            <p:cNvSpPr/>
+            <p:nvPr/>
+          </p:nvSpPr>
+          <p:spPr bwMode="auto">
+            <a:xfrm rot="10800000">
+              <a:off x="7443863" y="7102637"/>
+              <a:ext cx="914399" cy="914399"/>
+            </a:xfrm>
+            <a:prstGeom prst="rtTriangle">
+              <a:avLst/>
+            </a:prstGeom>
+            <a:solidFill>
+              <a:schemeClr val="bg1"/>
+            </a:solidFill>
+            <a:ln w="25400" cap="flat" cmpd="sng" algn="ctr">
+              <a:noFill/>
+              <a:prstDash val="solid"/>
+              <a:round/>
+              <a:headEnd type="none" w="med" len="med"/>
+              <a:tailEnd type="none" w="med" len="med"/>
+            </a:ln>
+            <a:effectLst/>
+            <a:extLst>
+              <a:ext uri="{AF507438-7753-43E0-B8FC-AC1667EBCBE1}">
+                <a14:hiddenEffects xmlns:a14="http://schemas.microsoft.com/office/drawing/2010/main">
+                  <a:effectLst>
+                    <a:outerShdw dist="35921" dir="2700000" algn="ctr" rotWithShape="0">
+                      <a:schemeClr val="bg2"/>
+                    </a:outerShdw>
+                  </a:effectLst>
+                </a14:hiddenEffects>
+              </a:ext>
+            </a:extLst>
+          </p:spPr>
+          <p:txBody>
+            <a:bodyPr vert="horz" wrap="square" lIns="45720" tIns="45720" rIns="45720" bIns="45720" numCol="1" rtlCol="0" anchor="t" anchorCtr="0" compatLnSpc="1">
+              <a:prstTxWarp prst="textNoShape">
+                <a:avLst/>
+              </a:prstTxWarp>
+              <a:spAutoFit/>
+            </a:bodyPr>
+            <a:lstStyle/>
+            <a:p>
+              <a:pPr marL="0" marR="0" indent="0" algn="l" defTabSz="914400" rtl="0" eaLnBrk="1" fontAlgn="base" latinLnBrk="0" hangingPunct="0">
+                <a:lnSpc>
+                  <a:spcPct val="100000"/>
+                </a:lnSpc>
+                <a:spcBef>
+                  <a:spcPct val="0"/>
+                </a:spcBef>
+                <a:spcAft>
+                  <a:spcPct val="0"/>
+                </a:spcAft>
+                <a:buClrTx/>
+                <a:buSzTx/>
+                <a:buFontTx/>
+                <a:buNone/>
+                <a:tabLst/>
+              </a:pPr>
+              <a:endParaRPr kumimoji="0" lang="en-US" sz="2400" b="0" i="0" u="none" strike="noStrike" cap="none" normalizeH="0" baseline="0">
+                <a:ln>
+                  <a:noFill/>
+                </a:ln>
+                <a:solidFill>
+                  <a:srgbClr val="000000"/>
+                </a:solidFill>
+                <a:effectLst/>
+                <a:latin typeface="Arial" panose="020B0604020202020204" pitchFamily="34" charset="0"/>
+                <a:cs typeface="Arial" panose="020B0604020202020204" pitchFamily="34" charset="0"/>
+                <a:sym typeface="Arial" panose="020B0604020202020204" pitchFamily="34" charset="0"/>
+              </a:endParaRPr>
+            </a:p>
+          </p:txBody>
+        </p:sp>
+      </p:grpSp>
+      <p:sp>
+        <p:nvSpPr>
+          <p:cNvPr id="9" name="Rectangle 8">
+            <a:extLst>
+              <a:ext uri="{FF2B5EF4-FFF2-40B4-BE49-F238E27FC236}">
+                <a16:creationId xmlns:a16="http://schemas.microsoft.com/office/drawing/2014/main" id="{08E7BD74-FAB1-40E1-9ECA-32FAB0657560}"/>
+              </a:ext>
+            </a:extLst>
+          </p:cNvPr>
+          <p:cNvSpPr/>
+          <p:nvPr/>
+        </p:nvSpPr>
+        <p:spPr bwMode="auto">
+          <a:xfrm>
+            <a:off x="-1909" y="7112678"/>
+            <a:ext cx="8304181" cy="441503"/>
+          </a:xfrm>
+          <a:prstGeom prst="rect">
+            <a:avLst/>
+          </a:prstGeom>
+          <a:solidFill>
+            <a:srgbClr val="CA0000"/>
+          </a:solidFill>
+          <a:ln w="25400" cap="flat" cmpd="sng" algn="ctr">
+            <a:noFill/>
+            <a:prstDash val="solid"/>
+            <a:round/>
+            <a:headEnd type="none" w="med" len="med"/>
+            <a:tailEnd type="none" w="med" len="med"/>
+          </a:ln>
+          <a:effectLst/>
+          <a:extLst>
+            <a:ext uri="{AF507438-7753-43E0-B8FC-AC1667EBCBE1}">
+              <a14:hiddenEffects xmlns:a14="http://schemas.microsoft.com/office/drawing/2010/main">
+                <a:effectLst>
+                  <a:outerShdw dist="35921" dir="2700000" algn="ctr" rotWithShape="0">
+                    <a:schemeClr val="bg2"/>
+                  </a:outerShdw>
+                </a:effectLst>
+              </a14:hiddenEffects>
+            </a:ext>
+          </a:extLst>
+        </p:spPr>
+        <p:txBody>
+          <a:bodyPr vert="horz" wrap="square" lIns="45720" tIns="45720" rIns="45720" bIns="45720" numCol="1" rtlCol="0" anchor="t" anchorCtr="0" compatLnSpc="1">
+            <a:prstTxWarp prst="textNoShape">
+              <a:avLst/>
+            </a:prstTxWarp>
+            <a:spAutoFit/>
+          </a:bodyPr>
+          <a:lstStyle/>
+          <a:p>
+            <a:pPr marL="0" marR="0" indent="0" algn="l" defTabSz="914400" rtl="0" eaLnBrk="1" fontAlgn="base" latinLnBrk="0" hangingPunct="0">
+              <a:lnSpc>
+                <a:spcPct val="100000"/>
+              </a:lnSpc>
+              <a:spcBef>
+                <a:spcPct val="0"/>
+              </a:spcBef>
+              <a:spcAft>
+                <a:spcPct val="0"/>
+              </a:spcAft>
+              <a:buClrTx/>
+              <a:buSzTx/>
+              <a:buFontTx/>
+              <a:buNone/>
+              <a:tabLst/>
+            </a:pPr>
+            <a:endParaRPr kumimoji="0" lang="en-US" sz="2400" b="0" i="0" u="none" strike="noStrike" cap="none" normalizeH="0" baseline="0">
+              <a:ln>
+                <a:noFill/>
+              </a:ln>
+              <a:solidFill>
+                <a:srgbClr val="000000"/>
+              </a:solidFill>
+              <a:effectLst/>
+              <a:latin typeface="Arial" panose="020B0604020202020204" pitchFamily="34" charset="0"/>
+              <a:cs typeface="Arial" panose="020B0604020202020204" pitchFamily="34" charset="0"/>
+              <a:sym typeface="Arial" panose="020B0604020202020204" pitchFamily="34" charset="0"/>
+            </a:endParaRPr>
+          </a:p>
+        </p:txBody>
+      </p:sp>
+      <p:sp>
+        <p:nvSpPr>
+          <p:cNvPr id="11" name="Right Triangle 10">
+            <a:extLst>
+              <a:ext uri="{FF2B5EF4-FFF2-40B4-BE49-F238E27FC236}">
+                <a16:creationId xmlns:a16="http://schemas.microsoft.com/office/drawing/2014/main" id="{20472AD8-53C6-4C10-9D34-1AB059C444C9}"/>
+              </a:ext>
+            </a:extLst>
+          </p:cNvPr>
+          <p:cNvSpPr/>
+          <p:nvPr/>
+        </p:nvSpPr>
+        <p:spPr bwMode="auto">
+          <a:xfrm rot="10800000">
+            <a:off x="7438681" y="7107319"/>
+            <a:ext cx="914399" cy="914399"/>
+          </a:xfrm>
+          <a:prstGeom prst="rtTriangle">
+            <a:avLst/>
+          </a:prstGeom>
+          <a:solidFill>
+            <a:schemeClr val="bg1"/>
+          </a:solidFill>
+          <a:ln w="25400" cap="flat" cmpd="sng" algn="ctr">
+            <a:noFill/>
+            <a:prstDash val="solid"/>
+            <a:round/>
+            <a:headEnd type="none" w="med" len="med"/>
+            <a:tailEnd type="none" w="med" len="med"/>
+          </a:ln>
+          <a:effectLst/>
+          <a:extLst>
+            <a:ext uri="{AF507438-7753-43E0-B8FC-AC1667EBCBE1}">
+              <a14:hiddenEffects xmlns:a14="http://schemas.microsoft.com/office/drawing/2010/main">
+                <a:effectLst>
+                  <a:outerShdw dist="35921" dir="2700000" algn="ctr" rotWithShape="0">
+                    <a:schemeClr val="bg2"/>
+                  </a:outerShdw>
+                </a:effectLst>
+              </a14:hiddenEffects>
+            </a:ext>
+          </a:extLst>
+        </p:spPr>
+        <p:txBody>
+          <a:bodyPr vert="horz" wrap="square" lIns="45720" tIns="45720" rIns="45720" bIns="45720" numCol="1" rtlCol="0" anchor="t" anchorCtr="0" compatLnSpc="1">
+            <a:prstTxWarp prst="textNoShape">
+              <a:avLst/>
+            </a:prstTxWarp>
+            <a:spAutoFit/>
+          </a:bodyPr>
+          <a:lstStyle/>
+          <a:p>
+            <a:pPr marL="0" marR="0" indent="0" algn="l" defTabSz="914400" rtl="0" eaLnBrk="1" fontAlgn="base" latinLnBrk="0" hangingPunct="0">
+              <a:lnSpc>
+                <a:spcPct val="100000"/>
+              </a:lnSpc>
+              <a:spcBef>
+                <a:spcPct val="0"/>
+              </a:spcBef>
+              <a:spcAft>
+                <a:spcPct val="0"/>
+              </a:spcAft>
+              <a:buClrTx/>
+              <a:buSzTx/>
+              <a:buFontTx/>
+              <a:buNone/>
+              <a:tabLst/>
+            </a:pPr>
+            <a:endParaRPr kumimoji="0" lang="en-US" sz="2400" b="0" i="0" u="none" strike="noStrike" cap="none" normalizeH="0" baseline="0">
+              <a:ln>
+                <a:noFill/>
+              </a:ln>
+              <a:solidFill>
+                <a:srgbClr val="000000"/>
+              </a:solidFill>
+              <a:effectLst/>
+              <a:latin typeface="Arial" panose="020B0604020202020204" pitchFamily="34" charset="0"/>
+              <a:cs typeface="Arial" panose="020B0604020202020204" pitchFamily="34" charset="0"/>
+              <a:sym typeface="Arial" panose="020B0604020202020204" pitchFamily="34" charset="0"/>
+            </a:endParaRPr>
+          </a:p>
+        </p:txBody>
+      </p:sp>
+      <p:sp>
+        <p:nvSpPr>
+          <p:cNvPr id="13" name="TextBox 12">
+            <a:extLst>
+              <a:ext uri="{FF2B5EF4-FFF2-40B4-BE49-F238E27FC236}">
+                <a16:creationId xmlns:a16="http://schemas.microsoft.com/office/drawing/2014/main" id="{1F6F98B4-A291-4277-8F82-763E064CD392}"/>
+              </a:ext>
+            </a:extLst>
+          </p:cNvPr>
+          <p:cNvSpPr txBox="1"/>
+          <p:nvPr/>
+        </p:nvSpPr>
+        <p:spPr>
+          <a:xfrm>
+            <a:off x="122598" y="7139284"/>
+            <a:ext cx="8595907" cy="400110"/>
+          </a:xfrm>
+          <a:prstGeom prst="rect">
+            <a:avLst/>
+          </a:prstGeom>
+          <a:noFill/>
+          <a:ln>
+            <a:noFill/>
+          </a:ln>
+        </p:spPr>
+        <p:txBody>
+          <a:bodyPr rot="0" spcFirstLastPara="0" vertOverflow="overflow" horzOverflow="overflow" vert="horz" wrap="square" lIns="91440" tIns="45720" rIns="91440" bIns="45720" numCol="1" spcCol="0" rtlCol="0" fromWordArt="0" anchor="t" anchorCtr="0" forceAA="0" compatLnSpc="1">
+            <a:prstTxWarp prst="textNoShape">
+              <a:avLst/>
+            </a:prstTxWarp>
+            <a:spAutoFit/>
+          </a:bodyPr>
+          <a:lstStyle/>
+          <a:p>
+            <a:r>
+              <a:rPr lang="en-US" sz="1600">
+                <a:solidFill>
+                  <a:schemeClr val="bg1"/>
+                </a:solidFill>
+                <a:latin typeface="Arial"/>
+                <a:cs typeface="Arial"/>
+              </a:rPr>
+              <a:t>Anna </a:t>
+            </a:r>
+            <a:r>
+              <a:rPr lang="en-US" sz="1600" err="1">
+                <a:solidFill>
+                  <a:schemeClr val="bg1"/>
+                </a:solidFill>
+                <a:latin typeface="Arial"/>
+                <a:cs typeface="Arial"/>
+              </a:rPr>
+              <a:t>Młynarczyk</a:t>
+            </a:r>
+            <a:r>
+              <a:rPr lang="en-US" sz="1600">
+                <a:solidFill>
+                  <a:schemeClr val="bg1"/>
+                </a:solidFill>
+                <a:latin typeface="Arial"/>
+                <a:cs typeface="Arial"/>
+              </a:rPr>
+              <a:t>     Agnieszka </a:t>
+            </a:r>
+            <a:r>
+              <a:rPr lang="en-US" sz="1600" err="1">
+                <a:solidFill>
+                  <a:schemeClr val="bg1"/>
+                </a:solidFill>
+                <a:latin typeface="Arial"/>
+                <a:cs typeface="Arial"/>
+              </a:rPr>
+              <a:t>Żupnik</a:t>
+            </a:r>
+            <a:r>
+              <a:rPr lang="en-US" sz="1600">
+                <a:solidFill>
+                  <a:schemeClr val="bg1"/>
+                </a:solidFill>
+                <a:latin typeface="Arial"/>
+                <a:cs typeface="Arial"/>
+              </a:rPr>
+              <a:t> </a:t>
+            </a:r>
+            <a:r>
+              <a:rPr lang="en-US" sz="2000">
+                <a:solidFill>
+                  <a:schemeClr val="bg1"/>
+                </a:solidFill>
+                <a:latin typeface="Arial"/>
+                <a:cs typeface="Arial"/>
+              </a:rPr>
+              <a:t>                         </a:t>
+            </a:r>
+            <a:r>
+              <a:rPr lang="en-US" sz="1600" err="1">
+                <a:solidFill>
+                  <a:schemeClr val="bg1"/>
+                </a:solidFill>
+                <a:latin typeface="Arial"/>
+                <a:cs typeface="Arial"/>
+              </a:rPr>
+              <a:t>Aplikacja</a:t>
+            </a:r>
+            <a:r>
+              <a:rPr lang="en-US" sz="1600">
+                <a:solidFill>
+                  <a:schemeClr val="bg1"/>
+                </a:solidFill>
+                <a:latin typeface="Arial"/>
+                <a:cs typeface="Arial"/>
+              </a:rPr>
+              <a:t> "</a:t>
+            </a:r>
+            <a:r>
+              <a:rPr lang="en-US" sz="1600" err="1">
+                <a:solidFill>
+                  <a:schemeClr val="bg1"/>
+                </a:solidFill>
+                <a:latin typeface="Arial"/>
+                <a:cs typeface="Arial"/>
+              </a:rPr>
+              <a:t>Quizlo</a:t>
+            </a:r>
+            <a:r>
+              <a:rPr lang="en-US" sz="1600">
+                <a:solidFill>
+                  <a:schemeClr val="bg1"/>
+                </a:solidFill>
+                <a:latin typeface="Arial"/>
+                <a:cs typeface="Arial"/>
+              </a:rPr>
+              <a:t>"</a:t>
+            </a:r>
+            <a:endParaRPr lang="en-US" sz="1600">
+              <a:solidFill>
+                <a:schemeClr val="bg1"/>
+              </a:solidFill>
+            </a:endParaRPr>
+          </a:p>
+        </p:txBody>
+      </p:sp>
+      <p:pic>
+        <p:nvPicPr>
+          <p:cNvPr id="4" name="Obraz 7">
+            <a:extLst>
+              <a:ext uri="{FF2B5EF4-FFF2-40B4-BE49-F238E27FC236}">
+                <a16:creationId xmlns:a16="http://schemas.microsoft.com/office/drawing/2014/main" id="{2E25DC83-BD94-45AE-9F2B-4989258A35D6}"/>
+              </a:ext>
+            </a:extLst>
+          </p:cNvPr>
+          <p:cNvPicPr>
+            <a:picLocks noChangeAspect="1"/>
+          </p:cNvPicPr>
+          <p:nvPr/>
+        </p:nvPicPr>
+        <p:blipFill>
+          <a:blip r:embed="rId2"/>
+          <a:stretch>
+            <a:fillRect/>
+          </a:stretch>
+        </p:blipFill>
+        <p:spPr>
+          <a:xfrm>
+            <a:off x="8766039" y="4896720"/>
+            <a:ext cx="1913088" cy="1912299"/>
+          </a:xfrm>
+          <a:prstGeom prst="rect">
+            <a:avLst/>
+          </a:prstGeom>
+        </p:spPr>
+      </p:pic>
+    </p:spTree>
+    <p:extLst>
+      <p:ext uri="{BB962C8B-B14F-4D97-AF65-F5344CB8AC3E}">
+        <p14:creationId xmlns:p14="http://schemas.microsoft.com/office/powerpoint/2010/main" val="2175190791"/>
+      </p:ext>
+    </p:extLst>
+  </p:cSld>
+  <p:clrMapOvr>
+    <a:masterClrMapping/>
+  </p:clrMapOvr>
+</p:sld>
+</file>
+
+<file path=ppt/slides/slide22.xml><?xml version="1.0" encoding="utf-8"?>
+<p:sld xmlns:a="http://schemas.openxmlformats.org/drawingml/2006/main" xmlns:r="http://schemas.openxmlformats.org/officeDocument/2006/relationships" xmlns:p="http://schemas.openxmlformats.org/presentationml/2006/main">
+  <p:cSld>
+    <p:spTree>
+      <p:nvGrpSpPr>
+        <p:cNvPr id="1" name=""/>
+        <p:cNvGrpSpPr/>
+        <p:nvPr/>
+      </p:nvGrpSpPr>
+      <p:grpSpPr>
+        <a:xfrm>
+          <a:off x="0" y="0"/>
+          <a:ext cx="0" cy="0"/>
+          <a:chOff x="0" y="0"/>
+          <a:chExt cx="0" cy="0"/>
+        </a:xfrm>
+      </p:grpSpPr>
+      <p:sp>
+        <p:nvSpPr>
+          <p:cNvPr id="2" name="Title 1">
+            <a:extLst>
+              <a:ext uri="{FF2B5EF4-FFF2-40B4-BE49-F238E27FC236}">
+                <a16:creationId xmlns:a16="http://schemas.microsoft.com/office/drawing/2014/main" id="{5DFDA20B-FEEB-4376-BB6F-422DE1487D30}"/>
+              </a:ext>
+            </a:extLst>
+          </p:cNvPr>
+          <p:cNvSpPr>
+            <a:spLocks noGrp="1"/>
+          </p:cNvSpPr>
+          <p:nvPr>
+            <p:ph type="title"/>
+          </p:nvPr>
+        </p:nvSpPr>
+        <p:spPr>
+          <a:xfrm>
+            <a:off x="740437" y="793755"/>
+            <a:ext cx="9210675" cy="1460500"/>
+          </a:xfrm>
+        </p:spPr>
+        <p:txBody>
+          <a:bodyPr lIns="91440" tIns="45720" rIns="91440" bIns="45720" anchor="t"/>
+          <a:lstStyle/>
+          <a:p>
+            <a:r>
+              <a:rPr lang="en-US"/>
+              <a:t>JSON - Przykład</a:t>
+            </a:r>
+            <a:endParaRPr lang="pl-PL"/>
+          </a:p>
+        </p:txBody>
+      </p:sp>
+      <p:sp>
+        <p:nvSpPr>
+          <p:cNvPr id="3" name="Content Placeholder 2">
+            <a:extLst>
+              <a:ext uri="{FF2B5EF4-FFF2-40B4-BE49-F238E27FC236}">
+                <a16:creationId xmlns:a16="http://schemas.microsoft.com/office/drawing/2014/main" id="{7E4947CF-C8D7-434C-8030-67971600F5D3}"/>
+              </a:ext>
+            </a:extLst>
+          </p:cNvPr>
+          <p:cNvSpPr>
+            <a:spLocks noGrp="1"/>
+          </p:cNvSpPr>
+          <p:nvPr>
+            <p:ph idx="1"/>
+          </p:nvPr>
+        </p:nvSpPr>
+        <p:spPr/>
+        <p:txBody>
+          <a:bodyPr lIns="91440" tIns="45720" rIns="91440" bIns="45720" anchor="t"/>
+          <a:lstStyle/>
+          <a:p>
+            <a:pPr marL="0" indent="0">
+              <a:buNone/>
+            </a:pPr>
+            <a:endParaRPr lang="en-US" sz="2000"/>
+          </a:p>
+          <a:p>
+            <a:pPr>
+              <a:buNone/>
+            </a:pPr>
+            <a:endParaRPr lang="en-US" sz="2000">
+              <a:latin typeface="Arial"/>
+            </a:endParaRPr>
+          </a:p>
+          <a:p>
+            <a:pPr marL="0" indent="0">
+              <a:buNone/>
+            </a:pPr>
+            <a:endParaRPr lang="en-US" sz="2000">
+              <a:latin typeface="Arial"/>
+            </a:endParaRPr>
+          </a:p>
+        </p:txBody>
+      </p:sp>
+      <p:grpSp>
+        <p:nvGrpSpPr>
+          <p:cNvPr id="7" name="Group 6">
+            <a:extLst>
+              <a:ext uri="{FF2B5EF4-FFF2-40B4-BE49-F238E27FC236}">
+                <a16:creationId xmlns:a16="http://schemas.microsoft.com/office/drawing/2014/main" id="{74A4AA28-0714-4D03-91F0-14153BE5E670}"/>
+              </a:ext>
+            </a:extLst>
+          </p:cNvPr>
+          <p:cNvGrpSpPr/>
+          <p:nvPr/>
+        </p:nvGrpSpPr>
+        <p:grpSpPr>
+          <a:xfrm>
+            <a:off x="53655" y="7102637"/>
+            <a:ext cx="8595907" cy="914399"/>
+            <a:chOff x="53655" y="7102637"/>
+            <a:chExt cx="8595907" cy="914399"/>
+          </a:xfrm>
+        </p:grpSpPr>
+        <p:sp>
+          <p:nvSpPr>
+            <p:cNvPr id="5" name="TextBox 4">
+              <a:extLst>
+                <a:ext uri="{FF2B5EF4-FFF2-40B4-BE49-F238E27FC236}">
+                  <a16:creationId xmlns:a16="http://schemas.microsoft.com/office/drawing/2014/main" id="{BFB7A66C-EAD8-4E6F-B3E9-F9D5410146C6}"/>
+                </a:ext>
+              </a:extLst>
+            </p:cNvPr>
+            <p:cNvSpPr txBox="1"/>
+            <p:nvPr/>
+          </p:nvSpPr>
+          <p:spPr>
+            <a:xfrm>
+              <a:off x="53655" y="7158980"/>
+              <a:ext cx="8595907" cy="400110"/>
+            </a:xfrm>
+            <a:prstGeom prst="rect">
+              <a:avLst/>
+            </a:prstGeom>
+            <a:noFill/>
+            <a:ln>
+              <a:noFill/>
+            </a:ln>
+          </p:spPr>
+          <p:txBody>
+            <a:bodyPr rot="0" spcFirstLastPara="0" vertOverflow="overflow" horzOverflow="overflow" vert="horz" wrap="square" lIns="91440" tIns="45720" rIns="91440" bIns="45720" numCol="1" spcCol="0" rtlCol="0" fromWordArt="0" anchor="t" anchorCtr="0" forceAA="0" compatLnSpc="1">
+              <a:prstTxWarp prst="textNoShape">
+                <a:avLst/>
+              </a:prstTxWarp>
+              <a:spAutoFit/>
+            </a:bodyPr>
+            <a:lstStyle/>
+            <a:p>
+              <a:r>
+                <a:rPr lang="en-US" sz="1600">
+                  <a:solidFill>
+                    <a:schemeClr val="bg1"/>
+                  </a:solidFill>
+                  <a:latin typeface="Arial"/>
+                  <a:cs typeface="Arial"/>
+                </a:rPr>
+                <a:t>Anna </a:t>
+              </a:r>
+              <a:r>
+                <a:rPr lang="en-US" sz="1600" err="1">
+                  <a:solidFill>
+                    <a:schemeClr val="bg1"/>
+                  </a:solidFill>
+                  <a:latin typeface="Arial"/>
+                  <a:cs typeface="Arial"/>
+                </a:rPr>
+                <a:t>Młynarczyk</a:t>
+              </a:r>
+              <a:r>
+                <a:rPr lang="en-US" sz="1600">
+                  <a:solidFill>
+                    <a:schemeClr val="bg1"/>
+                  </a:solidFill>
+                  <a:latin typeface="Arial"/>
+                  <a:cs typeface="Arial"/>
+                </a:rPr>
+                <a:t>     Agnieszka </a:t>
+              </a:r>
+              <a:r>
+                <a:rPr lang="en-US" sz="1600" err="1">
+                  <a:solidFill>
+                    <a:schemeClr val="bg1"/>
+                  </a:solidFill>
+                  <a:latin typeface="Arial"/>
+                  <a:cs typeface="Arial"/>
+                </a:rPr>
+                <a:t>Żupnik</a:t>
+              </a:r>
+              <a:r>
+                <a:rPr lang="en-US" sz="1600">
+                  <a:solidFill>
+                    <a:schemeClr val="bg1"/>
+                  </a:solidFill>
+                  <a:latin typeface="Arial"/>
+                  <a:cs typeface="Arial"/>
+                </a:rPr>
+                <a:t> </a:t>
+              </a:r>
+              <a:r>
+                <a:rPr lang="en-US" sz="2000">
+                  <a:solidFill>
+                    <a:schemeClr val="bg1"/>
+                  </a:solidFill>
+                  <a:latin typeface="Arial"/>
+                  <a:cs typeface="Arial"/>
+                </a:rPr>
+                <a:t>                     </a:t>
+              </a:r>
+              <a:r>
+                <a:rPr lang="en-US" sz="1600" err="1">
+                  <a:solidFill>
+                    <a:schemeClr val="bg1"/>
+                  </a:solidFill>
+                  <a:latin typeface="Arial"/>
+                  <a:cs typeface="Arial"/>
+                </a:rPr>
+                <a:t>Aplikacja</a:t>
+              </a:r>
+              <a:r>
+                <a:rPr lang="en-US" sz="1600">
+                  <a:solidFill>
+                    <a:schemeClr val="bg1"/>
+                  </a:solidFill>
+                  <a:latin typeface="Arial"/>
+                  <a:cs typeface="Arial"/>
+                </a:rPr>
+                <a:t> "</a:t>
+              </a:r>
+              <a:r>
+                <a:rPr lang="en-US" sz="1600" err="1">
+                  <a:solidFill>
+                    <a:schemeClr val="bg1"/>
+                  </a:solidFill>
+                  <a:latin typeface="Arial"/>
+                  <a:cs typeface="Arial"/>
+                </a:rPr>
+                <a:t>Quizlo</a:t>
+              </a:r>
+              <a:r>
+                <a:rPr lang="en-US" sz="1600">
+                  <a:solidFill>
+                    <a:schemeClr val="bg1"/>
+                  </a:solidFill>
+                  <a:latin typeface="Arial"/>
+                  <a:cs typeface="Arial"/>
+                </a:rPr>
+                <a:t>"</a:t>
+              </a:r>
+              <a:endParaRPr lang="en-US" sz="1600">
+                <a:solidFill>
+                  <a:schemeClr val="bg1"/>
+                </a:solidFill>
+              </a:endParaRPr>
+            </a:p>
+          </p:txBody>
+        </p:sp>
+        <p:sp>
+          <p:nvSpPr>
+            <p:cNvPr id="6" name="Right Triangle 5">
+              <a:extLst>
+                <a:ext uri="{FF2B5EF4-FFF2-40B4-BE49-F238E27FC236}">
+                  <a16:creationId xmlns:a16="http://schemas.microsoft.com/office/drawing/2014/main" id="{33089BEA-C3F1-48F4-9CB4-BD27040A196D}"/>
+                </a:ext>
+              </a:extLst>
+            </p:cNvPr>
+            <p:cNvSpPr/>
+            <p:nvPr/>
+          </p:nvSpPr>
+          <p:spPr bwMode="auto">
+            <a:xfrm rot="10800000">
+              <a:off x="7443863" y="7102637"/>
+              <a:ext cx="914399" cy="914399"/>
+            </a:xfrm>
+            <a:prstGeom prst="rtTriangle">
+              <a:avLst/>
+            </a:prstGeom>
+            <a:solidFill>
+              <a:schemeClr val="bg1"/>
+            </a:solidFill>
+            <a:ln w="25400" cap="flat" cmpd="sng" algn="ctr">
+              <a:noFill/>
+              <a:prstDash val="solid"/>
+              <a:round/>
+              <a:headEnd type="none" w="med" len="med"/>
+              <a:tailEnd type="none" w="med" len="med"/>
+            </a:ln>
+            <a:effectLst/>
+            <a:extLst>
+              <a:ext uri="{AF507438-7753-43E0-B8FC-AC1667EBCBE1}">
+                <a14:hiddenEffects xmlns:a14="http://schemas.microsoft.com/office/drawing/2010/main">
+                  <a:effectLst>
+                    <a:outerShdw dist="35921" dir="2700000" algn="ctr" rotWithShape="0">
+                      <a:schemeClr val="bg2"/>
+                    </a:outerShdw>
+                  </a:effectLst>
+                </a14:hiddenEffects>
+              </a:ext>
+            </a:extLst>
+          </p:spPr>
+          <p:txBody>
+            <a:bodyPr vert="horz" wrap="square" lIns="45720" tIns="45720" rIns="45720" bIns="45720" numCol="1" rtlCol="0" anchor="t" anchorCtr="0" compatLnSpc="1">
+              <a:prstTxWarp prst="textNoShape">
+                <a:avLst/>
+              </a:prstTxWarp>
+              <a:spAutoFit/>
+            </a:bodyPr>
+            <a:lstStyle/>
+            <a:p>
+              <a:pPr marL="0" marR="0" indent="0" algn="l" defTabSz="914400" rtl="0" eaLnBrk="1" fontAlgn="base" latinLnBrk="0" hangingPunct="0">
+                <a:lnSpc>
+                  <a:spcPct val="100000"/>
+                </a:lnSpc>
+                <a:spcBef>
+                  <a:spcPct val="0"/>
+                </a:spcBef>
+                <a:spcAft>
+                  <a:spcPct val="0"/>
+                </a:spcAft>
+                <a:buClrTx/>
+                <a:buSzTx/>
+                <a:buFontTx/>
+                <a:buNone/>
+                <a:tabLst/>
+              </a:pPr>
+              <a:endParaRPr kumimoji="0" lang="en-US" sz="2400" b="0" i="0" u="none" strike="noStrike" cap="none" normalizeH="0" baseline="0">
+                <a:ln>
+                  <a:noFill/>
+                </a:ln>
+                <a:solidFill>
+                  <a:srgbClr val="000000"/>
+                </a:solidFill>
+                <a:effectLst/>
+                <a:latin typeface="Arial" panose="020B0604020202020204" pitchFamily="34" charset="0"/>
+                <a:cs typeface="Arial" panose="020B0604020202020204" pitchFamily="34" charset="0"/>
+                <a:sym typeface="Arial" panose="020B0604020202020204" pitchFamily="34" charset="0"/>
+              </a:endParaRPr>
+            </a:p>
+          </p:txBody>
+        </p:sp>
+      </p:grpSp>
+      <p:sp>
+        <p:nvSpPr>
+          <p:cNvPr id="9" name="Rectangle 8">
+            <a:extLst>
+              <a:ext uri="{FF2B5EF4-FFF2-40B4-BE49-F238E27FC236}">
+                <a16:creationId xmlns:a16="http://schemas.microsoft.com/office/drawing/2014/main" id="{08E7BD74-FAB1-40E1-9ECA-32FAB0657560}"/>
+              </a:ext>
+            </a:extLst>
+          </p:cNvPr>
+          <p:cNvSpPr/>
+          <p:nvPr/>
+        </p:nvSpPr>
+        <p:spPr bwMode="auto">
+          <a:xfrm>
+            <a:off x="-1909" y="7112678"/>
+            <a:ext cx="8304181" cy="441503"/>
+          </a:xfrm>
+          <a:prstGeom prst="rect">
+            <a:avLst/>
+          </a:prstGeom>
+          <a:solidFill>
+            <a:srgbClr val="CA0000"/>
+          </a:solidFill>
+          <a:ln w="25400" cap="flat" cmpd="sng" algn="ctr">
+            <a:noFill/>
+            <a:prstDash val="solid"/>
+            <a:round/>
+            <a:headEnd type="none" w="med" len="med"/>
+            <a:tailEnd type="none" w="med" len="med"/>
+          </a:ln>
+          <a:effectLst/>
+          <a:extLst>
+            <a:ext uri="{AF507438-7753-43E0-B8FC-AC1667EBCBE1}">
+              <a14:hiddenEffects xmlns:a14="http://schemas.microsoft.com/office/drawing/2010/main">
+                <a:effectLst>
+                  <a:outerShdw dist="35921" dir="2700000" algn="ctr" rotWithShape="0">
+                    <a:schemeClr val="bg2"/>
+                  </a:outerShdw>
+                </a:effectLst>
+              </a14:hiddenEffects>
+            </a:ext>
+          </a:extLst>
+        </p:spPr>
+        <p:txBody>
+          <a:bodyPr vert="horz" wrap="square" lIns="45720" tIns="45720" rIns="45720" bIns="45720" numCol="1" rtlCol="0" anchor="t" anchorCtr="0" compatLnSpc="1">
+            <a:prstTxWarp prst="textNoShape">
+              <a:avLst/>
+            </a:prstTxWarp>
+            <a:spAutoFit/>
+          </a:bodyPr>
+          <a:lstStyle/>
+          <a:p>
+            <a:pPr marL="0" marR="0" indent="0" algn="l" defTabSz="914400" rtl="0" eaLnBrk="1" fontAlgn="base" latinLnBrk="0" hangingPunct="0">
+              <a:lnSpc>
+                <a:spcPct val="100000"/>
+              </a:lnSpc>
+              <a:spcBef>
+                <a:spcPct val="0"/>
+              </a:spcBef>
+              <a:spcAft>
+                <a:spcPct val="0"/>
+              </a:spcAft>
+              <a:buClrTx/>
+              <a:buSzTx/>
+              <a:buFontTx/>
+              <a:buNone/>
+              <a:tabLst/>
+            </a:pPr>
+            <a:endParaRPr kumimoji="0" lang="en-US" sz="2400" b="0" i="0" u="none" strike="noStrike" cap="none" normalizeH="0" baseline="0">
+              <a:ln>
+                <a:noFill/>
+              </a:ln>
+              <a:solidFill>
+                <a:srgbClr val="000000"/>
+              </a:solidFill>
+              <a:effectLst/>
+              <a:latin typeface="Arial" panose="020B0604020202020204" pitchFamily="34" charset="0"/>
+              <a:cs typeface="Arial" panose="020B0604020202020204" pitchFamily="34" charset="0"/>
+              <a:sym typeface="Arial" panose="020B0604020202020204" pitchFamily="34" charset="0"/>
+            </a:endParaRPr>
+          </a:p>
+        </p:txBody>
+      </p:sp>
+      <p:sp>
+        <p:nvSpPr>
+          <p:cNvPr id="11" name="Right Triangle 10">
+            <a:extLst>
+              <a:ext uri="{FF2B5EF4-FFF2-40B4-BE49-F238E27FC236}">
+                <a16:creationId xmlns:a16="http://schemas.microsoft.com/office/drawing/2014/main" id="{20472AD8-53C6-4C10-9D34-1AB059C444C9}"/>
+              </a:ext>
+            </a:extLst>
+          </p:cNvPr>
+          <p:cNvSpPr/>
+          <p:nvPr/>
+        </p:nvSpPr>
+        <p:spPr bwMode="auto">
+          <a:xfrm rot="10800000">
+            <a:off x="7438681" y="7107319"/>
+            <a:ext cx="914399" cy="914399"/>
+          </a:xfrm>
+          <a:prstGeom prst="rtTriangle">
+            <a:avLst/>
+          </a:prstGeom>
+          <a:solidFill>
+            <a:schemeClr val="bg1"/>
+          </a:solidFill>
+          <a:ln w="25400" cap="flat" cmpd="sng" algn="ctr">
+            <a:noFill/>
+            <a:prstDash val="solid"/>
+            <a:round/>
+            <a:headEnd type="none" w="med" len="med"/>
+            <a:tailEnd type="none" w="med" len="med"/>
+          </a:ln>
+          <a:effectLst/>
+          <a:extLst>
+            <a:ext uri="{AF507438-7753-43E0-B8FC-AC1667EBCBE1}">
+              <a14:hiddenEffects xmlns:a14="http://schemas.microsoft.com/office/drawing/2010/main">
+                <a:effectLst>
+                  <a:outerShdw dist="35921" dir="2700000" algn="ctr" rotWithShape="0">
+                    <a:schemeClr val="bg2"/>
+                  </a:outerShdw>
+                </a:effectLst>
+              </a14:hiddenEffects>
+            </a:ext>
+          </a:extLst>
+        </p:spPr>
+        <p:txBody>
+          <a:bodyPr vert="horz" wrap="square" lIns="45720" tIns="45720" rIns="45720" bIns="45720" numCol="1" rtlCol="0" anchor="t" anchorCtr="0" compatLnSpc="1">
+            <a:prstTxWarp prst="textNoShape">
+              <a:avLst/>
+            </a:prstTxWarp>
+            <a:spAutoFit/>
+          </a:bodyPr>
+          <a:lstStyle/>
+          <a:p>
+            <a:pPr marL="0" marR="0" indent="0" algn="l" defTabSz="914400" rtl="0" eaLnBrk="1" fontAlgn="base" latinLnBrk="0" hangingPunct="0">
+              <a:lnSpc>
+                <a:spcPct val="100000"/>
+              </a:lnSpc>
+              <a:spcBef>
+                <a:spcPct val="0"/>
+              </a:spcBef>
+              <a:spcAft>
+                <a:spcPct val="0"/>
+              </a:spcAft>
+              <a:buClrTx/>
+              <a:buSzTx/>
+              <a:buFontTx/>
+              <a:buNone/>
+              <a:tabLst/>
+            </a:pPr>
+            <a:endParaRPr kumimoji="0" lang="en-US" sz="2400" b="0" i="0" u="none" strike="noStrike" cap="none" normalizeH="0" baseline="0">
+              <a:ln>
+                <a:noFill/>
+              </a:ln>
+              <a:solidFill>
+                <a:srgbClr val="000000"/>
+              </a:solidFill>
+              <a:effectLst/>
+              <a:latin typeface="Arial" panose="020B0604020202020204" pitchFamily="34" charset="0"/>
+              <a:cs typeface="Arial" panose="020B0604020202020204" pitchFamily="34" charset="0"/>
+              <a:sym typeface="Arial" panose="020B0604020202020204" pitchFamily="34" charset="0"/>
+            </a:endParaRPr>
+          </a:p>
+        </p:txBody>
+      </p:sp>
+      <p:sp>
+        <p:nvSpPr>
+          <p:cNvPr id="13" name="TextBox 12">
+            <a:extLst>
+              <a:ext uri="{FF2B5EF4-FFF2-40B4-BE49-F238E27FC236}">
+                <a16:creationId xmlns:a16="http://schemas.microsoft.com/office/drawing/2014/main" id="{1F6F98B4-A291-4277-8F82-763E064CD392}"/>
+              </a:ext>
+            </a:extLst>
+          </p:cNvPr>
+          <p:cNvSpPr txBox="1"/>
+          <p:nvPr/>
+        </p:nvSpPr>
+        <p:spPr>
+          <a:xfrm>
+            <a:off x="122598" y="7139284"/>
+            <a:ext cx="8595907" cy="400110"/>
+          </a:xfrm>
+          <a:prstGeom prst="rect">
+            <a:avLst/>
+          </a:prstGeom>
+          <a:noFill/>
+          <a:ln>
+            <a:noFill/>
+          </a:ln>
+        </p:spPr>
+        <p:txBody>
+          <a:bodyPr rot="0" spcFirstLastPara="0" vertOverflow="overflow" horzOverflow="overflow" vert="horz" wrap="square" lIns="91440" tIns="45720" rIns="91440" bIns="45720" numCol="1" spcCol="0" rtlCol="0" fromWordArt="0" anchor="t" anchorCtr="0" forceAA="0" compatLnSpc="1">
+            <a:prstTxWarp prst="textNoShape">
+              <a:avLst/>
+            </a:prstTxWarp>
+            <a:spAutoFit/>
+          </a:bodyPr>
+          <a:lstStyle/>
+          <a:p>
+            <a:r>
+              <a:rPr lang="en-US" sz="1600">
+                <a:solidFill>
+                  <a:schemeClr val="bg1"/>
+                </a:solidFill>
+                <a:latin typeface="Arial"/>
+                <a:cs typeface="Arial"/>
+              </a:rPr>
+              <a:t>Anna </a:t>
+            </a:r>
+            <a:r>
+              <a:rPr lang="en-US" sz="1600" err="1">
+                <a:solidFill>
+                  <a:schemeClr val="bg1"/>
+                </a:solidFill>
+                <a:latin typeface="Arial"/>
+                <a:cs typeface="Arial"/>
+              </a:rPr>
+              <a:t>Młynarczyk</a:t>
+            </a:r>
+            <a:r>
+              <a:rPr lang="en-US" sz="1600">
+                <a:solidFill>
+                  <a:schemeClr val="bg1"/>
+                </a:solidFill>
+                <a:latin typeface="Arial"/>
+                <a:cs typeface="Arial"/>
+              </a:rPr>
+              <a:t>     Agnieszka </a:t>
+            </a:r>
+            <a:r>
+              <a:rPr lang="en-US" sz="1600" err="1">
+                <a:solidFill>
+                  <a:schemeClr val="bg1"/>
+                </a:solidFill>
+                <a:latin typeface="Arial"/>
+                <a:cs typeface="Arial"/>
+              </a:rPr>
+              <a:t>Żupnik</a:t>
+            </a:r>
+            <a:r>
+              <a:rPr lang="en-US" sz="1600">
+                <a:solidFill>
+                  <a:schemeClr val="bg1"/>
+                </a:solidFill>
+                <a:latin typeface="Arial"/>
+                <a:cs typeface="Arial"/>
+              </a:rPr>
+              <a:t> </a:t>
+            </a:r>
+            <a:r>
+              <a:rPr lang="en-US" sz="2000">
+                <a:solidFill>
+                  <a:schemeClr val="bg1"/>
+                </a:solidFill>
+                <a:latin typeface="Arial"/>
+                <a:cs typeface="Arial"/>
+              </a:rPr>
+              <a:t>                         </a:t>
+            </a:r>
+            <a:r>
+              <a:rPr lang="en-US" sz="1600" err="1">
+                <a:solidFill>
+                  <a:schemeClr val="bg1"/>
+                </a:solidFill>
+                <a:latin typeface="Arial"/>
+                <a:cs typeface="Arial"/>
+              </a:rPr>
+              <a:t>Aplikacja</a:t>
+            </a:r>
+            <a:r>
+              <a:rPr lang="en-US" sz="1600">
+                <a:solidFill>
+                  <a:schemeClr val="bg1"/>
+                </a:solidFill>
+                <a:latin typeface="Arial"/>
+                <a:cs typeface="Arial"/>
+              </a:rPr>
+              <a:t> "</a:t>
+            </a:r>
+            <a:r>
+              <a:rPr lang="en-US" sz="1600" err="1">
+                <a:solidFill>
+                  <a:schemeClr val="bg1"/>
+                </a:solidFill>
+                <a:latin typeface="Arial"/>
+                <a:cs typeface="Arial"/>
+              </a:rPr>
+              <a:t>Quizlo</a:t>
+            </a:r>
+            <a:r>
+              <a:rPr lang="en-US" sz="1600">
+                <a:solidFill>
+                  <a:schemeClr val="bg1"/>
+                </a:solidFill>
+                <a:latin typeface="Arial"/>
+                <a:cs typeface="Arial"/>
+              </a:rPr>
+              <a:t>"</a:t>
+            </a:r>
+            <a:endParaRPr lang="en-US" sz="1600">
+              <a:solidFill>
+                <a:schemeClr val="bg1"/>
+              </a:solidFill>
+            </a:endParaRPr>
+          </a:p>
+        </p:txBody>
+      </p:sp>
+      <p:pic>
+        <p:nvPicPr>
+          <p:cNvPr id="4" name="Obraz 7">
+            <a:extLst>
+              <a:ext uri="{FF2B5EF4-FFF2-40B4-BE49-F238E27FC236}">
+                <a16:creationId xmlns:a16="http://schemas.microsoft.com/office/drawing/2014/main" id="{2E25DC83-BD94-45AE-9F2B-4989258A35D6}"/>
+              </a:ext>
+            </a:extLst>
+          </p:cNvPr>
+          <p:cNvPicPr>
+            <a:picLocks noChangeAspect="1"/>
+          </p:cNvPicPr>
+          <p:nvPr/>
+        </p:nvPicPr>
+        <p:blipFill>
+          <a:blip r:embed="rId2"/>
+          <a:stretch>
+            <a:fillRect/>
+          </a:stretch>
+        </p:blipFill>
+        <p:spPr>
+          <a:xfrm>
+            <a:off x="8766039" y="4896720"/>
+            <a:ext cx="1913088" cy="1912299"/>
+          </a:xfrm>
+          <a:prstGeom prst="rect">
+            <a:avLst/>
+          </a:prstGeom>
+        </p:spPr>
+      </p:pic>
+      <p:pic>
+        <p:nvPicPr>
+          <p:cNvPr id="8" name="Obraz 9" descr="Obraz zawierający tekst&#10;&#10;Opis wygenerowany automatycznie">
+            <a:extLst>
+              <a:ext uri="{FF2B5EF4-FFF2-40B4-BE49-F238E27FC236}">
+                <a16:creationId xmlns:a16="http://schemas.microsoft.com/office/drawing/2014/main" id="{50637B4B-F687-46EE-AF73-2698650B3DF2}"/>
+              </a:ext>
+            </a:extLst>
+          </p:cNvPr>
+          <p:cNvPicPr>
+            <a:picLocks noChangeAspect="1"/>
+          </p:cNvPicPr>
+          <p:nvPr/>
+        </p:nvPicPr>
+        <p:blipFill>
+          <a:blip r:embed="rId3"/>
+          <a:stretch>
+            <a:fillRect/>
+          </a:stretch>
+        </p:blipFill>
+        <p:spPr>
+          <a:xfrm>
+            <a:off x="2416750" y="2134944"/>
+            <a:ext cx="6226145" cy="3127467"/>
+          </a:xfrm>
+          <a:prstGeom prst="rect">
+            <a:avLst/>
+          </a:prstGeom>
+        </p:spPr>
+      </p:pic>
+    </p:spTree>
+    <p:extLst>
+      <p:ext uri="{BB962C8B-B14F-4D97-AF65-F5344CB8AC3E}">
+        <p14:creationId xmlns:p14="http://schemas.microsoft.com/office/powerpoint/2010/main" val="3401474937"/>
+      </p:ext>
+    </p:extLst>
+  </p:cSld>
+  <p:clrMapOvr>
+    <a:masterClrMapping/>
+  </p:clrMapOvr>
+</p:sld>
+</file>
+
+<file path=ppt/slides/slide23.xml><?xml version="1.0" encoding="utf-8"?>
+<p:sld xmlns:a="http://schemas.openxmlformats.org/drawingml/2006/main" xmlns:r="http://schemas.openxmlformats.org/officeDocument/2006/relationships" xmlns:p="http://schemas.openxmlformats.org/presentationml/2006/main">
+  <p:cSld>
+    <p:spTree>
+      <p:nvGrpSpPr>
+        <p:cNvPr id="1" name=""/>
+        <p:cNvGrpSpPr/>
+        <p:nvPr/>
+      </p:nvGrpSpPr>
+      <p:grpSpPr>
+        <a:xfrm>
+          <a:off x="0" y="0"/>
+          <a:ext cx="0" cy="0"/>
+          <a:chOff x="0" y="0"/>
+          <a:chExt cx="0" cy="0"/>
+        </a:xfrm>
+      </p:grpSpPr>
+      <p:sp>
+        <p:nvSpPr>
+          <p:cNvPr id="2" name="Title 1">
+            <a:extLst>
+              <a:ext uri="{FF2B5EF4-FFF2-40B4-BE49-F238E27FC236}">
+                <a16:creationId xmlns:a16="http://schemas.microsoft.com/office/drawing/2014/main" id="{5DFDA20B-FEEB-4376-BB6F-422DE1487D30}"/>
+              </a:ext>
+            </a:extLst>
+          </p:cNvPr>
+          <p:cNvSpPr>
+            <a:spLocks noGrp="1"/>
+          </p:cNvSpPr>
+          <p:nvPr>
+            <p:ph type="title"/>
+          </p:nvPr>
+        </p:nvSpPr>
+        <p:spPr>
+          <a:xfrm>
+            <a:off x="646373" y="825097"/>
+            <a:ext cx="9210675" cy="1460500"/>
+          </a:xfrm>
+        </p:spPr>
+        <p:txBody>
+          <a:bodyPr lIns="91440" tIns="45720" rIns="91440" bIns="45720" anchor="t"/>
+          <a:lstStyle/>
+          <a:p>
+            <a:r>
+              <a:rPr lang="en-US" err="1"/>
+              <a:t>Bibliografia</a:t>
+            </a:r>
+          </a:p>
+        </p:txBody>
+      </p:sp>
+      <p:sp>
+        <p:nvSpPr>
+          <p:cNvPr id="3" name="Content Placeholder 2">
+            <a:extLst>
+              <a:ext uri="{FF2B5EF4-FFF2-40B4-BE49-F238E27FC236}">
+                <a16:creationId xmlns:a16="http://schemas.microsoft.com/office/drawing/2014/main" id="{7E4947CF-C8D7-434C-8030-67971600F5D3}"/>
+              </a:ext>
+            </a:extLst>
+          </p:cNvPr>
+          <p:cNvSpPr>
+            <a:spLocks noGrp="1"/>
+          </p:cNvSpPr>
+          <p:nvPr>
+            <p:ph idx="1"/>
+          </p:nvPr>
+        </p:nvSpPr>
+        <p:spPr/>
+        <p:txBody>
+          <a:bodyPr lIns="91440" tIns="45720" rIns="91440" bIns="45720" anchor="t"/>
+          <a:lstStyle/>
+          <a:p>
+            <a:pPr marL="0" indent="0">
+              <a:buNone/>
+            </a:pPr>
+            <a:r>
+              <a:rPr lang="en-US" sz="2000" err="1"/>
+              <a:t>Czasomierz</a:t>
+            </a:r>
+            <a:r>
+              <a:rPr lang="en-US" sz="2000"/>
+              <a:t>:</a:t>
+            </a:r>
+          </a:p>
+          <a:p>
+            <a:pPr marL="342900" indent="-342900">
+              <a:buFont typeface="Arial"/>
+              <a:buChar char="»"/>
+            </a:pPr>
+            <a:r>
+              <a:rPr lang="en-US" sz="2000">
+                <a:ea typeface="+mn-lt"/>
+                <a:cs typeface="+mn-lt"/>
+              </a:rPr>
+              <a:t>https://stackoverflow.com/questions/29081567/how-can-i-get-this-code-for-a-gui-countdown-timer-to-work-properly</a:t>
+            </a:r>
+            <a:endParaRPr lang="en-US" sz="2000"/>
+          </a:p>
+          <a:p>
+            <a:pPr marL="0" indent="0">
+              <a:buNone/>
+            </a:pPr>
+            <a:endParaRPr lang="en-US" sz="2000"/>
+          </a:p>
+          <a:p>
+            <a:pPr marL="0" indent="0">
+              <a:buNone/>
+            </a:pPr>
+            <a:r>
+              <a:rPr lang="en-US" sz="2000" err="1"/>
+              <a:t>Zapisywanie</a:t>
+            </a:r>
+            <a:r>
+              <a:rPr lang="en-US" sz="2000"/>
+              <a:t> </a:t>
+            </a:r>
+            <a:r>
+              <a:rPr lang="en-US" sz="2000" err="1"/>
+              <a:t>i</a:t>
+            </a:r>
+            <a:r>
+              <a:rPr lang="en-US" sz="2000"/>
+              <a:t> </a:t>
+            </a:r>
+            <a:r>
+              <a:rPr lang="en-US" sz="2000" err="1"/>
+              <a:t>odczytywanie</a:t>
+            </a:r>
+            <a:r>
+              <a:rPr lang="en-US" sz="2000"/>
+              <a:t> z </a:t>
+            </a:r>
+            <a:r>
+              <a:rPr lang="en-US" sz="2000" err="1"/>
+              <a:t>pliku</a:t>
+            </a:r>
+            <a:r>
+              <a:rPr lang="en-US" sz="2000"/>
+              <a:t>:</a:t>
+            </a:r>
+          </a:p>
+          <a:p>
+            <a:pPr marL="342900" indent="-342900">
+              <a:buFont typeface="Arial"/>
+              <a:buChar char="»"/>
+            </a:pPr>
+            <a:r>
+              <a:rPr lang="en-US" sz="2000">
+                <a:ea typeface="+mn-lt"/>
+                <a:cs typeface="+mn-lt"/>
+              </a:rPr>
+              <a:t>https://stackoverflow.com/questions/5343689/java-reading-a-file-into-an-arraylist</a:t>
+            </a:r>
+            <a:endParaRPr lang="en-US" sz="2000"/>
+          </a:p>
+          <a:p>
+            <a:pPr marL="342900" indent="-342900">
+              <a:buFont typeface="Arial"/>
+              <a:buChar char="»"/>
+            </a:pPr>
+            <a:r>
+              <a:rPr lang="en-US" sz="2000">
+                <a:ea typeface="+mn-lt"/>
+                <a:cs typeface="+mn-lt"/>
+              </a:rPr>
+              <a:t>https://stackoverflow.com/questions/6548157/how-to-write-an-arraylist-of-strings-into-a-text-file</a:t>
+            </a:r>
+          </a:p>
+          <a:p>
+            <a:pPr marL="0" indent="0">
+              <a:buNone/>
+            </a:pPr>
+            <a:endParaRPr lang="en-US" sz="2000"/>
+          </a:p>
+          <a:p>
+            <a:pPr marL="0" indent="0">
+              <a:buNone/>
+            </a:pPr>
+            <a:r>
+              <a:rPr lang="en-US" sz="2000" err="1"/>
+              <a:t>Przykład</a:t>
+            </a:r>
+            <a:r>
+              <a:rPr lang="en-US" sz="2000"/>
+              <a:t> </a:t>
+            </a:r>
+            <a:r>
+              <a:rPr lang="en-US" sz="2000" err="1"/>
+              <a:t>jsona</a:t>
+            </a:r>
+            <a:r>
+              <a:rPr lang="en-US" sz="2000"/>
+              <a:t> </a:t>
+            </a:r>
+            <a:r>
+              <a:rPr lang="en-US" sz="2000" err="1"/>
+              <a:t>użyty</a:t>
+            </a:r>
+            <a:r>
+              <a:rPr lang="en-US" sz="2000"/>
+              <a:t> w </a:t>
+            </a:r>
+            <a:r>
+              <a:rPr lang="en-US" sz="2000" err="1"/>
+              <a:t>prezentacji</a:t>
+            </a:r>
+            <a:r>
+              <a:rPr lang="en-US" sz="2000"/>
+              <a:t> (</a:t>
+            </a:r>
+            <a:r>
+              <a:rPr lang="en-US" sz="2000" err="1"/>
+              <a:t>slajd</a:t>
+            </a:r>
+            <a:r>
+              <a:rPr lang="en-US" sz="2000"/>
+              <a:t> 8):</a:t>
+            </a:r>
+          </a:p>
+          <a:p>
+            <a:pPr marL="342900" indent="-342900">
+              <a:buFont typeface="Arial"/>
+              <a:buChar char="»"/>
+            </a:pPr>
+            <a:r>
+              <a:rPr lang="en-US" sz="2000">
+                <a:ea typeface="+mn-lt"/>
+                <a:cs typeface="+mn-lt"/>
+              </a:rPr>
+              <a:t>https://howtodoinjava.com/java/library/json-simple-read-write-json-examples/</a:t>
+            </a:r>
+            <a:endParaRPr lang="en-US" sz="2000"/>
+          </a:p>
+        </p:txBody>
+      </p:sp>
+      <p:grpSp>
+        <p:nvGrpSpPr>
+          <p:cNvPr id="7" name="Group 6">
+            <a:extLst>
+              <a:ext uri="{FF2B5EF4-FFF2-40B4-BE49-F238E27FC236}">
+                <a16:creationId xmlns:a16="http://schemas.microsoft.com/office/drawing/2014/main" id="{74A4AA28-0714-4D03-91F0-14153BE5E670}"/>
+              </a:ext>
+            </a:extLst>
+          </p:cNvPr>
+          <p:cNvGrpSpPr/>
+          <p:nvPr/>
+        </p:nvGrpSpPr>
+        <p:grpSpPr>
+          <a:xfrm>
+            <a:off x="53655" y="7102637"/>
+            <a:ext cx="8595907" cy="914399"/>
+            <a:chOff x="53655" y="7102637"/>
+            <a:chExt cx="8595907" cy="914399"/>
+          </a:xfrm>
+        </p:grpSpPr>
+        <p:sp>
+          <p:nvSpPr>
+            <p:cNvPr id="5" name="TextBox 4">
+              <a:extLst>
+                <a:ext uri="{FF2B5EF4-FFF2-40B4-BE49-F238E27FC236}">
+                  <a16:creationId xmlns:a16="http://schemas.microsoft.com/office/drawing/2014/main" id="{BFB7A66C-EAD8-4E6F-B3E9-F9D5410146C6}"/>
+                </a:ext>
+              </a:extLst>
+            </p:cNvPr>
+            <p:cNvSpPr txBox="1"/>
+            <p:nvPr/>
+          </p:nvSpPr>
+          <p:spPr>
+            <a:xfrm>
+              <a:off x="53655" y="7158980"/>
+              <a:ext cx="8595907" cy="400110"/>
+            </a:xfrm>
+            <a:prstGeom prst="rect">
+              <a:avLst/>
+            </a:prstGeom>
+            <a:noFill/>
+            <a:ln>
+              <a:noFill/>
+            </a:ln>
+          </p:spPr>
+          <p:txBody>
+            <a:bodyPr rot="0" spcFirstLastPara="0" vertOverflow="overflow" horzOverflow="overflow" vert="horz" wrap="square" lIns="91440" tIns="45720" rIns="91440" bIns="45720" numCol="1" spcCol="0" rtlCol="0" fromWordArt="0" anchor="t" anchorCtr="0" forceAA="0" compatLnSpc="1">
+              <a:prstTxWarp prst="textNoShape">
+                <a:avLst/>
+              </a:prstTxWarp>
+              <a:spAutoFit/>
+            </a:bodyPr>
+            <a:lstStyle/>
+            <a:p>
+              <a:r>
+                <a:rPr lang="en-US" sz="1600">
+                  <a:solidFill>
+                    <a:schemeClr val="bg1"/>
+                  </a:solidFill>
+                  <a:latin typeface="Arial"/>
+                  <a:cs typeface="Arial"/>
+                </a:rPr>
+                <a:t>Anna </a:t>
+              </a:r>
+              <a:r>
+                <a:rPr lang="en-US" sz="1600" err="1">
+                  <a:solidFill>
+                    <a:schemeClr val="bg1"/>
+                  </a:solidFill>
+                  <a:latin typeface="Arial"/>
+                  <a:cs typeface="Arial"/>
+                </a:rPr>
+                <a:t>Młynarczyk</a:t>
+              </a:r>
+              <a:r>
+                <a:rPr lang="en-US" sz="1600">
+                  <a:solidFill>
+                    <a:schemeClr val="bg1"/>
+                  </a:solidFill>
+                  <a:latin typeface="Arial"/>
+                  <a:cs typeface="Arial"/>
+                </a:rPr>
+                <a:t>     Agnieszka </a:t>
+              </a:r>
+              <a:r>
+                <a:rPr lang="en-US" sz="1600" err="1">
+                  <a:solidFill>
+                    <a:schemeClr val="bg1"/>
+                  </a:solidFill>
+                  <a:latin typeface="Arial"/>
+                  <a:cs typeface="Arial"/>
+                </a:rPr>
+                <a:t>Żupnik</a:t>
+              </a:r>
+              <a:r>
+                <a:rPr lang="en-US" sz="1600">
+                  <a:solidFill>
+                    <a:schemeClr val="bg1"/>
+                  </a:solidFill>
+                  <a:latin typeface="Arial"/>
+                  <a:cs typeface="Arial"/>
+                </a:rPr>
+                <a:t> </a:t>
+              </a:r>
+              <a:r>
+                <a:rPr lang="en-US" sz="2000">
+                  <a:solidFill>
+                    <a:schemeClr val="bg1"/>
+                  </a:solidFill>
+                  <a:latin typeface="Arial"/>
+                  <a:cs typeface="Arial"/>
+                </a:rPr>
+                <a:t>                     </a:t>
+              </a:r>
+              <a:r>
+                <a:rPr lang="en-US" sz="1600" err="1">
+                  <a:solidFill>
+                    <a:schemeClr val="bg1"/>
+                  </a:solidFill>
+                  <a:latin typeface="Arial"/>
+                  <a:cs typeface="Arial"/>
+                </a:rPr>
+                <a:t>Aplikacja</a:t>
+              </a:r>
+              <a:r>
+                <a:rPr lang="en-US" sz="1600">
+                  <a:solidFill>
+                    <a:schemeClr val="bg1"/>
+                  </a:solidFill>
+                  <a:latin typeface="Arial"/>
+                  <a:cs typeface="Arial"/>
+                </a:rPr>
+                <a:t> "</a:t>
+              </a:r>
+              <a:r>
+                <a:rPr lang="en-US" sz="1600" err="1">
+                  <a:solidFill>
+                    <a:schemeClr val="bg1"/>
+                  </a:solidFill>
+                  <a:latin typeface="Arial"/>
+                  <a:cs typeface="Arial"/>
+                </a:rPr>
+                <a:t>Quizlo</a:t>
+              </a:r>
+              <a:r>
+                <a:rPr lang="en-US" sz="1600">
+                  <a:solidFill>
+                    <a:schemeClr val="bg1"/>
+                  </a:solidFill>
+                  <a:latin typeface="Arial"/>
+                  <a:cs typeface="Arial"/>
+                </a:rPr>
+                <a:t>"</a:t>
+              </a:r>
+              <a:endParaRPr lang="en-US" sz="1600">
+                <a:solidFill>
+                  <a:schemeClr val="bg1"/>
+                </a:solidFill>
+              </a:endParaRPr>
+            </a:p>
+          </p:txBody>
+        </p:sp>
+        <p:sp>
+          <p:nvSpPr>
+            <p:cNvPr id="6" name="Right Triangle 5">
+              <a:extLst>
+                <a:ext uri="{FF2B5EF4-FFF2-40B4-BE49-F238E27FC236}">
+                  <a16:creationId xmlns:a16="http://schemas.microsoft.com/office/drawing/2014/main" id="{33089BEA-C3F1-48F4-9CB4-BD27040A196D}"/>
+                </a:ext>
+              </a:extLst>
+            </p:cNvPr>
+            <p:cNvSpPr/>
+            <p:nvPr/>
+          </p:nvSpPr>
+          <p:spPr bwMode="auto">
+            <a:xfrm rot="10800000">
+              <a:off x="7443863" y="7102637"/>
+              <a:ext cx="914399" cy="914399"/>
+            </a:xfrm>
+            <a:prstGeom prst="rtTriangle">
+              <a:avLst/>
+            </a:prstGeom>
+            <a:solidFill>
+              <a:schemeClr val="bg1"/>
+            </a:solidFill>
+            <a:ln w="25400" cap="flat" cmpd="sng" algn="ctr">
+              <a:noFill/>
+              <a:prstDash val="solid"/>
+              <a:round/>
+              <a:headEnd type="none" w="med" len="med"/>
+              <a:tailEnd type="none" w="med" len="med"/>
+            </a:ln>
+            <a:effectLst/>
+            <a:extLst>
+              <a:ext uri="{AF507438-7753-43E0-B8FC-AC1667EBCBE1}">
+                <a14:hiddenEffects xmlns:a14="http://schemas.microsoft.com/office/drawing/2010/main">
+                  <a:effectLst>
+                    <a:outerShdw dist="35921" dir="2700000" algn="ctr" rotWithShape="0">
+                      <a:schemeClr val="bg2"/>
+                    </a:outerShdw>
+                  </a:effectLst>
+                </a14:hiddenEffects>
+              </a:ext>
+            </a:extLst>
+          </p:spPr>
+          <p:txBody>
+            <a:bodyPr vert="horz" wrap="square" lIns="45720" tIns="45720" rIns="45720" bIns="45720" numCol="1" rtlCol="0" anchor="t" anchorCtr="0" compatLnSpc="1">
+              <a:prstTxWarp prst="textNoShape">
+                <a:avLst/>
+              </a:prstTxWarp>
+              <a:spAutoFit/>
+            </a:bodyPr>
+            <a:lstStyle/>
+            <a:p>
+              <a:pPr marL="0" marR="0" indent="0" algn="l" defTabSz="914400" rtl="0" eaLnBrk="1" fontAlgn="base" latinLnBrk="0" hangingPunct="0">
+                <a:lnSpc>
+                  <a:spcPct val="100000"/>
+                </a:lnSpc>
+                <a:spcBef>
+                  <a:spcPct val="0"/>
+                </a:spcBef>
+                <a:spcAft>
+                  <a:spcPct val="0"/>
+                </a:spcAft>
+                <a:buClrTx/>
+                <a:buSzTx/>
+                <a:buFontTx/>
+                <a:buNone/>
+                <a:tabLst/>
+              </a:pPr>
+              <a:endParaRPr kumimoji="0" lang="en-US" sz="2400" b="0" i="0" u="none" strike="noStrike" cap="none" normalizeH="0" baseline="0">
+                <a:ln>
+                  <a:noFill/>
+                </a:ln>
+                <a:solidFill>
+                  <a:srgbClr val="000000"/>
+                </a:solidFill>
+                <a:effectLst/>
+                <a:latin typeface="Arial" panose="020B0604020202020204" pitchFamily="34" charset="0"/>
+                <a:cs typeface="Arial" panose="020B0604020202020204" pitchFamily="34" charset="0"/>
+                <a:sym typeface="Arial" panose="020B0604020202020204" pitchFamily="34" charset="0"/>
+              </a:endParaRPr>
+            </a:p>
+          </p:txBody>
+        </p:sp>
+      </p:grpSp>
+      <p:sp>
+        <p:nvSpPr>
+          <p:cNvPr id="9" name="Rectangle 8">
+            <a:extLst>
+              <a:ext uri="{FF2B5EF4-FFF2-40B4-BE49-F238E27FC236}">
+                <a16:creationId xmlns:a16="http://schemas.microsoft.com/office/drawing/2014/main" id="{08E7BD74-FAB1-40E1-9ECA-32FAB0657560}"/>
+              </a:ext>
+            </a:extLst>
+          </p:cNvPr>
+          <p:cNvSpPr/>
+          <p:nvPr/>
+        </p:nvSpPr>
+        <p:spPr bwMode="auto">
+          <a:xfrm>
+            <a:off x="-1909" y="7112678"/>
+            <a:ext cx="8304181" cy="441503"/>
+          </a:xfrm>
+          <a:prstGeom prst="rect">
+            <a:avLst/>
+          </a:prstGeom>
+          <a:solidFill>
+            <a:srgbClr val="CA0000"/>
+          </a:solidFill>
+          <a:ln w="25400" cap="flat" cmpd="sng" algn="ctr">
+            <a:noFill/>
+            <a:prstDash val="solid"/>
+            <a:round/>
+            <a:headEnd type="none" w="med" len="med"/>
+            <a:tailEnd type="none" w="med" len="med"/>
+          </a:ln>
+          <a:effectLst/>
+          <a:extLst>
+            <a:ext uri="{AF507438-7753-43E0-B8FC-AC1667EBCBE1}">
+              <a14:hiddenEffects xmlns:a14="http://schemas.microsoft.com/office/drawing/2010/main">
+                <a:effectLst>
+                  <a:outerShdw dist="35921" dir="2700000" algn="ctr" rotWithShape="0">
+                    <a:schemeClr val="bg2"/>
+                  </a:outerShdw>
+                </a:effectLst>
+              </a14:hiddenEffects>
+            </a:ext>
+          </a:extLst>
+        </p:spPr>
+        <p:txBody>
+          <a:bodyPr vert="horz" wrap="square" lIns="45720" tIns="45720" rIns="45720" bIns="45720" numCol="1" rtlCol="0" anchor="t" anchorCtr="0" compatLnSpc="1">
+            <a:prstTxWarp prst="textNoShape">
+              <a:avLst/>
+            </a:prstTxWarp>
+            <a:spAutoFit/>
+          </a:bodyPr>
+          <a:lstStyle/>
+          <a:p>
+            <a:pPr marL="0" marR="0" indent="0" algn="l" defTabSz="914400" rtl="0" eaLnBrk="1" fontAlgn="base" latinLnBrk="0" hangingPunct="0">
+              <a:lnSpc>
+                <a:spcPct val="100000"/>
+              </a:lnSpc>
+              <a:spcBef>
+                <a:spcPct val="0"/>
+              </a:spcBef>
+              <a:spcAft>
+                <a:spcPct val="0"/>
+              </a:spcAft>
+              <a:buClrTx/>
+              <a:buSzTx/>
+              <a:buFontTx/>
+              <a:buNone/>
+              <a:tabLst/>
+            </a:pPr>
+            <a:endParaRPr kumimoji="0" lang="en-US" sz="2400" b="0" i="0" u="none" strike="noStrike" cap="none" normalizeH="0" baseline="0">
+              <a:ln>
+                <a:noFill/>
+              </a:ln>
+              <a:solidFill>
+                <a:srgbClr val="000000"/>
+              </a:solidFill>
+              <a:effectLst/>
+              <a:latin typeface="Arial" panose="020B0604020202020204" pitchFamily="34" charset="0"/>
+              <a:cs typeface="Arial" panose="020B0604020202020204" pitchFamily="34" charset="0"/>
+              <a:sym typeface="Arial" panose="020B0604020202020204" pitchFamily="34" charset="0"/>
+            </a:endParaRPr>
+          </a:p>
+        </p:txBody>
+      </p:sp>
+      <p:sp>
+        <p:nvSpPr>
+          <p:cNvPr id="11" name="Right Triangle 10">
+            <a:extLst>
+              <a:ext uri="{FF2B5EF4-FFF2-40B4-BE49-F238E27FC236}">
+                <a16:creationId xmlns:a16="http://schemas.microsoft.com/office/drawing/2014/main" id="{20472AD8-53C6-4C10-9D34-1AB059C444C9}"/>
+              </a:ext>
+            </a:extLst>
+          </p:cNvPr>
+          <p:cNvSpPr/>
+          <p:nvPr/>
+        </p:nvSpPr>
+        <p:spPr bwMode="auto">
+          <a:xfrm rot="10800000">
+            <a:off x="7438681" y="7107319"/>
+            <a:ext cx="914399" cy="914399"/>
+          </a:xfrm>
+          <a:prstGeom prst="rtTriangle">
+            <a:avLst/>
+          </a:prstGeom>
+          <a:solidFill>
+            <a:schemeClr val="bg1"/>
+          </a:solidFill>
+          <a:ln w="25400" cap="flat" cmpd="sng" algn="ctr">
+            <a:noFill/>
+            <a:prstDash val="solid"/>
+            <a:round/>
+            <a:headEnd type="none" w="med" len="med"/>
+            <a:tailEnd type="none" w="med" len="med"/>
+          </a:ln>
+          <a:effectLst/>
+          <a:extLst>
+            <a:ext uri="{AF507438-7753-43E0-B8FC-AC1667EBCBE1}">
+              <a14:hiddenEffects xmlns:a14="http://schemas.microsoft.com/office/drawing/2010/main">
+                <a:effectLst>
+                  <a:outerShdw dist="35921" dir="2700000" algn="ctr" rotWithShape="0">
+                    <a:schemeClr val="bg2"/>
+                  </a:outerShdw>
+                </a:effectLst>
+              </a14:hiddenEffects>
+            </a:ext>
+          </a:extLst>
+        </p:spPr>
+        <p:txBody>
+          <a:bodyPr vert="horz" wrap="square" lIns="45720" tIns="45720" rIns="45720" bIns="45720" numCol="1" rtlCol="0" anchor="t" anchorCtr="0" compatLnSpc="1">
+            <a:prstTxWarp prst="textNoShape">
+              <a:avLst/>
+            </a:prstTxWarp>
+            <a:spAutoFit/>
+          </a:bodyPr>
+          <a:lstStyle/>
+          <a:p>
+            <a:pPr marL="0" marR="0" indent="0" algn="l" defTabSz="914400" rtl="0" eaLnBrk="1" fontAlgn="base" latinLnBrk="0" hangingPunct="0">
+              <a:lnSpc>
+                <a:spcPct val="100000"/>
+              </a:lnSpc>
+              <a:spcBef>
+                <a:spcPct val="0"/>
+              </a:spcBef>
+              <a:spcAft>
+                <a:spcPct val="0"/>
+              </a:spcAft>
+              <a:buClrTx/>
+              <a:buSzTx/>
+              <a:buFontTx/>
+              <a:buNone/>
+              <a:tabLst/>
+            </a:pPr>
+            <a:endParaRPr kumimoji="0" lang="en-US" sz="2400" b="0" i="0" u="none" strike="noStrike" cap="none" normalizeH="0" baseline="0">
+              <a:ln>
+                <a:noFill/>
+              </a:ln>
+              <a:solidFill>
+                <a:srgbClr val="000000"/>
+              </a:solidFill>
+              <a:effectLst/>
+              <a:latin typeface="Arial" panose="020B0604020202020204" pitchFamily="34" charset="0"/>
+              <a:cs typeface="Arial" panose="020B0604020202020204" pitchFamily="34" charset="0"/>
+              <a:sym typeface="Arial" panose="020B0604020202020204" pitchFamily="34" charset="0"/>
+            </a:endParaRPr>
+          </a:p>
+        </p:txBody>
+      </p:sp>
+      <p:sp>
+        <p:nvSpPr>
+          <p:cNvPr id="13" name="TextBox 12">
+            <a:extLst>
+              <a:ext uri="{FF2B5EF4-FFF2-40B4-BE49-F238E27FC236}">
+                <a16:creationId xmlns:a16="http://schemas.microsoft.com/office/drawing/2014/main" id="{1F6F98B4-A291-4277-8F82-763E064CD392}"/>
+              </a:ext>
+            </a:extLst>
+          </p:cNvPr>
+          <p:cNvSpPr txBox="1"/>
+          <p:nvPr/>
+        </p:nvSpPr>
+        <p:spPr>
+          <a:xfrm>
+            <a:off x="122598" y="7139284"/>
+            <a:ext cx="8595907" cy="400110"/>
+          </a:xfrm>
+          <a:prstGeom prst="rect">
+            <a:avLst/>
+          </a:prstGeom>
+          <a:noFill/>
+          <a:ln>
+            <a:noFill/>
+          </a:ln>
+        </p:spPr>
+        <p:txBody>
+          <a:bodyPr rot="0" spcFirstLastPara="0" vertOverflow="overflow" horzOverflow="overflow" vert="horz" wrap="square" lIns="91440" tIns="45720" rIns="91440" bIns="45720" numCol="1" spcCol="0" rtlCol="0" fromWordArt="0" anchor="t" anchorCtr="0" forceAA="0" compatLnSpc="1">
+            <a:prstTxWarp prst="textNoShape">
+              <a:avLst/>
+            </a:prstTxWarp>
+            <a:spAutoFit/>
+          </a:bodyPr>
+          <a:lstStyle/>
+          <a:p>
+            <a:r>
+              <a:rPr lang="en-US" sz="1600">
+                <a:solidFill>
+                  <a:schemeClr val="bg1"/>
+                </a:solidFill>
+                <a:latin typeface="Arial"/>
+                <a:cs typeface="Arial"/>
+              </a:rPr>
+              <a:t>Anna </a:t>
+            </a:r>
+            <a:r>
+              <a:rPr lang="en-US" sz="1600" err="1">
+                <a:solidFill>
+                  <a:schemeClr val="bg1"/>
+                </a:solidFill>
+                <a:latin typeface="Arial"/>
+                <a:cs typeface="Arial"/>
+              </a:rPr>
+              <a:t>Młynarczyk</a:t>
+            </a:r>
+            <a:r>
+              <a:rPr lang="en-US" sz="1600">
+                <a:solidFill>
+                  <a:schemeClr val="bg1"/>
+                </a:solidFill>
+                <a:latin typeface="Arial"/>
+                <a:cs typeface="Arial"/>
+              </a:rPr>
+              <a:t>     Agnieszka </a:t>
+            </a:r>
+            <a:r>
+              <a:rPr lang="en-US" sz="1600" err="1">
+                <a:solidFill>
+                  <a:schemeClr val="bg1"/>
+                </a:solidFill>
+                <a:latin typeface="Arial"/>
+                <a:cs typeface="Arial"/>
+              </a:rPr>
+              <a:t>Żupnik</a:t>
+            </a:r>
+            <a:r>
+              <a:rPr lang="en-US" sz="1600">
+                <a:solidFill>
+                  <a:schemeClr val="bg1"/>
+                </a:solidFill>
+                <a:latin typeface="Arial"/>
+                <a:cs typeface="Arial"/>
+              </a:rPr>
+              <a:t> </a:t>
+            </a:r>
+            <a:r>
+              <a:rPr lang="en-US" sz="2000">
+                <a:solidFill>
+                  <a:schemeClr val="bg1"/>
+                </a:solidFill>
+                <a:latin typeface="Arial"/>
+                <a:cs typeface="Arial"/>
+              </a:rPr>
+              <a:t>                         </a:t>
+            </a:r>
+            <a:r>
+              <a:rPr lang="en-US" sz="1600" err="1">
+                <a:solidFill>
+                  <a:schemeClr val="bg1"/>
+                </a:solidFill>
+                <a:latin typeface="Arial"/>
+                <a:cs typeface="Arial"/>
+              </a:rPr>
+              <a:t>Aplikacja</a:t>
+            </a:r>
+            <a:r>
+              <a:rPr lang="en-US" sz="1600">
+                <a:solidFill>
+                  <a:schemeClr val="bg1"/>
+                </a:solidFill>
+                <a:latin typeface="Arial"/>
+                <a:cs typeface="Arial"/>
+              </a:rPr>
+              <a:t> "</a:t>
+            </a:r>
+            <a:r>
+              <a:rPr lang="en-US" sz="1600" err="1">
+                <a:solidFill>
+                  <a:schemeClr val="bg1"/>
+                </a:solidFill>
+                <a:latin typeface="Arial"/>
+                <a:cs typeface="Arial"/>
+              </a:rPr>
+              <a:t>Quizlo</a:t>
+            </a:r>
+            <a:r>
+              <a:rPr lang="en-US" sz="1600">
+                <a:solidFill>
+                  <a:schemeClr val="bg1"/>
+                </a:solidFill>
+                <a:latin typeface="Arial"/>
+                <a:cs typeface="Arial"/>
+              </a:rPr>
+              <a:t>"</a:t>
+            </a:r>
+            <a:endParaRPr lang="en-US" sz="1600">
+              <a:solidFill>
+                <a:schemeClr val="bg1"/>
+              </a:solidFill>
+            </a:endParaRPr>
+          </a:p>
+        </p:txBody>
+      </p:sp>
+    </p:spTree>
+    <p:extLst>
+      <p:ext uri="{BB962C8B-B14F-4D97-AF65-F5344CB8AC3E}">
+        <p14:creationId xmlns:p14="http://schemas.microsoft.com/office/powerpoint/2010/main" val="2627948942"/>
+      </p:ext>
+    </p:extLst>
+  </p:cSld>
+  <p:clrMapOvr>
+    <a:masterClrMapping/>
+  </p:clrMapOvr>
+</p:sld>
+</file>
+
+<file path=ppt/slides/slide24.xml><?xml version="1.0" encoding="utf-8"?>
+<p:sld xmlns:a="http://schemas.openxmlformats.org/drawingml/2006/main" xmlns:r="http://schemas.openxmlformats.org/officeDocument/2006/relationships" xmlns:p="http://schemas.openxmlformats.org/presentationml/2006/main">
+  <p:cSld>
+    <p:spTree>
+      <p:nvGrpSpPr>
+        <p:cNvPr id="1" name=""/>
+        <p:cNvGrpSpPr/>
+        <p:nvPr/>
+      </p:nvGrpSpPr>
+      <p:grpSpPr>
+        <a:xfrm>
+          <a:off x="0" y="0"/>
+          <a:ext cx="0" cy="0"/>
+          <a:chOff x="0" y="0"/>
+          <a:chExt cx="0" cy="0"/>
+        </a:xfrm>
+      </p:grpSpPr>
+      <p:sp>
+        <p:nvSpPr>
+          <p:cNvPr id="2" name="Title 1">
+            <a:extLst>
+              <a:ext uri="{FF2B5EF4-FFF2-40B4-BE49-F238E27FC236}">
+                <a16:creationId xmlns:a16="http://schemas.microsoft.com/office/drawing/2014/main" id="{5DFDA20B-FEEB-4376-BB6F-422DE1487D30}"/>
+              </a:ext>
+            </a:extLst>
+          </p:cNvPr>
+          <p:cNvSpPr>
+            <a:spLocks noGrp="1"/>
+          </p:cNvSpPr>
+          <p:nvPr>
+            <p:ph type="title"/>
+          </p:nvPr>
+        </p:nvSpPr>
+        <p:spPr>
+          <a:xfrm>
+            <a:off x="646373" y="825097"/>
+            <a:ext cx="9210675" cy="1460500"/>
+          </a:xfrm>
+        </p:spPr>
+        <p:txBody>
+          <a:bodyPr lIns="91440" tIns="45720" rIns="91440" bIns="45720" anchor="t"/>
+          <a:lstStyle/>
+          <a:p>
+            <a:r>
+              <a:rPr lang="en-US" err="1"/>
+              <a:t>Bibliografia</a:t>
+            </a:r>
+          </a:p>
+        </p:txBody>
+      </p:sp>
+      <p:sp>
+        <p:nvSpPr>
+          <p:cNvPr id="3" name="Content Placeholder 2">
+            <a:extLst>
+              <a:ext uri="{FF2B5EF4-FFF2-40B4-BE49-F238E27FC236}">
+                <a16:creationId xmlns:a16="http://schemas.microsoft.com/office/drawing/2014/main" id="{7E4947CF-C8D7-434C-8030-67971600F5D3}"/>
+              </a:ext>
+            </a:extLst>
+          </p:cNvPr>
+          <p:cNvSpPr>
+            <a:spLocks noGrp="1"/>
+          </p:cNvSpPr>
+          <p:nvPr>
+            <p:ph idx="1"/>
+          </p:nvPr>
+        </p:nvSpPr>
+        <p:spPr/>
+        <p:txBody>
+          <a:bodyPr lIns="91440" tIns="45720" rIns="91440" bIns="45720" anchor="t"/>
+          <a:lstStyle/>
+          <a:p>
+            <a:pPr marL="0" indent="0">
+              <a:buNone/>
+            </a:pPr>
+            <a:r>
+              <a:rPr lang="en-US" sz="2000" err="1"/>
+              <a:t>Banery</a:t>
+            </a:r>
+            <a:r>
+              <a:rPr lang="en-US" sz="2000"/>
+              <a:t>:</a:t>
+            </a:r>
+          </a:p>
+          <a:p>
+            <a:pPr marL="342900" indent="-342900">
+              <a:buFont typeface="Arial"/>
+              <a:buChar char="»"/>
+            </a:pPr>
+            <a:r>
+              <a:rPr lang="en-US" sz="2000" err="1">
+                <a:ea typeface="+mn-lt"/>
+                <a:cs typeface="+mn-lt"/>
+              </a:rPr>
+              <a:t>grafika</a:t>
+            </a:r>
+            <a:r>
+              <a:rPr lang="en-US" sz="2000">
+                <a:ea typeface="+mn-lt"/>
+                <a:cs typeface="+mn-lt"/>
+              </a:rPr>
+              <a:t> google</a:t>
+            </a:r>
+            <a:endParaRPr lang="en-US" sz="2000"/>
+          </a:p>
+          <a:p>
+            <a:pPr marL="0" indent="0">
+              <a:buNone/>
+            </a:pPr>
+            <a:endParaRPr lang="en-US" sz="2000"/>
+          </a:p>
+          <a:p>
+            <a:pPr marL="0" indent="0">
+              <a:buNone/>
+            </a:pPr>
+            <a:r>
+              <a:rPr lang="en-US" sz="2000" err="1"/>
+              <a:t>Szablon</a:t>
+            </a:r>
+            <a:r>
+              <a:rPr lang="en-US" sz="2000"/>
+              <a:t> </a:t>
+            </a:r>
+            <a:r>
+              <a:rPr lang="en-US" sz="2000" err="1"/>
+              <a:t>prezentacji</a:t>
+            </a:r>
+            <a:r>
+              <a:rPr lang="en-US" sz="2000"/>
+              <a:t>:</a:t>
+            </a:r>
+          </a:p>
+          <a:p>
+            <a:pPr marL="342900" indent="-342900">
+              <a:buFont typeface="Arial"/>
+              <a:buChar char="»"/>
+            </a:pPr>
+            <a:r>
+              <a:rPr lang="en-US" sz="2000">
+                <a:ea typeface="+mn-lt"/>
+                <a:cs typeface="+mn-lt"/>
+              </a:rPr>
+              <a:t>https://www.agh.edu.pl/uczelnia/system-identyfikacji-wizualnej/szablon-prezentacji/</a:t>
+            </a:r>
+          </a:p>
+          <a:p>
+            <a:pPr marL="0" indent="0">
+              <a:buNone/>
+            </a:pPr>
+            <a:endParaRPr lang="en-US" sz="2000">
+              <a:ea typeface="+mn-lt"/>
+              <a:cs typeface="+mn-lt"/>
+            </a:endParaRPr>
+          </a:p>
+          <a:p>
+            <a:pPr marL="0" indent="0">
+              <a:buNone/>
+            </a:pPr>
+            <a:r>
+              <a:rPr lang="en-US" sz="2000">
+                <a:ea typeface="+mn-lt"/>
+                <a:cs typeface="+mn-lt"/>
+              </a:rPr>
+              <a:t>Informacje teoretyczne:</a:t>
+            </a:r>
+          </a:p>
+          <a:p>
+            <a:pPr>
+              <a:buFont typeface="Arial"/>
+              <a:buChar char="»"/>
+            </a:pPr>
+            <a:r>
+              <a:rPr lang="en-US" sz="2000">
+                <a:ea typeface="+mn-lt"/>
+                <a:cs typeface="+mn-lt"/>
+              </a:rPr>
+              <a:t>https://pl.wikipedia.org</a:t>
+            </a:r>
+            <a:endParaRPr lang="en-US" sz="2000"/>
+          </a:p>
+          <a:p>
+            <a:pPr marL="0" indent="0">
+              <a:buNone/>
+            </a:pPr>
+            <a:endParaRPr lang="en-US" sz="2000"/>
+          </a:p>
+          <a:p>
+            <a:pPr marL="0" indent="0">
+              <a:buNone/>
+            </a:pPr>
+            <a:endParaRPr lang="en-US" sz="2000"/>
+          </a:p>
+        </p:txBody>
+      </p:sp>
+      <p:grpSp>
+        <p:nvGrpSpPr>
+          <p:cNvPr id="7" name="Group 6">
+            <a:extLst>
+              <a:ext uri="{FF2B5EF4-FFF2-40B4-BE49-F238E27FC236}">
+                <a16:creationId xmlns:a16="http://schemas.microsoft.com/office/drawing/2014/main" id="{74A4AA28-0714-4D03-91F0-14153BE5E670}"/>
+              </a:ext>
+            </a:extLst>
+          </p:cNvPr>
+          <p:cNvGrpSpPr/>
+          <p:nvPr/>
+        </p:nvGrpSpPr>
+        <p:grpSpPr>
+          <a:xfrm>
+            <a:off x="53655" y="7102637"/>
+            <a:ext cx="8595907" cy="914399"/>
+            <a:chOff x="53655" y="7102637"/>
+            <a:chExt cx="8595907" cy="914399"/>
+          </a:xfrm>
+        </p:grpSpPr>
+        <p:sp>
+          <p:nvSpPr>
+            <p:cNvPr id="5" name="TextBox 4">
+              <a:extLst>
+                <a:ext uri="{FF2B5EF4-FFF2-40B4-BE49-F238E27FC236}">
+                  <a16:creationId xmlns:a16="http://schemas.microsoft.com/office/drawing/2014/main" id="{BFB7A66C-EAD8-4E6F-B3E9-F9D5410146C6}"/>
+                </a:ext>
+              </a:extLst>
+            </p:cNvPr>
+            <p:cNvSpPr txBox="1"/>
+            <p:nvPr/>
+          </p:nvSpPr>
+          <p:spPr>
+            <a:xfrm>
+              <a:off x="53655" y="7158980"/>
+              <a:ext cx="8595907" cy="400110"/>
+            </a:xfrm>
+            <a:prstGeom prst="rect">
+              <a:avLst/>
+            </a:prstGeom>
+            <a:noFill/>
+            <a:ln>
+              <a:noFill/>
+            </a:ln>
+          </p:spPr>
+          <p:txBody>
+            <a:bodyPr rot="0" spcFirstLastPara="0" vertOverflow="overflow" horzOverflow="overflow" vert="horz" wrap="square" lIns="91440" tIns="45720" rIns="91440" bIns="45720" numCol="1" spcCol="0" rtlCol="0" fromWordArt="0" anchor="t" anchorCtr="0" forceAA="0" compatLnSpc="1">
+              <a:prstTxWarp prst="textNoShape">
+                <a:avLst/>
+              </a:prstTxWarp>
+              <a:spAutoFit/>
+            </a:bodyPr>
+            <a:lstStyle/>
+            <a:p>
+              <a:r>
+                <a:rPr lang="en-US" sz="1600">
+                  <a:solidFill>
+                    <a:schemeClr val="bg1"/>
+                  </a:solidFill>
+                  <a:latin typeface="Arial"/>
+                  <a:cs typeface="Arial"/>
+                </a:rPr>
+                <a:t>Anna </a:t>
+              </a:r>
+              <a:r>
+                <a:rPr lang="en-US" sz="1600" err="1">
+                  <a:solidFill>
+                    <a:schemeClr val="bg1"/>
+                  </a:solidFill>
+                  <a:latin typeface="Arial"/>
+                  <a:cs typeface="Arial"/>
+                </a:rPr>
+                <a:t>Młynarczyk</a:t>
+              </a:r>
+              <a:r>
+                <a:rPr lang="en-US" sz="1600">
+                  <a:solidFill>
+                    <a:schemeClr val="bg1"/>
+                  </a:solidFill>
+                  <a:latin typeface="Arial"/>
+                  <a:cs typeface="Arial"/>
+                </a:rPr>
+                <a:t>     Agnieszka </a:t>
+              </a:r>
+              <a:r>
+                <a:rPr lang="en-US" sz="1600" err="1">
+                  <a:solidFill>
+                    <a:schemeClr val="bg1"/>
+                  </a:solidFill>
+                  <a:latin typeface="Arial"/>
+                  <a:cs typeface="Arial"/>
+                </a:rPr>
+                <a:t>Żupnik</a:t>
+              </a:r>
+              <a:r>
+                <a:rPr lang="en-US" sz="1600">
+                  <a:solidFill>
+                    <a:schemeClr val="bg1"/>
+                  </a:solidFill>
+                  <a:latin typeface="Arial"/>
+                  <a:cs typeface="Arial"/>
+                </a:rPr>
+                <a:t> </a:t>
+              </a:r>
+              <a:r>
+                <a:rPr lang="en-US" sz="2000">
+                  <a:solidFill>
+                    <a:schemeClr val="bg1"/>
+                  </a:solidFill>
+                  <a:latin typeface="Arial"/>
+                  <a:cs typeface="Arial"/>
+                </a:rPr>
+                <a:t>                     </a:t>
+              </a:r>
+              <a:r>
+                <a:rPr lang="en-US" sz="1600" err="1">
+                  <a:solidFill>
+                    <a:schemeClr val="bg1"/>
+                  </a:solidFill>
+                  <a:latin typeface="Arial"/>
+                  <a:cs typeface="Arial"/>
+                </a:rPr>
+                <a:t>Aplikacja</a:t>
+              </a:r>
+              <a:r>
+                <a:rPr lang="en-US" sz="1600">
+                  <a:solidFill>
+                    <a:schemeClr val="bg1"/>
+                  </a:solidFill>
+                  <a:latin typeface="Arial"/>
+                  <a:cs typeface="Arial"/>
+                </a:rPr>
+                <a:t> "</a:t>
+              </a:r>
+              <a:r>
+                <a:rPr lang="en-US" sz="1600" err="1">
+                  <a:solidFill>
+                    <a:schemeClr val="bg1"/>
+                  </a:solidFill>
+                  <a:latin typeface="Arial"/>
+                  <a:cs typeface="Arial"/>
+                </a:rPr>
+                <a:t>Quizlo</a:t>
+              </a:r>
+              <a:r>
+                <a:rPr lang="en-US" sz="1600">
+                  <a:solidFill>
+                    <a:schemeClr val="bg1"/>
+                  </a:solidFill>
+                  <a:latin typeface="Arial"/>
+                  <a:cs typeface="Arial"/>
+                </a:rPr>
+                <a:t>"</a:t>
+              </a:r>
+              <a:endParaRPr lang="en-US" sz="1600">
+                <a:solidFill>
+                  <a:schemeClr val="bg1"/>
+                </a:solidFill>
+              </a:endParaRPr>
+            </a:p>
+          </p:txBody>
+        </p:sp>
+        <p:sp>
+          <p:nvSpPr>
+            <p:cNvPr id="6" name="Right Triangle 5">
+              <a:extLst>
+                <a:ext uri="{FF2B5EF4-FFF2-40B4-BE49-F238E27FC236}">
+                  <a16:creationId xmlns:a16="http://schemas.microsoft.com/office/drawing/2014/main" id="{33089BEA-C3F1-48F4-9CB4-BD27040A196D}"/>
+                </a:ext>
+              </a:extLst>
+            </p:cNvPr>
+            <p:cNvSpPr/>
+            <p:nvPr/>
+          </p:nvSpPr>
+          <p:spPr bwMode="auto">
+            <a:xfrm rot="10800000">
+              <a:off x="7443863" y="7102637"/>
+              <a:ext cx="914399" cy="914399"/>
+            </a:xfrm>
+            <a:prstGeom prst="rtTriangle">
+              <a:avLst/>
+            </a:prstGeom>
+            <a:solidFill>
+              <a:schemeClr val="bg1"/>
+            </a:solidFill>
+            <a:ln w="25400" cap="flat" cmpd="sng" algn="ctr">
+              <a:noFill/>
+              <a:prstDash val="solid"/>
+              <a:round/>
+              <a:headEnd type="none" w="med" len="med"/>
+              <a:tailEnd type="none" w="med" len="med"/>
+            </a:ln>
+            <a:effectLst/>
+            <a:extLst>
+              <a:ext uri="{AF507438-7753-43E0-B8FC-AC1667EBCBE1}">
+                <a14:hiddenEffects xmlns:a14="http://schemas.microsoft.com/office/drawing/2010/main">
+                  <a:effectLst>
+                    <a:outerShdw dist="35921" dir="2700000" algn="ctr" rotWithShape="0">
+                      <a:schemeClr val="bg2"/>
+                    </a:outerShdw>
+                  </a:effectLst>
+                </a14:hiddenEffects>
+              </a:ext>
+            </a:extLst>
+          </p:spPr>
+          <p:txBody>
+            <a:bodyPr vert="horz" wrap="square" lIns="45720" tIns="45720" rIns="45720" bIns="45720" numCol="1" rtlCol="0" anchor="t" anchorCtr="0" compatLnSpc="1">
+              <a:prstTxWarp prst="textNoShape">
+                <a:avLst/>
+              </a:prstTxWarp>
+              <a:spAutoFit/>
+            </a:bodyPr>
+            <a:lstStyle/>
+            <a:p>
+              <a:pPr marL="0" marR="0" indent="0" algn="l" defTabSz="914400" rtl="0" eaLnBrk="1" fontAlgn="base" latinLnBrk="0" hangingPunct="0">
+                <a:lnSpc>
+                  <a:spcPct val="100000"/>
+                </a:lnSpc>
+                <a:spcBef>
+                  <a:spcPct val="0"/>
+                </a:spcBef>
+                <a:spcAft>
+                  <a:spcPct val="0"/>
+                </a:spcAft>
+                <a:buClrTx/>
+                <a:buSzTx/>
+                <a:buFontTx/>
+                <a:buNone/>
+                <a:tabLst/>
+              </a:pPr>
+              <a:endParaRPr kumimoji="0" lang="en-US" sz="2400" b="0" i="0" u="none" strike="noStrike" cap="none" normalizeH="0" baseline="0">
+                <a:ln>
+                  <a:noFill/>
+                </a:ln>
+                <a:solidFill>
+                  <a:srgbClr val="000000"/>
+                </a:solidFill>
+                <a:effectLst/>
+                <a:latin typeface="Arial" panose="020B0604020202020204" pitchFamily="34" charset="0"/>
+                <a:cs typeface="Arial" panose="020B0604020202020204" pitchFamily="34" charset="0"/>
+                <a:sym typeface="Arial" panose="020B0604020202020204" pitchFamily="34" charset="0"/>
+              </a:endParaRPr>
+            </a:p>
+          </p:txBody>
+        </p:sp>
+      </p:grpSp>
+      <p:sp>
+        <p:nvSpPr>
+          <p:cNvPr id="9" name="Rectangle 8">
+            <a:extLst>
+              <a:ext uri="{FF2B5EF4-FFF2-40B4-BE49-F238E27FC236}">
+                <a16:creationId xmlns:a16="http://schemas.microsoft.com/office/drawing/2014/main" id="{08E7BD74-FAB1-40E1-9ECA-32FAB0657560}"/>
+              </a:ext>
+            </a:extLst>
+          </p:cNvPr>
+          <p:cNvSpPr/>
+          <p:nvPr/>
+        </p:nvSpPr>
+        <p:spPr bwMode="auto">
+          <a:xfrm>
+            <a:off x="-1909" y="7112678"/>
+            <a:ext cx="8304181" cy="441503"/>
+          </a:xfrm>
+          <a:prstGeom prst="rect">
+            <a:avLst/>
+          </a:prstGeom>
+          <a:solidFill>
+            <a:srgbClr val="CA0000"/>
+          </a:solidFill>
+          <a:ln w="25400" cap="flat" cmpd="sng" algn="ctr">
+            <a:noFill/>
+            <a:prstDash val="solid"/>
+            <a:round/>
+            <a:headEnd type="none" w="med" len="med"/>
+            <a:tailEnd type="none" w="med" len="med"/>
+          </a:ln>
+          <a:effectLst/>
+          <a:extLst>
+            <a:ext uri="{AF507438-7753-43E0-B8FC-AC1667EBCBE1}">
+              <a14:hiddenEffects xmlns:a14="http://schemas.microsoft.com/office/drawing/2010/main">
+                <a:effectLst>
+                  <a:outerShdw dist="35921" dir="2700000" algn="ctr" rotWithShape="0">
+                    <a:schemeClr val="bg2"/>
+                  </a:outerShdw>
+                </a:effectLst>
+              </a14:hiddenEffects>
+            </a:ext>
+          </a:extLst>
+        </p:spPr>
+        <p:txBody>
+          <a:bodyPr vert="horz" wrap="square" lIns="45720" tIns="45720" rIns="45720" bIns="45720" numCol="1" rtlCol="0" anchor="t" anchorCtr="0" compatLnSpc="1">
+            <a:prstTxWarp prst="textNoShape">
+              <a:avLst/>
+            </a:prstTxWarp>
+            <a:spAutoFit/>
+          </a:bodyPr>
+          <a:lstStyle/>
+          <a:p>
+            <a:pPr marL="0" marR="0" indent="0" algn="l" defTabSz="914400" rtl="0" eaLnBrk="1" fontAlgn="base" latinLnBrk="0" hangingPunct="0">
+              <a:lnSpc>
+                <a:spcPct val="100000"/>
+              </a:lnSpc>
+              <a:spcBef>
+                <a:spcPct val="0"/>
+              </a:spcBef>
+              <a:spcAft>
+                <a:spcPct val="0"/>
+              </a:spcAft>
+              <a:buClrTx/>
+              <a:buSzTx/>
+              <a:buFontTx/>
+              <a:buNone/>
+              <a:tabLst/>
+            </a:pPr>
+            <a:endParaRPr kumimoji="0" lang="en-US" sz="2400" b="0" i="0" u="none" strike="noStrike" cap="none" normalizeH="0" baseline="0">
+              <a:ln>
+                <a:noFill/>
+              </a:ln>
+              <a:solidFill>
+                <a:srgbClr val="000000"/>
+              </a:solidFill>
+              <a:effectLst/>
+              <a:latin typeface="Arial" panose="020B0604020202020204" pitchFamily="34" charset="0"/>
+              <a:cs typeface="Arial" panose="020B0604020202020204" pitchFamily="34" charset="0"/>
+              <a:sym typeface="Arial" panose="020B0604020202020204" pitchFamily="34" charset="0"/>
+            </a:endParaRPr>
+          </a:p>
+        </p:txBody>
+      </p:sp>
+      <p:sp>
+        <p:nvSpPr>
+          <p:cNvPr id="11" name="Right Triangle 10">
+            <a:extLst>
+              <a:ext uri="{FF2B5EF4-FFF2-40B4-BE49-F238E27FC236}">
+                <a16:creationId xmlns:a16="http://schemas.microsoft.com/office/drawing/2014/main" id="{20472AD8-53C6-4C10-9D34-1AB059C444C9}"/>
+              </a:ext>
+            </a:extLst>
+          </p:cNvPr>
+          <p:cNvSpPr/>
+          <p:nvPr/>
+        </p:nvSpPr>
+        <p:spPr bwMode="auto">
+          <a:xfrm rot="10800000">
+            <a:off x="7438681" y="7107319"/>
+            <a:ext cx="914399" cy="914399"/>
+          </a:xfrm>
+          <a:prstGeom prst="rtTriangle">
+            <a:avLst/>
+          </a:prstGeom>
+          <a:solidFill>
+            <a:schemeClr val="bg1"/>
+          </a:solidFill>
+          <a:ln w="25400" cap="flat" cmpd="sng" algn="ctr">
+            <a:noFill/>
+            <a:prstDash val="solid"/>
+            <a:round/>
+            <a:headEnd type="none" w="med" len="med"/>
+            <a:tailEnd type="none" w="med" len="med"/>
+          </a:ln>
+          <a:effectLst/>
+          <a:extLst>
+            <a:ext uri="{AF507438-7753-43E0-B8FC-AC1667EBCBE1}">
+              <a14:hiddenEffects xmlns:a14="http://schemas.microsoft.com/office/drawing/2010/main">
+                <a:effectLst>
+                  <a:outerShdw dist="35921" dir="2700000" algn="ctr" rotWithShape="0">
+                    <a:schemeClr val="bg2"/>
+                  </a:outerShdw>
+                </a:effectLst>
+              </a14:hiddenEffects>
+            </a:ext>
+          </a:extLst>
+        </p:spPr>
+        <p:txBody>
+          <a:bodyPr vert="horz" wrap="square" lIns="45720" tIns="45720" rIns="45720" bIns="45720" numCol="1" rtlCol="0" anchor="t" anchorCtr="0" compatLnSpc="1">
+            <a:prstTxWarp prst="textNoShape">
+              <a:avLst/>
+            </a:prstTxWarp>
+            <a:spAutoFit/>
+          </a:bodyPr>
+          <a:lstStyle/>
+          <a:p>
+            <a:pPr marL="0" marR="0" indent="0" algn="l" defTabSz="914400" rtl="0" eaLnBrk="1" fontAlgn="base" latinLnBrk="0" hangingPunct="0">
+              <a:lnSpc>
+                <a:spcPct val="100000"/>
+              </a:lnSpc>
+              <a:spcBef>
+                <a:spcPct val="0"/>
+              </a:spcBef>
+              <a:spcAft>
+                <a:spcPct val="0"/>
+              </a:spcAft>
+              <a:buClrTx/>
+              <a:buSzTx/>
+              <a:buFontTx/>
+              <a:buNone/>
+              <a:tabLst/>
+            </a:pPr>
+            <a:endParaRPr kumimoji="0" lang="en-US" sz="2400" b="0" i="0" u="none" strike="noStrike" cap="none" normalizeH="0" baseline="0">
+              <a:ln>
+                <a:noFill/>
+              </a:ln>
+              <a:solidFill>
+                <a:srgbClr val="000000"/>
+              </a:solidFill>
+              <a:effectLst/>
+              <a:latin typeface="Arial" panose="020B0604020202020204" pitchFamily="34" charset="0"/>
+              <a:cs typeface="Arial" panose="020B0604020202020204" pitchFamily="34" charset="0"/>
+              <a:sym typeface="Arial" panose="020B0604020202020204" pitchFamily="34" charset="0"/>
+            </a:endParaRPr>
+          </a:p>
+        </p:txBody>
+      </p:sp>
+      <p:sp>
+        <p:nvSpPr>
+          <p:cNvPr id="13" name="TextBox 12">
+            <a:extLst>
+              <a:ext uri="{FF2B5EF4-FFF2-40B4-BE49-F238E27FC236}">
+                <a16:creationId xmlns:a16="http://schemas.microsoft.com/office/drawing/2014/main" id="{1F6F98B4-A291-4277-8F82-763E064CD392}"/>
+              </a:ext>
+            </a:extLst>
+          </p:cNvPr>
+          <p:cNvSpPr txBox="1"/>
+          <p:nvPr/>
+        </p:nvSpPr>
+        <p:spPr>
+          <a:xfrm>
+            <a:off x="122598" y="7139284"/>
+            <a:ext cx="8595907" cy="400110"/>
+          </a:xfrm>
+          <a:prstGeom prst="rect">
+            <a:avLst/>
+          </a:prstGeom>
+          <a:noFill/>
+          <a:ln>
+            <a:noFill/>
+          </a:ln>
+        </p:spPr>
+        <p:txBody>
+          <a:bodyPr rot="0" spcFirstLastPara="0" vertOverflow="overflow" horzOverflow="overflow" vert="horz" wrap="square" lIns="91440" tIns="45720" rIns="91440" bIns="45720" numCol="1" spcCol="0" rtlCol="0" fromWordArt="0" anchor="t" anchorCtr="0" forceAA="0" compatLnSpc="1">
+            <a:prstTxWarp prst="textNoShape">
+              <a:avLst/>
+            </a:prstTxWarp>
+            <a:spAutoFit/>
+          </a:bodyPr>
+          <a:lstStyle/>
+          <a:p>
+            <a:r>
+              <a:rPr lang="en-US" sz="1600">
+                <a:solidFill>
+                  <a:schemeClr val="bg1"/>
+                </a:solidFill>
+                <a:latin typeface="Arial"/>
+                <a:cs typeface="Arial"/>
+              </a:rPr>
+              <a:t>Anna </a:t>
+            </a:r>
+            <a:r>
+              <a:rPr lang="en-US" sz="1600" err="1">
+                <a:solidFill>
+                  <a:schemeClr val="bg1"/>
+                </a:solidFill>
+                <a:latin typeface="Arial"/>
+                <a:cs typeface="Arial"/>
+              </a:rPr>
+              <a:t>Młynarczyk</a:t>
+            </a:r>
+            <a:r>
+              <a:rPr lang="en-US" sz="1600">
+                <a:solidFill>
+                  <a:schemeClr val="bg1"/>
+                </a:solidFill>
+                <a:latin typeface="Arial"/>
+                <a:cs typeface="Arial"/>
+              </a:rPr>
+              <a:t>     Agnieszka </a:t>
+            </a:r>
+            <a:r>
+              <a:rPr lang="en-US" sz="1600" err="1">
+                <a:solidFill>
+                  <a:schemeClr val="bg1"/>
+                </a:solidFill>
+                <a:latin typeface="Arial"/>
+                <a:cs typeface="Arial"/>
+              </a:rPr>
+              <a:t>Żupnik</a:t>
+            </a:r>
+            <a:r>
+              <a:rPr lang="en-US" sz="1600">
+                <a:solidFill>
+                  <a:schemeClr val="bg1"/>
+                </a:solidFill>
+                <a:latin typeface="Arial"/>
+                <a:cs typeface="Arial"/>
+              </a:rPr>
+              <a:t> </a:t>
+            </a:r>
+            <a:r>
+              <a:rPr lang="en-US" sz="2000">
+                <a:solidFill>
+                  <a:schemeClr val="bg1"/>
+                </a:solidFill>
+                <a:latin typeface="Arial"/>
+                <a:cs typeface="Arial"/>
+              </a:rPr>
+              <a:t>                         </a:t>
+            </a:r>
+            <a:r>
+              <a:rPr lang="en-US" sz="1600" err="1">
+                <a:solidFill>
+                  <a:schemeClr val="bg1"/>
+                </a:solidFill>
+                <a:latin typeface="Arial"/>
+                <a:cs typeface="Arial"/>
+              </a:rPr>
+              <a:t>Aplikacja</a:t>
+            </a:r>
+            <a:r>
+              <a:rPr lang="en-US" sz="1600">
+                <a:solidFill>
+                  <a:schemeClr val="bg1"/>
+                </a:solidFill>
+                <a:latin typeface="Arial"/>
+                <a:cs typeface="Arial"/>
+              </a:rPr>
+              <a:t> "</a:t>
+            </a:r>
+            <a:r>
+              <a:rPr lang="en-US" sz="1600" err="1">
+                <a:solidFill>
+                  <a:schemeClr val="bg1"/>
+                </a:solidFill>
+                <a:latin typeface="Arial"/>
+                <a:cs typeface="Arial"/>
+              </a:rPr>
+              <a:t>Quizlo</a:t>
+            </a:r>
+            <a:r>
+              <a:rPr lang="en-US" sz="1600">
+                <a:solidFill>
+                  <a:schemeClr val="bg1"/>
+                </a:solidFill>
+                <a:latin typeface="Arial"/>
+                <a:cs typeface="Arial"/>
+              </a:rPr>
+              <a:t>"</a:t>
+            </a:r>
+            <a:endParaRPr lang="en-US" sz="1600">
+              <a:solidFill>
+                <a:schemeClr val="bg1"/>
+              </a:solidFill>
+            </a:endParaRPr>
+          </a:p>
+        </p:txBody>
+      </p:sp>
+    </p:spTree>
+    <p:extLst>
+      <p:ext uri="{BB962C8B-B14F-4D97-AF65-F5344CB8AC3E}">
+        <p14:creationId xmlns:p14="http://schemas.microsoft.com/office/powerpoint/2010/main" val="704392661"/>
+      </p:ext>
+    </p:extLst>
+  </p:cSld>
+  <p:clrMapOvr>
+    <a:masterClrMapping/>
+  </p:clrMapOvr>
+</p:sld>
+</file>
+
+<file path=ppt/slides/slide25.xml><?xml version="1.0" encoding="utf-8"?>
+<p:sld xmlns:a="http://schemas.openxmlformats.org/drawingml/2006/main" xmlns:r="http://schemas.openxmlformats.org/officeDocument/2006/relationships" xmlns:p="http://schemas.openxmlformats.org/presentationml/2006/main">
+  <p:cSld>
+    <p:spTree>
+      <p:nvGrpSpPr>
+        <p:cNvPr id="1" name=""/>
+        <p:cNvGrpSpPr/>
+        <p:nvPr/>
+      </p:nvGrpSpPr>
+      <p:grpSpPr>
+        <a:xfrm>
+          <a:off x="0" y="0"/>
+          <a:ext cx="0" cy="0"/>
+          <a:chOff x="0" y="0"/>
+          <a:chExt cx="0" cy="0"/>
+        </a:xfrm>
+      </p:grpSpPr>
+      <p:sp>
+        <p:nvSpPr>
+          <p:cNvPr id="2" name="Title 1">
+            <a:extLst>
+              <a:ext uri="{FF2B5EF4-FFF2-40B4-BE49-F238E27FC236}">
+                <a16:creationId xmlns:a16="http://schemas.microsoft.com/office/drawing/2014/main" id="{5DFDA20B-FEEB-4376-BB6F-422DE1487D30}"/>
+              </a:ext>
+            </a:extLst>
+          </p:cNvPr>
+          <p:cNvSpPr>
+            <a:spLocks noGrp="1"/>
+          </p:cNvSpPr>
+          <p:nvPr>
+            <p:ph type="title"/>
+          </p:nvPr>
+        </p:nvSpPr>
+        <p:spPr>
+          <a:xfrm>
+            <a:off x="803146" y="2736935"/>
+            <a:ext cx="9210675" cy="1460500"/>
+          </a:xfrm>
+        </p:spPr>
+        <p:txBody>
+          <a:bodyPr lIns="91440" tIns="45720" rIns="91440" bIns="45720" anchor="t"/>
+          <a:lstStyle/>
+          <a:p>
+            <a:r>
+              <a:rPr lang="en-US" err="1"/>
+              <a:t>Dziękujemy</a:t>
+            </a:r>
+            <a:r>
+              <a:rPr lang="en-US"/>
+              <a:t> za uwagę!</a:t>
+            </a:r>
+          </a:p>
+        </p:txBody>
+      </p:sp>
+      <p:grpSp>
+        <p:nvGrpSpPr>
+          <p:cNvPr id="7" name="Group 6">
+            <a:extLst>
+              <a:ext uri="{FF2B5EF4-FFF2-40B4-BE49-F238E27FC236}">
+                <a16:creationId xmlns:a16="http://schemas.microsoft.com/office/drawing/2014/main" id="{74A4AA28-0714-4D03-91F0-14153BE5E670}"/>
+              </a:ext>
+            </a:extLst>
+          </p:cNvPr>
+          <p:cNvGrpSpPr/>
+          <p:nvPr/>
+        </p:nvGrpSpPr>
+        <p:grpSpPr>
+          <a:xfrm>
+            <a:off x="53655" y="7102637"/>
+            <a:ext cx="8595907" cy="914399"/>
+            <a:chOff x="53655" y="7102637"/>
+            <a:chExt cx="8595907" cy="914399"/>
+          </a:xfrm>
+        </p:grpSpPr>
+        <p:sp>
+          <p:nvSpPr>
+            <p:cNvPr id="5" name="TextBox 4">
+              <a:extLst>
+                <a:ext uri="{FF2B5EF4-FFF2-40B4-BE49-F238E27FC236}">
+                  <a16:creationId xmlns:a16="http://schemas.microsoft.com/office/drawing/2014/main" id="{BFB7A66C-EAD8-4E6F-B3E9-F9D5410146C6}"/>
+                </a:ext>
+              </a:extLst>
+            </p:cNvPr>
+            <p:cNvSpPr txBox="1"/>
+            <p:nvPr/>
+          </p:nvSpPr>
+          <p:spPr>
+            <a:xfrm>
+              <a:off x="53655" y="7158980"/>
+              <a:ext cx="8595907" cy="400110"/>
+            </a:xfrm>
+            <a:prstGeom prst="rect">
+              <a:avLst/>
+            </a:prstGeom>
+            <a:noFill/>
+            <a:ln>
+              <a:noFill/>
+            </a:ln>
+          </p:spPr>
+          <p:txBody>
+            <a:bodyPr rot="0" spcFirstLastPara="0" vertOverflow="overflow" horzOverflow="overflow" vert="horz" wrap="square" lIns="91440" tIns="45720" rIns="91440" bIns="45720" numCol="1" spcCol="0" rtlCol="0" fromWordArt="0" anchor="t" anchorCtr="0" forceAA="0" compatLnSpc="1">
+              <a:prstTxWarp prst="textNoShape">
+                <a:avLst/>
+              </a:prstTxWarp>
+              <a:spAutoFit/>
+            </a:bodyPr>
+            <a:lstStyle/>
+            <a:p>
+              <a:r>
+                <a:rPr lang="en-US" sz="1600">
+                  <a:solidFill>
+                    <a:schemeClr val="bg1"/>
+                  </a:solidFill>
+                  <a:latin typeface="Arial"/>
+                  <a:cs typeface="Arial"/>
+                </a:rPr>
+                <a:t>Anna </a:t>
+              </a:r>
+              <a:r>
+                <a:rPr lang="en-US" sz="1600" err="1">
+                  <a:solidFill>
+                    <a:schemeClr val="bg1"/>
+                  </a:solidFill>
+                  <a:latin typeface="Arial"/>
+                  <a:cs typeface="Arial"/>
+                </a:rPr>
+                <a:t>Młynarczyk</a:t>
+              </a:r>
+              <a:r>
+                <a:rPr lang="en-US" sz="1600">
+                  <a:solidFill>
+                    <a:schemeClr val="bg1"/>
+                  </a:solidFill>
+                  <a:latin typeface="Arial"/>
+                  <a:cs typeface="Arial"/>
+                </a:rPr>
+                <a:t>     Agnieszka </a:t>
+              </a:r>
+              <a:r>
+                <a:rPr lang="en-US" sz="1600" err="1">
+                  <a:solidFill>
+                    <a:schemeClr val="bg1"/>
+                  </a:solidFill>
+                  <a:latin typeface="Arial"/>
+                  <a:cs typeface="Arial"/>
+                </a:rPr>
+                <a:t>Żupnik</a:t>
+              </a:r>
+              <a:r>
+                <a:rPr lang="en-US" sz="1600">
+                  <a:solidFill>
+                    <a:schemeClr val="bg1"/>
+                  </a:solidFill>
+                  <a:latin typeface="Arial"/>
+                  <a:cs typeface="Arial"/>
+                </a:rPr>
+                <a:t> </a:t>
+              </a:r>
+              <a:r>
+                <a:rPr lang="en-US" sz="2000">
+                  <a:solidFill>
+                    <a:schemeClr val="bg1"/>
+                  </a:solidFill>
+                  <a:latin typeface="Arial"/>
+                  <a:cs typeface="Arial"/>
+                </a:rPr>
+                <a:t>                     </a:t>
+              </a:r>
+              <a:r>
+                <a:rPr lang="en-US" sz="1600" err="1">
+                  <a:solidFill>
+                    <a:schemeClr val="bg1"/>
+                  </a:solidFill>
+                  <a:latin typeface="Arial"/>
+                  <a:cs typeface="Arial"/>
+                </a:rPr>
+                <a:t>Aplikacja</a:t>
+              </a:r>
+              <a:r>
+                <a:rPr lang="en-US" sz="1600">
+                  <a:solidFill>
+                    <a:schemeClr val="bg1"/>
+                  </a:solidFill>
+                  <a:latin typeface="Arial"/>
+                  <a:cs typeface="Arial"/>
+                </a:rPr>
+                <a:t> "</a:t>
+              </a:r>
+              <a:r>
+                <a:rPr lang="en-US" sz="1600" err="1">
+                  <a:solidFill>
+                    <a:schemeClr val="bg1"/>
+                  </a:solidFill>
+                  <a:latin typeface="Arial"/>
+                  <a:cs typeface="Arial"/>
+                </a:rPr>
+                <a:t>Quizlo</a:t>
+              </a:r>
+              <a:r>
+                <a:rPr lang="en-US" sz="1600">
+                  <a:solidFill>
+                    <a:schemeClr val="bg1"/>
+                  </a:solidFill>
+                  <a:latin typeface="Arial"/>
+                  <a:cs typeface="Arial"/>
+                </a:rPr>
+                <a:t>"</a:t>
+              </a:r>
+              <a:endParaRPr lang="en-US" sz="1600">
+                <a:solidFill>
+                  <a:schemeClr val="bg1"/>
+                </a:solidFill>
+              </a:endParaRPr>
+            </a:p>
+          </p:txBody>
+        </p:sp>
+        <p:sp>
+          <p:nvSpPr>
+            <p:cNvPr id="6" name="Right Triangle 5">
+              <a:extLst>
+                <a:ext uri="{FF2B5EF4-FFF2-40B4-BE49-F238E27FC236}">
+                  <a16:creationId xmlns:a16="http://schemas.microsoft.com/office/drawing/2014/main" id="{33089BEA-C3F1-48F4-9CB4-BD27040A196D}"/>
+                </a:ext>
+              </a:extLst>
+            </p:cNvPr>
+            <p:cNvSpPr/>
+            <p:nvPr/>
+          </p:nvSpPr>
+          <p:spPr bwMode="auto">
+            <a:xfrm rot="10800000">
+              <a:off x="7443863" y="7102637"/>
+              <a:ext cx="914399" cy="914399"/>
+            </a:xfrm>
+            <a:prstGeom prst="rtTriangle">
+              <a:avLst/>
+            </a:prstGeom>
+            <a:solidFill>
+              <a:schemeClr val="bg1"/>
+            </a:solidFill>
+            <a:ln w="25400" cap="flat" cmpd="sng" algn="ctr">
+              <a:noFill/>
+              <a:prstDash val="solid"/>
+              <a:round/>
+              <a:headEnd type="none" w="med" len="med"/>
+              <a:tailEnd type="none" w="med" len="med"/>
+            </a:ln>
+            <a:effectLst/>
+            <a:extLst>
+              <a:ext uri="{AF507438-7753-43E0-B8FC-AC1667EBCBE1}">
+                <a14:hiddenEffects xmlns:a14="http://schemas.microsoft.com/office/drawing/2010/main">
+                  <a:effectLst>
+                    <a:outerShdw dist="35921" dir="2700000" algn="ctr" rotWithShape="0">
+                      <a:schemeClr val="bg2"/>
+                    </a:outerShdw>
+                  </a:effectLst>
+                </a14:hiddenEffects>
+              </a:ext>
+            </a:extLst>
+          </p:spPr>
+          <p:txBody>
+            <a:bodyPr vert="horz" wrap="square" lIns="45720" tIns="45720" rIns="45720" bIns="45720" numCol="1" rtlCol="0" anchor="t" anchorCtr="0" compatLnSpc="1">
+              <a:prstTxWarp prst="textNoShape">
+                <a:avLst/>
+              </a:prstTxWarp>
+              <a:spAutoFit/>
+            </a:bodyPr>
+            <a:lstStyle/>
+            <a:p>
+              <a:pPr marL="0" marR="0" indent="0" algn="l" defTabSz="914400" rtl="0" eaLnBrk="1" fontAlgn="base" latinLnBrk="0" hangingPunct="0">
+                <a:lnSpc>
+                  <a:spcPct val="100000"/>
+                </a:lnSpc>
+                <a:spcBef>
+                  <a:spcPct val="0"/>
+                </a:spcBef>
+                <a:spcAft>
+                  <a:spcPct val="0"/>
+                </a:spcAft>
+                <a:buClrTx/>
+                <a:buSzTx/>
+                <a:buFontTx/>
+                <a:buNone/>
+                <a:tabLst/>
+              </a:pPr>
+              <a:endParaRPr kumimoji="0" lang="en-US" sz="2400" b="0" i="0" u="none" strike="noStrike" cap="none" normalizeH="0" baseline="0">
+                <a:ln>
+                  <a:noFill/>
+                </a:ln>
+                <a:solidFill>
+                  <a:srgbClr val="000000"/>
+                </a:solidFill>
+                <a:effectLst/>
+                <a:latin typeface="Arial" panose="020B0604020202020204" pitchFamily="34" charset="0"/>
+                <a:cs typeface="Arial" panose="020B0604020202020204" pitchFamily="34" charset="0"/>
+                <a:sym typeface="Arial" panose="020B0604020202020204" pitchFamily="34" charset="0"/>
+              </a:endParaRPr>
+            </a:p>
+          </p:txBody>
+        </p:sp>
+      </p:grpSp>
+      <p:sp>
+        <p:nvSpPr>
+          <p:cNvPr id="9" name="Rectangle 8">
+            <a:extLst>
+              <a:ext uri="{FF2B5EF4-FFF2-40B4-BE49-F238E27FC236}">
+                <a16:creationId xmlns:a16="http://schemas.microsoft.com/office/drawing/2014/main" id="{08E7BD74-FAB1-40E1-9ECA-32FAB0657560}"/>
+              </a:ext>
+            </a:extLst>
+          </p:cNvPr>
+          <p:cNvSpPr/>
+          <p:nvPr/>
+        </p:nvSpPr>
+        <p:spPr bwMode="auto">
+          <a:xfrm>
+            <a:off x="-1909" y="7112678"/>
+            <a:ext cx="8304181" cy="441503"/>
+          </a:xfrm>
+          <a:prstGeom prst="rect">
+            <a:avLst/>
+          </a:prstGeom>
+          <a:solidFill>
+            <a:srgbClr val="CA0000"/>
+          </a:solidFill>
+          <a:ln w="25400" cap="flat" cmpd="sng" algn="ctr">
+            <a:noFill/>
+            <a:prstDash val="solid"/>
+            <a:round/>
+            <a:headEnd type="none" w="med" len="med"/>
+            <a:tailEnd type="none" w="med" len="med"/>
+          </a:ln>
+          <a:effectLst/>
+          <a:extLst>
+            <a:ext uri="{AF507438-7753-43E0-B8FC-AC1667EBCBE1}">
+              <a14:hiddenEffects xmlns:a14="http://schemas.microsoft.com/office/drawing/2010/main">
+                <a:effectLst>
+                  <a:outerShdw dist="35921" dir="2700000" algn="ctr" rotWithShape="0">
+                    <a:schemeClr val="bg2"/>
+                  </a:outerShdw>
+                </a:effectLst>
+              </a14:hiddenEffects>
+            </a:ext>
+          </a:extLst>
+        </p:spPr>
+        <p:txBody>
+          <a:bodyPr vert="horz" wrap="square" lIns="45720" tIns="45720" rIns="45720" bIns="45720" numCol="1" rtlCol="0" anchor="t" anchorCtr="0" compatLnSpc="1">
+            <a:prstTxWarp prst="textNoShape">
+              <a:avLst/>
+            </a:prstTxWarp>
+            <a:spAutoFit/>
+          </a:bodyPr>
+          <a:lstStyle/>
+          <a:p>
+            <a:pPr marL="0" marR="0" indent="0" algn="l" defTabSz="914400" rtl="0" eaLnBrk="1" fontAlgn="base" latinLnBrk="0" hangingPunct="0">
+              <a:lnSpc>
+                <a:spcPct val="100000"/>
+              </a:lnSpc>
+              <a:spcBef>
+                <a:spcPct val="0"/>
+              </a:spcBef>
+              <a:spcAft>
+                <a:spcPct val="0"/>
+              </a:spcAft>
+              <a:buClrTx/>
+              <a:buSzTx/>
+              <a:buFontTx/>
+              <a:buNone/>
+              <a:tabLst/>
+            </a:pPr>
+            <a:endParaRPr kumimoji="0" lang="en-US" sz="2400" b="0" i="0" u="none" strike="noStrike" cap="none" normalizeH="0" baseline="0">
+              <a:ln>
+                <a:noFill/>
+              </a:ln>
+              <a:solidFill>
+                <a:srgbClr val="000000"/>
+              </a:solidFill>
+              <a:effectLst/>
+              <a:latin typeface="Arial" panose="020B0604020202020204" pitchFamily="34" charset="0"/>
+              <a:cs typeface="Arial" panose="020B0604020202020204" pitchFamily="34" charset="0"/>
+              <a:sym typeface="Arial" panose="020B0604020202020204" pitchFamily="34" charset="0"/>
+            </a:endParaRPr>
+          </a:p>
+        </p:txBody>
+      </p:sp>
+      <p:sp>
+        <p:nvSpPr>
+          <p:cNvPr id="11" name="Right Triangle 10">
+            <a:extLst>
+              <a:ext uri="{FF2B5EF4-FFF2-40B4-BE49-F238E27FC236}">
+                <a16:creationId xmlns:a16="http://schemas.microsoft.com/office/drawing/2014/main" id="{20472AD8-53C6-4C10-9D34-1AB059C444C9}"/>
+              </a:ext>
+            </a:extLst>
+          </p:cNvPr>
+          <p:cNvSpPr/>
+          <p:nvPr/>
+        </p:nvSpPr>
+        <p:spPr bwMode="auto">
+          <a:xfrm rot="10800000">
+            <a:off x="7438681" y="7107319"/>
+            <a:ext cx="914399" cy="914399"/>
+          </a:xfrm>
+          <a:prstGeom prst="rtTriangle">
+            <a:avLst/>
+          </a:prstGeom>
+          <a:solidFill>
+            <a:schemeClr val="bg1"/>
+          </a:solidFill>
+          <a:ln w="25400" cap="flat" cmpd="sng" algn="ctr">
+            <a:noFill/>
+            <a:prstDash val="solid"/>
+            <a:round/>
+            <a:headEnd type="none" w="med" len="med"/>
+            <a:tailEnd type="none" w="med" len="med"/>
+          </a:ln>
+          <a:effectLst/>
+          <a:extLst>
+            <a:ext uri="{AF507438-7753-43E0-B8FC-AC1667EBCBE1}">
+              <a14:hiddenEffects xmlns:a14="http://schemas.microsoft.com/office/drawing/2010/main">
+                <a:effectLst>
+                  <a:outerShdw dist="35921" dir="2700000" algn="ctr" rotWithShape="0">
+                    <a:schemeClr val="bg2"/>
+                  </a:outerShdw>
+                </a:effectLst>
+              </a14:hiddenEffects>
+            </a:ext>
+          </a:extLst>
+        </p:spPr>
+        <p:txBody>
+          <a:bodyPr vert="horz" wrap="square" lIns="45720" tIns="45720" rIns="45720" bIns="45720" numCol="1" rtlCol="0" anchor="t" anchorCtr="0" compatLnSpc="1">
+            <a:prstTxWarp prst="textNoShape">
+              <a:avLst/>
+            </a:prstTxWarp>
+            <a:spAutoFit/>
+          </a:bodyPr>
+          <a:lstStyle/>
+          <a:p>
+            <a:pPr marL="0" marR="0" indent="0" algn="l" defTabSz="914400" rtl="0" eaLnBrk="1" fontAlgn="base" latinLnBrk="0" hangingPunct="0">
+              <a:lnSpc>
+                <a:spcPct val="100000"/>
+              </a:lnSpc>
+              <a:spcBef>
+                <a:spcPct val="0"/>
+              </a:spcBef>
+              <a:spcAft>
+                <a:spcPct val="0"/>
+              </a:spcAft>
+              <a:buClrTx/>
+              <a:buSzTx/>
+              <a:buFontTx/>
+              <a:buNone/>
+              <a:tabLst/>
+            </a:pPr>
+            <a:endParaRPr kumimoji="0" lang="en-US" sz="2400" b="0" i="0" u="none" strike="noStrike" cap="none" normalizeH="0" baseline="0">
+              <a:ln>
+                <a:noFill/>
+              </a:ln>
+              <a:solidFill>
+                <a:srgbClr val="000000"/>
+              </a:solidFill>
+              <a:effectLst/>
+              <a:latin typeface="Arial" panose="020B0604020202020204" pitchFamily="34" charset="0"/>
+              <a:cs typeface="Arial" panose="020B0604020202020204" pitchFamily="34" charset="0"/>
+              <a:sym typeface="Arial" panose="020B0604020202020204" pitchFamily="34" charset="0"/>
+            </a:endParaRPr>
+          </a:p>
+        </p:txBody>
+      </p:sp>
+      <p:sp>
+        <p:nvSpPr>
+          <p:cNvPr id="13" name="TextBox 12">
+            <a:extLst>
+              <a:ext uri="{FF2B5EF4-FFF2-40B4-BE49-F238E27FC236}">
+                <a16:creationId xmlns:a16="http://schemas.microsoft.com/office/drawing/2014/main" id="{1F6F98B4-A291-4277-8F82-763E064CD392}"/>
+              </a:ext>
+            </a:extLst>
+          </p:cNvPr>
+          <p:cNvSpPr txBox="1"/>
+          <p:nvPr/>
+        </p:nvSpPr>
+        <p:spPr>
+          <a:xfrm>
+            <a:off x="122598" y="7139284"/>
+            <a:ext cx="8595907" cy="400110"/>
+          </a:xfrm>
+          <a:prstGeom prst="rect">
+            <a:avLst/>
+          </a:prstGeom>
+          <a:noFill/>
+          <a:ln>
+            <a:noFill/>
+          </a:ln>
+        </p:spPr>
+        <p:txBody>
+          <a:bodyPr rot="0" spcFirstLastPara="0" vertOverflow="overflow" horzOverflow="overflow" vert="horz" wrap="square" lIns="91440" tIns="45720" rIns="91440" bIns="45720" numCol="1" spcCol="0" rtlCol="0" fromWordArt="0" anchor="t" anchorCtr="0" forceAA="0" compatLnSpc="1">
+            <a:prstTxWarp prst="textNoShape">
+              <a:avLst/>
+            </a:prstTxWarp>
+            <a:spAutoFit/>
+          </a:bodyPr>
+          <a:lstStyle/>
+          <a:p>
+            <a:r>
+              <a:rPr lang="en-US" sz="1600">
+                <a:solidFill>
+                  <a:schemeClr val="bg1"/>
+                </a:solidFill>
+                <a:latin typeface="Arial"/>
+                <a:cs typeface="Arial"/>
+              </a:rPr>
+              <a:t>Anna </a:t>
+            </a:r>
+            <a:r>
+              <a:rPr lang="en-US" sz="1600" err="1">
+                <a:solidFill>
+                  <a:schemeClr val="bg1"/>
+                </a:solidFill>
+                <a:latin typeface="Arial"/>
+                <a:cs typeface="Arial"/>
+              </a:rPr>
+              <a:t>Młynarczyk</a:t>
+            </a:r>
+            <a:r>
+              <a:rPr lang="en-US" sz="1600">
+                <a:solidFill>
+                  <a:schemeClr val="bg1"/>
+                </a:solidFill>
+                <a:latin typeface="Arial"/>
+                <a:cs typeface="Arial"/>
+              </a:rPr>
+              <a:t>     Agnieszka </a:t>
+            </a:r>
+            <a:r>
+              <a:rPr lang="en-US" sz="1600" err="1">
+                <a:solidFill>
+                  <a:schemeClr val="bg1"/>
+                </a:solidFill>
+                <a:latin typeface="Arial"/>
+                <a:cs typeface="Arial"/>
+              </a:rPr>
+              <a:t>Żupnik</a:t>
+            </a:r>
+            <a:r>
+              <a:rPr lang="en-US" sz="1600">
+                <a:solidFill>
+                  <a:schemeClr val="bg1"/>
+                </a:solidFill>
+                <a:latin typeface="Arial"/>
+                <a:cs typeface="Arial"/>
+              </a:rPr>
+              <a:t> </a:t>
+            </a:r>
+            <a:r>
+              <a:rPr lang="en-US" sz="2000">
+                <a:solidFill>
+                  <a:schemeClr val="bg1"/>
+                </a:solidFill>
+                <a:latin typeface="Arial"/>
+                <a:cs typeface="Arial"/>
+              </a:rPr>
+              <a:t>                         </a:t>
+            </a:r>
+            <a:r>
+              <a:rPr lang="en-US" sz="1600" err="1">
+                <a:solidFill>
+                  <a:schemeClr val="bg1"/>
+                </a:solidFill>
+                <a:latin typeface="Arial"/>
+                <a:cs typeface="Arial"/>
+              </a:rPr>
+              <a:t>Aplikacja</a:t>
+            </a:r>
+            <a:r>
+              <a:rPr lang="en-US" sz="1600">
+                <a:solidFill>
+                  <a:schemeClr val="bg1"/>
+                </a:solidFill>
+                <a:latin typeface="Arial"/>
+                <a:cs typeface="Arial"/>
+              </a:rPr>
+              <a:t> "</a:t>
+            </a:r>
+            <a:r>
+              <a:rPr lang="en-US" sz="1600" err="1">
+                <a:solidFill>
+                  <a:schemeClr val="bg1"/>
+                </a:solidFill>
+                <a:latin typeface="Arial"/>
+                <a:cs typeface="Arial"/>
+              </a:rPr>
+              <a:t>Quizlo</a:t>
+            </a:r>
+            <a:r>
+              <a:rPr lang="en-US" sz="1600">
+                <a:solidFill>
+                  <a:schemeClr val="bg1"/>
+                </a:solidFill>
+                <a:latin typeface="Arial"/>
+                <a:cs typeface="Arial"/>
+              </a:rPr>
+              <a:t>"</a:t>
+            </a:r>
+            <a:endParaRPr lang="en-US" sz="1600">
+              <a:solidFill>
+                <a:schemeClr val="bg1"/>
+              </a:solidFill>
+            </a:endParaRPr>
+          </a:p>
+        </p:txBody>
+      </p:sp>
+    </p:spTree>
+    <p:extLst>
+      <p:ext uri="{BB962C8B-B14F-4D97-AF65-F5344CB8AC3E}">
+        <p14:creationId xmlns:p14="http://schemas.microsoft.com/office/powerpoint/2010/main" val="819166706"/>
       </p:ext>
     </p:extLst>
   </p:cSld>
@@ -13116,9 +19185,398 @@
                 <a:ea typeface="+mn-lt"/>
                 <a:cs typeface="+mn-lt"/>
               </a:rPr>
-              <a:t>Na własnych telefonach posiadamy aplikacje tego typu i w wolnym czasie z chęcią po nie sięgamy. Chcemy zobaczyć, jak ciężki jest do zrealizowania taki projekt. Aplikacja, na której się wzorujemy nazywa się Quiz House. Istnieje w niej kilka kategorii pytań, a do tego możemy w niej rywalizować z przyjaciółmi lub losowo wybranym przeciwnikiem. My natomiast skupimy się konkretnie na realizacji quizów. Nie będzie w niej możliwości rywalizowania, a rozwiązywanie testów, w których z listy 4 odpowiedzi trzeba będzie wybrać jedną – poprawną, przy odpowiedniej oprawie graficznej.</a:t>
-            </a:r>
-            <a:endParaRPr lang="en-US" sz="2400"/>
+              <a:t>Na własnych telefonach posiadamy aplikacje tego typu i w wolnym czasie z </a:t>
+            </a:r>
+            <a:r>
+              <a:rPr lang="en-US" sz="2400" err="1">
+                <a:ea typeface="+mn-lt"/>
+                <a:cs typeface="+mn-lt"/>
+              </a:rPr>
+              <a:t>chęcią</a:t>
+            </a:r>
+            <a:r>
+              <a:rPr lang="en-US" sz="2400">
+                <a:ea typeface="+mn-lt"/>
+                <a:cs typeface="+mn-lt"/>
+              </a:rPr>
+              <a:t> po </a:t>
+            </a:r>
+            <a:r>
+              <a:rPr lang="en-US" sz="2400" err="1">
+                <a:ea typeface="+mn-lt"/>
+                <a:cs typeface="+mn-lt"/>
+              </a:rPr>
+              <a:t>nie</a:t>
+            </a:r>
+            <a:r>
+              <a:rPr lang="en-US" sz="2400">
+                <a:ea typeface="+mn-lt"/>
+                <a:cs typeface="+mn-lt"/>
+              </a:rPr>
+              <a:t> </a:t>
+            </a:r>
+            <a:r>
+              <a:rPr lang="en-US" sz="2400" err="1">
+                <a:ea typeface="+mn-lt"/>
+                <a:cs typeface="+mn-lt"/>
+              </a:rPr>
+              <a:t>sięgamy</a:t>
+            </a:r>
+            <a:r>
+              <a:rPr lang="en-US" sz="2400">
+                <a:ea typeface="+mn-lt"/>
+                <a:cs typeface="+mn-lt"/>
+              </a:rPr>
+              <a:t>. </a:t>
+            </a:r>
+            <a:r>
+              <a:rPr lang="en-US" sz="2400" err="1">
+                <a:ea typeface="+mn-lt"/>
+                <a:cs typeface="+mn-lt"/>
+              </a:rPr>
+              <a:t>Chciałyśmy</a:t>
+            </a:r>
+            <a:r>
+              <a:rPr lang="en-US" sz="2400">
+                <a:ea typeface="+mn-lt"/>
+                <a:cs typeface="+mn-lt"/>
+              </a:rPr>
+              <a:t> </a:t>
+            </a:r>
+            <a:r>
+              <a:rPr lang="en-US" sz="2400" err="1">
+                <a:ea typeface="+mn-lt"/>
+                <a:cs typeface="+mn-lt"/>
+              </a:rPr>
+              <a:t>zobaczyć</a:t>
+            </a:r>
+            <a:r>
+              <a:rPr lang="en-US" sz="2400">
+                <a:ea typeface="+mn-lt"/>
+                <a:cs typeface="+mn-lt"/>
+              </a:rPr>
+              <a:t>, jak </a:t>
+            </a:r>
+            <a:r>
+              <a:rPr lang="en-US" sz="2400" err="1">
+                <a:ea typeface="+mn-lt"/>
+                <a:cs typeface="+mn-lt"/>
+              </a:rPr>
+              <a:t>ciężki</a:t>
+            </a:r>
+            <a:r>
+              <a:rPr lang="en-US" sz="2400">
+                <a:ea typeface="+mn-lt"/>
+                <a:cs typeface="+mn-lt"/>
+              </a:rPr>
+              <a:t> jest do </a:t>
+            </a:r>
+            <a:r>
+              <a:rPr lang="en-US" sz="2400" err="1">
+                <a:ea typeface="+mn-lt"/>
+                <a:cs typeface="+mn-lt"/>
+              </a:rPr>
+              <a:t>zrealizowania</a:t>
+            </a:r>
+            <a:r>
+              <a:rPr lang="en-US" sz="2400">
+                <a:ea typeface="+mn-lt"/>
+                <a:cs typeface="+mn-lt"/>
+              </a:rPr>
+              <a:t> </a:t>
+            </a:r>
+            <a:r>
+              <a:rPr lang="en-US" sz="2400" err="1">
+                <a:ea typeface="+mn-lt"/>
+                <a:cs typeface="+mn-lt"/>
+              </a:rPr>
+              <a:t>taki</a:t>
+            </a:r>
+            <a:r>
+              <a:rPr lang="en-US" sz="2400">
+                <a:ea typeface="+mn-lt"/>
+                <a:cs typeface="+mn-lt"/>
+              </a:rPr>
+              <a:t> </a:t>
+            </a:r>
+            <a:r>
+              <a:rPr lang="en-US" sz="2400" err="1">
+                <a:ea typeface="+mn-lt"/>
+                <a:cs typeface="+mn-lt"/>
+              </a:rPr>
+              <a:t>projekt</a:t>
+            </a:r>
+            <a:r>
+              <a:rPr lang="en-US" sz="2400">
+                <a:ea typeface="+mn-lt"/>
+                <a:cs typeface="+mn-lt"/>
+              </a:rPr>
+              <a:t>. </a:t>
+            </a:r>
+          </a:p>
+          <a:p>
+            <a:pPr marL="0" indent="0">
+              <a:buNone/>
+            </a:pPr>
+            <a:r>
+              <a:rPr lang="en-US" sz="2400" err="1">
+                <a:ea typeface="+mn-lt"/>
+                <a:cs typeface="+mn-lt"/>
+              </a:rPr>
+              <a:t>Pierwowzór</a:t>
+            </a:r>
+            <a:r>
+              <a:rPr lang="en-US" sz="2400">
+                <a:ea typeface="+mn-lt"/>
+                <a:cs typeface="+mn-lt"/>
+              </a:rPr>
+              <a:t>: Quiz House. </a:t>
+            </a:r>
+          </a:p>
+          <a:p>
+            <a:pPr marL="0" indent="0">
+              <a:buNone/>
+            </a:pPr>
+            <a:endParaRPr lang="en-US" sz="2400">
+              <a:ea typeface="+mn-lt"/>
+              <a:cs typeface="+mn-lt"/>
+            </a:endParaRPr>
+          </a:p>
+          <a:p>
+            <a:pPr marL="0" indent="0">
+              <a:buNone/>
+            </a:pPr>
+            <a:r>
+              <a:rPr lang="en-US" sz="2400" err="1">
+                <a:ea typeface="+mn-lt"/>
+                <a:cs typeface="+mn-lt"/>
+              </a:rPr>
+              <a:t>Różnice</a:t>
+            </a:r>
+            <a:r>
+              <a:rPr lang="en-US" sz="2400">
+                <a:ea typeface="+mn-lt"/>
+                <a:cs typeface="+mn-lt"/>
+              </a:rPr>
+              <a:t> w </a:t>
+            </a:r>
+            <a:r>
+              <a:rPr lang="en-US" sz="2400" err="1">
+                <a:ea typeface="+mn-lt"/>
+                <a:cs typeface="+mn-lt"/>
+              </a:rPr>
+              <a:t>naszej</a:t>
+            </a:r>
+            <a:r>
+              <a:rPr lang="en-US" sz="2400">
+                <a:ea typeface="+mn-lt"/>
+                <a:cs typeface="+mn-lt"/>
+              </a:rPr>
+              <a:t> </a:t>
+            </a:r>
+            <a:r>
+              <a:rPr lang="en-US" sz="2400" err="1">
+                <a:ea typeface="+mn-lt"/>
+                <a:cs typeface="+mn-lt"/>
+              </a:rPr>
+              <a:t>aplikacji</a:t>
+            </a:r>
+            <a:r>
+              <a:rPr lang="en-US" sz="2400">
+                <a:ea typeface="+mn-lt"/>
+                <a:cs typeface="+mn-lt"/>
+              </a:rPr>
+              <a:t>:</a:t>
+            </a:r>
+            <a:endParaRPr lang="en-US"/>
+          </a:p>
+          <a:p>
+            <a:pPr>
+              <a:buFont typeface="Arial"/>
+              <a:buChar char="»"/>
+            </a:pPr>
+            <a:r>
+              <a:rPr lang="en-US" sz="2400" err="1">
+                <a:ea typeface="+mn-lt"/>
+                <a:cs typeface="+mn-lt"/>
+              </a:rPr>
+              <a:t>brak</a:t>
+            </a:r>
+            <a:r>
+              <a:rPr lang="en-US" sz="2400">
+                <a:ea typeface="+mn-lt"/>
+                <a:cs typeface="+mn-lt"/>
+              </a:rPr>
+              <a:t> </a:t>
+            </a:r>
+            <a:r>
+              <a:rPr lang="en-US" sz="2400" err="1">
+                <a:ea typeface="+mn-lt"/>
+                <a:cs typeface="+mn-lt"/>
+              </a:rPr>
+              <a:t>możliwości</a:t>
+            </a:r>
+            <a:r>
+              <a:rPr lang="en-US" sz="2400">
+                <a:ea typeface="+mn-lt"/>
+                <a:cs typeface="+mn-lt"/>
+              </a:rPr>
+              <a:t> </a:t>
+            </a:r>
+            <a:r>
+              <a:rPr lang="en-US" sz="2400" err="1">
+                <a:ea typeface="+mn-lt"/>
+                <a:cs typeface="+mn-lt"/>
+              </a:rPr>
+              <a:t>rywalizowania</a:t>
+            </a:r>
+            <a:r>
+              <a:rPr lang="en-US" sz="2400">
+                <a:ea typeface="+mn-lt"/>
+                <a:cs typeface="+mn-lt"/>
+              </a:rPr>
+              <a:t>, </a:t>
+            </a:r>
+          </a:p>
+          <a:p>
+            <a:pPr>
+              <a:buFont typeface="Arial"/>
+              <a:buChar char="»"/>
+            </a:pPr>
+            <a:r>
+              <a:rPr lang="en-US" sz="2400" err="1">
+                <a:ea typeface="+mn-lt"/>
+                <a:cs typeface="+mn-lt"/>
+              </a:rPr>
+              <a:t>jedynie</a:t>
+            </a:r>
+            <a:r>
+              <a:rPr lang="en-US" sz="2400">
+                <a:ea typeface="+mn-lt"/>
+                <a:cs typeface="+mn-lt"/>
+              </a:rPr>
+              <a:t> </a:t>
+            </a:r>
+            <a:r>
+              <a:rPr lang="en-US" sz="2400" err="1">
+                <a:ea typeface="+mn-lt"/>
+                <a:cs typeface="+mn-lt"/>
+              </a:rPr>
+              <a:t>rozwiązywanie</a:t>
+            </a:r>
+            <a:r>
+              <a:rPr lang="en-US" sz="2400">
+                <a:ea typeface="+mn-lt"/>
+                <a:cs typeface="+mn-lt"/>
+              </a:rPr>
+              <a:t> </a:t>
+            </a:r>
+            <a:r>
+              <a:rPr lang="en-US" sz="2400" err="1">
+                <a:ea typeface="+mn-lt"/>
+                <a:cs typeface="+mn-lt"/>
+              </a:rPr>
+              <a:t>testów</a:t>
+            </a:r>
+            <a:r>
+              <a:rPr lang="en-US" sz="2400">
+                <a:ea typeface="+mn-lt"/>
+                <a:cs typeface="+mn-lt"/>
+              </a:rPr>
+              <a:t>, w </a:t>
+            </a:r>
+            <a:r>
+              <a:rPr lang="en-US" sz="2400" err="1">
+                <a:ea typeface="+mn-lt"/>
+                <a:cs typeface="+mn-lt"/>
+              </a:rPr>
+              <a:t>których</a:t>
+            </a:r>
+            <a:r>
+              <a:rPr lang="en-US" sz="2400">
+                <a:ea typeface="+mn-lt"/>
+                <a:cs typeface="+mn-lt"/>
+              </a:rPr>
+              <a:t> z </a:t>
+            </a:r>
+            <a:r>
+              <a:rPr lang="en-US" sz="2400" err="1">
+                <a:ea typeface="+mn-lt"/>
+                <a:cs typeface="+mn-lt"/>
+              </a:rPr>
+              <a:t>listy</a:t>
+            </a:r>
+            <a:r>
+              <a:rPr lang="en-US" sz="2400">
+                <a:ea typeface="+mn-lt"/>
+                <a:cs typeface="+mn-lt"/>
+              </a:rPr>
+              <a:t> 4 </a:t>
+            </a:r>
+            <a:r>
+              <a:rPr lang="en-US" sz="2400" err="1">
+                <a:ea typeface="+mn-lt"/>
+                <a:cs typeface="+mn-lt"/>
+              </a:rPr>
+              <a:t>odpowiedzi</a:t>
+            </a:r>
+            <a:r>
+              <a:rPr lang="en-US" sz="2400">
+                <a:ea typeface="+mn-lt"/>
+                <a:cs typeface="+mn-lt"/>
+              </a:rPr>
+              <a:t> </a:t>
+            </a:r>
+            <a:r>
+              <a:rPr lang="en-US" sz="2400" err="1">
+                <a:ea typeface="+mn-lt"/>
+                <a:cs typeface="+mn-lt"/>
+              </a:rPr>
+              <a:t>trzeba</a:t>
+            </a:r>
+            <a:r>
+              <a:rPr lang="en-US" sz="2400">
+                <a:ea typeface="+mn-lt"/>
+                <a:cs typeface="+mn-lt"/>
+              </a:rPr>
+              <a:t> </a:t>
+            </a:r>
+            <a:r>
+              <a:rPr lang="en-US" sz="2400" err="1">
+                <a:ea typeface="+mn-lt"/>
+                <a:cs typeface="+mn-lt"/>
+              </a:rPr>
+              <a:t>wybrać</a:t>
+            </a:r>
+            <a:r>
+              <a:rPr lang="en-US" sz="2400">
+                <a:ea typeface="+mn-lt"/>
+                <a:cs typeface="+mn-lt"/>
+              </a:rPr>
+              <a:t> </a:t>
+            </a:r>
+            <a:r>
+              <a:rPr lang="en-US" sz="2400" err="1">
+                <a:ea typeface="+mn-lt"/>
+                <a:cs typeface="+mn-lt"/>
+              </a:rPr>
+              <a:t>jedną</a:t>
+            </a:r>
+            <a:r>
+              <a:rPr lang="en-US" sz="2400">
+                <a:ea typeface="+mn-lt"/>
+                <a:cs typeface="+mn-lt"/>
+              </a:rPr>
+              <a:t> – </a:t>
+            </a:r>
+            <a:r>
+              <a:rPr lang="en-US" sz="2400" err="1">
+                <a:ea typeface="+mn-lt"/>
+                <a:cs typeface="+mn-lt"/>
+              </a:rPr>
+              <a:t>poprawną</a:t>
+            </a:r>
+            <a:endParaRPr lang="en-US" sz="2400" err="1"/>
           </a:p>
         </p:txBody>
       </p:sp>
@@ -15749,11 +22207,11 @@
             </a:pPr>
             <a:r>
               <a:rPr lang="en-US" sz="2400"/>
-              <a:t>Problem z bazą danych. Na początku projektu zastanawiałyśmy się nad phpMyAdmin, jsonem. Zdecydowałyśmy się na jsona I wraz z stackoverflow udało nam się wpisać jedno pytanie do pliku z rozszerzeniem .json. W miarę szybko okzało się to jednak nieskuteczne ponieważ wpisując dane do pliku należało by dynamicznie zmieniać nazwę zmiennej, czego nie da się osiągnąc w javie. Możliwe, że istnieje rozwiązanie tego problemu, lecz zdecydowałyśmy się na wybranie prostszej ścieżki, zwłaszcza, że problemem było dla nas również odczytywanie z pliku .json I konwertowanie tego w dane łatwe do przetworzenia. Wybrałyśmy ArrayListy, z których wyciągamy dane I wpisujemy je do pliku tekstowego – przy zapisie </a:t>
+              <a:t>Problem z </a:t>
             </a:r>
             <a:r>
               <a:rPr lang="en-US" sz="2400" err="1"/>
-              <a:t>oraz</a:t>
+              <a:t>bazą</a:t>
             </a:r>
             <a:r>
               <a:rPr lang="en-US" sz="2400"/>
@@ -15761,7 +22219,119 @@
             </a:r>
             <a:r>
               <a:rPr lang="en-US" sz="2400" err="1"/>
-              <a:t>analogicznie</a:t>
+              <a:t>danych</a:t>
+            </a:r>
+            <a:r>
+              <a:rPr lang="en-US" sz="2400"/>
+              <a:t>: </a:t>
+            </a:r>
+            <a:endParaRPr lang="pl-PL"/>
+          </a:p>
+          <a:p>
+            <a:pPr>
+              <a:buFont typeface="Arial"/>
+              <a:buChar char="»"/>
+            </a:pPr>
+            <a:r>
+              <a:rPr lang="en-US" sz="2400"/>
+              <a:t>phpMyAdmin, </a:t>
+            </a:r>
+            <a:endParaRPr lang="en-US"/>
+          </a:p>
+          <a:p>
+            <a:pPr>
+              <a:buFont typeface="Arial"/>
+              <a:buChar char="»"/>
+            </a:pPr>
+            <a:r>
+              <a:rPr lang="en-US" sz="2400"/>
+              <a:t>json,</a:t>
+            </a:r>
+            <a:endParaRPr lang="en-US"/>
+          </a:p>
+          <a:p>
+            <a:pPr>
+              <a:buFont typeface="Arial"/>
+              <a:buChar char="»"/>
+            </a:pPr>
+            <a:r>
+              <a:rPr lang="en-US" sz="2400" err="1"/>
+              <a:t>dynamicza</a:t>
+            </a:r>
+            <a:r>
+              <a:rPr lang="en-US" sz="2400"/>
+              <a:t> </a:t>
+            </a:r>
+            <a:r>
+              <a:rPr lang="en-US" sz="2400" err="1"/>
+              <a:t>zmiena</a:t>
+            </a:r>
+            <a:r>
+              <a:rPr lang="en-US" sz="2400"/>
+              <a:t> </a:t>
+            </a:r>
+            <a:r>
+              <a:rPr lang="en-US" sz="2400" err="1"/>
+              <a:t>nazw</a:t>
+            </a:r>
+            <a:r>
+              <a:rPr lang="en-US" sz="2400"/>
+              <a:t> </a:t>
+            </a:r>
+            <a:r>
+              <a:rPr lang="en-US" sz="2400" err="1"/>
+              <a:t>zmiennych</a:t>
+            </a:r>
+            <a:r>
+              <a:rPr lang="en-US" sz="2400"/>
+              <a:t>, </a:t>
+            </a:r>
+            <a:endParaRPr lang="en-US"/>
+          </a:p>
+          <a:p>
+            <a:pPr>
+              <a:buFont typeface="Arial"/>
+              <a:buChar char="»"/>
+            </a:pPr>
+            <a:r>
+              <a:rPr lang="en-US" sz="2400" err="1"/>
+              <a:t>konwersja</a:t>
+            </a:r>
+            <a:r>
+              <a:rPr lang="en-US" sz="2400"/>
+              <a:t>.</a:t>
+            </a:r>
+            <a:endParaRPr lang="en-US"/>
+          </a:p>
+          <a:p>
+            <a:pPr marL="0" indent="0">
+              <a:buNone/>
+            </a:pPr>
+            <a:endParaRPr lang="en-US" sz="2400"/>
+          </a:p>
+          <a:p>
+            <a:pPr marL="0" indent="0">
+              <a:buNone/>
+            </a:pPr>
+            <a:r>
+              <a:rPr lang="en-US" sz="2400" err="1"/>
+              <a:t>Rozwiązanie</a:t>
+            </a:r>
+            <a:r>
+              <a:rPr lang="en-US" sz="2400"/>
+              <a:t>: </a:t>
+            </a:r>
+            <a:r>
+              <a:rPr lang="en-US" sz="2400" err="1"/>
+              <a:t>ArrayListy</a:t>
+            </a:r>
+            <a:r>
+              <a:rPr lang="en-US" sz="2400"/>
+              <a:t>, z </a:t>
+            </a:r>
+            <a:r>
+              <a:rPr lang="en-US" sz="2400" err="1"/>
+              <a:t>których</a:t>
             </a:r>
             <a:r>
               <a:rPr lang="en-US" sz="2400"/>
@@ -15769,7 +22339,7 @@
             </a:r>
             <a:r>
               <a:rPr lang="en-US" sz="2400" err="1"/>
-              <a:t>przy</a:t>
+              <a:t>wyciągamy</a:t>
             </a:r>
             <a:r>
               <a:rPr lang="en-US" sz="2400"/>
@@ -15777,12 +22347,21 @@
             </a:r>
             <a:r>
               <a:rPr lang="en-US" sz="2400" err="1"/>
-              <a:t>wczytywaniu</a:t>
+              <a:t>dane</a:t>
             </a:r>
             <a:r>
               <a:rPr lang="en-US" sz="2400"/>
-              <a:t>.</a:t>
-            </a:r>
+              <a:t> I </a:t>
+            </a:r>
+            <a:r>
+              <a:rPr lang="en-US" sz="2400" err="1"/>
+              <a:t>wpisujemy</a:t>
+            </a:r>
+            <a:r>
+              <a:rPr lang="en-US" sz="2400"/>
+              <a:t> je do pliku tekstowego – przy zapisie oraz analogicznie przy wczytywaniu.</a:t>
+            </a:r>
+            <a:endParaRPr lang="en-US"/>
           </a:p>
         </p:txBody>
       </p:sp>
